--- a/docs/Welcome to SHARC.pptx
+++ b/docs/Welcome to SHARC.pptx
@@ -10,10 +10,11 @@
     <p:sldId id="258" r:id="rId4"/>
     <p:sldId id="257" r:id="rId5"/>
     <p:sldId id="264" r:id="rId6"/>
-    <p:sldId id="260" r:id="rId7"/>
-    <p:sldId id="261" r:id="rId8"/>
-    <p:sldId id="262" r:id="rId9"/>
-    <p:sldId id="263" r:id="rId10"/>
+    <p:sldId id="265" r:id="rId7"/>
+    <p:sldId id="260" r:id="rId8"/>
+    <p:sldId id="261" r:id="rId9"/>
+    <p:sldId id="262" r:id="rId10"/>
+    <p:sldId id="263" r:id="rId11"/>
   </p:sldIdLst>
   <p:sldSz cx="9144000" cy="6858000" type="screen4x3"/>
   <p:notesSz cx="6858000" cy="9144000"/>
@@ -303,7 +304,7 @@
           <a:p>
             <a:fld id="{2E700DB3-DBF0-4086-B675-117E7A9610B8}" type="datetimeFigureOut">
               <a:rPr lang="pt-BR" smtClean="0"/>
-              <a:t>06/02/2017</a:t>
+              <a:t>13/02/2017</a:t>
             </a:fld>
             <a:endParaRPr lang="pt-BR"/>
           </a:p>
@@ -503,7 +504,7 @@
           <a:p>
             <a:fld id="{2E700DB3-DBF0-4086-B675-117E7A9610B8}" type="datetimeFigureOut">
               <a:rPr lang="pt-BR" smtClean="0"/>
-              <a:t>06/02/2017</a:t>
+              <a:t>13/02/2017</a:t>
             </a:fld>
             <a:endParaRPr lang="pt-BR"/>
           </a:p>
@@ -678,7 +679,7 @@
           <a:p>
             <a:fld id="{2E700DB3-DBF0-4086-B675-117E7A9610B8}" type="datetimeFigureOut">
               <a:rPr lang="pt-BR" smtClean="0"/>
-              <a:t>06/02/2017</a:t>
+              <a:t>13/02/2017</a:t>
             </a:fld>
             <a:endParaRPr lang="pt-BR"/>
           </a:p>
@@ -843,7 +844,7 @@
           <a:p>
             <a:fld id="{2E700DB3-DBF0-4086-B675-117E7A9610B8}" type="datetimeFigureOut">
               <a:rPr lang="pt-BR" smtClean="0"/>
-              <a:t>06/02/2017</a:t>
+              <a:t>13/02/2017</a:t>
             </a:fld>
             <a:endParaRPr lang="pt-BR"/>
           </a:p>
@@ -1091,7 +1092,7 @@
           <a:p>
             <a:fld id="{2E700DB3-DBF0-4086-B675-117E7A9610B8}" type="datetimeFigureOut">
               <a:rPr lang="pt-BR" smtClean="0"/>
-              <a:t>06/02/2017</a:t>
+              <a:t>13/02/2017</a:t>
             </a:fld>
             <a:endParaRPr lang="pt-BR"/>
           </a:p>
@@ -1409,7 +1410,7 @@
           <a:p>
             <a:fld id="{2E700DB3-DBF0-4086-B675-117E7A9610B8}" type="datetimeFigureOut">
               <a:rPr lang="pt-BR" smtClean="0"/>
-              <a:t>06/02/2017</a:t>
+              <a:t>13/02/2017</a:t>
             </a:fld>
             <a:endParaRPr lang="pt-BR"/>
           </a:p>
@@ -1875,7 +1876,7 @@
           <a:p>
             <a:fld id="{2E700DB3-DBF0-4086-B675-117E7A9610B8}" type="datetimeFigureOut">
               <a:rPr lang="pt-BR" smtClean="0"/>
-              <a:t>06/02/2017</a:t>
+              <a:t>13/02/2017</a:t>
             </a:fld>
             <a:endParaRPr lang="pt-BR"/>
           </a:p>
@@ -2023,7 +2024,7 @@
           <a:p>
             <a:fld id="{2E700DB3-DBF0-4086-B675-117E7A9610B8}" type="datetimeFigureOut">
               <a:rPr lang="pt-BR" smtClean="0"/>
-              <a:t>06/02/2017</a:t>
+              <a:t>13/02/2017</a:t>
             </a:fld>
             <a:endParaRPr lang="pt-BR"/>
           </a:p>
@@ -2113,7 +2114,7 @@
           <a:p>
             <a:fld id="{2E700DB3-DBF0-4086-B675-117E7A9610B8}" type="datetimeFigureOut">
               <a:rPr lang="pt-BR" smtClean="0"/>
-              <a:t>06/02/2017</a:t>
+              <a:t>13/02/2017</a:t>
             </a:fld>
             <a:endParaRPr lang="pt-BR"/>
           </a:p>
@@ -2387,7 +2388,7 @@
           <a:p>
             <a:fld id="{2E700DB3-DBF0-4086-B675-117E7A9610B8}" type="datetimeFigureOut">
               <a:rPr lang="pt-BR" smtClean="0"/>
-              <a:t>06/02/2017</a:t>
+              <a:t>13/02/2017</a:t>
             </a:fld>
             <a:endParaRPr lang="pt-BR"/>
           </a:p>
@@ -2692,7 +2693,7 @@
           <a:p>
             <a:fld id="{2E700DB3-DBF0-4086-B675-117E7A9610B8}" type="datetimeFigureOut">
               <a:rPr lang="pt-BR" smtClean="0"/>
-              <a:t>06/02/2017</a:t>
+              <a:t>13/02/2017</a:t>
             </a:fld>
             <a:endParaRPr lang="pt-BR"/>
           </a:p>
@@ -2990,7 +2991,7 @@
           <a:p>
             <a:fld id="{2E700DB3-DBF0-4086-B675-117E7A9610B8}" type="datetimeFigureOut">
               <a:rPr lang="pt-BR" smtClean="0"/>
-              <a:t>06/02/2017</a:t>
+              <a:t>13/02/2017</a:t>
             </a:fld>
             <a:endParaRPr lang="pt-BR"/>
           </a:p>
@@ -3502,6 +3503,137 @@
       </p:par>
     </p:tnLst>
   </p:timing>
+</p:sld>
+</file>
+
+<file path=ppt/slides/slide10.xml><?xml version="1.0" encoding="utf-8"?>
+<p:sld xmlns:a="http://schemas.openxmlformats.org/drawingml/2006/main" xmlns:r="http://schemas.openxmlformats.org/officeDocument/2006/relationships" xmlns:p="http://schemas.openxmlformats.org/presentationml/2006/main">
+  <p:cSld>
+    <p:spTree>
+      <p:nvGrpSpPr>
+        <p:cNvPr id="1" name=""/>
+        <p:cNvGrpSpPr/>
+        <p:nvPr/>
+      </p:nvGrpSpPr>
+      <p:grpSpPr>
+        <a:xfrm>
+          <a:off x="0" y="0"/>
+          <a:ext cx="0" cy="0"/>
+          <a:chOff x="0" y="0"/>
+          <a:chExt cx="0" cy="0"/>
+        </a:xfrm>
+      </p:grpSpPr>
+      <p:sp>
+        <p:nvSpPr>
+          <p:cNvPr id="2" name="Título 1"/>
+          <p:cNvSpPr>
+            <a:spLocks noGrp="1"/>
+          </p:cNvSpPr>
+          <p:nvPr>
+            <p:ph type="title"/>
+          </p:nvPr>
+        </p:nvSpPr>
+        <p:spPr/>
+        <p:txBody>
+          <a:bodyPr/>
+          <a:lstStyle/>
+          <a:p>
+            <a:r>
+              <a:rPr lang="pt-BR" dirty="0" smtClean="0"/>
+              <a:t>AOB</a:t>
+            </a:r>
+            <a:endParaRPr lang="pt-BR" dirty="0"/>
+          </a:p>
+        </p:txBody>
+      </p:sp>
+      <p:sp>
+        <p:nvSpPr>
+          <p:cNvPr id="3" name="Espaço Reservado para Conteúdo 2"/>
+          <p:cNvSpPr>
+            <a:spLocks noGrp="1"/>
+          </p:cNvSpPr>
+          <p:nvPr>
+            <p:ph idx="1"/>
+          </p:nvPr>
+        </p:nvSpPr>
+        <p:spPr/>
+        <p:txBody>
+          <a:bodyPr/>
+          <a:lstStyle/>
+          <a:p>
+            <a:r>
+              <a:rPr lang="pt-BR" dirty="0" err="1" smtClean="0"/>
+              <a:t>How</a:t>
+            </a:r>
+            <a:r>
+              <a:rPr lang="pt-BR" dirty="0" smtClean="0"/>
+              <a:t> </a:t>
+            </a:r>
+            <a:r>
+              <a:rPr lang="pt-BR" dirty="0" err="1" smtClean="0"/>
+              <a:t>to</a:t>
+            </a:r>
+            <a:r>
+              <a:rPr lang="pt-BR" dirty="0" smtClean="0"/>
+              <a:t> </a:t>
+            </a:r>
+            <a:r>
+              <a:rPr lang="pt-BR" dirty="0" err="1" smtClean="0"/>
+              <a:t>calculate</a:t>
+            </a:r>
+            <a:r>
+              <a:rPr lang="pt-BR" dirty="0" smtClean="0"/>
+              <a:t> performance </a:t>
+            </a:r>
+            <a:r>
+              <a:rPr lang="pt-BR" dirty="0" err="1" smtClean="0"/>
+              <a:t>degradation</a:t>
+            </a:r>
+            <a:r>
+              <a:rPr lang="pt-BR" dirty="0" smtClean="0"/>
+              <a:t> </a:t>
+            </a:r>
+            <a:r>
+              <a:rPr lang="pt-BR" dirty="0" err="1" smtClean="0"/>
+              <a:t>of</a:t>
+            </a:r>
+            <a:r>
+              <a:rPr lang="pt-BR" dirty="0" smtClean="0"/>
+              <a:t> IMT?</a:t>
+            </a:r>
+          </a:p>
+          <a:p>
+            <a:pPr lvl="1"/>
+            <a:r>
+              <a:rPr lang="pt-BR" dirty="0" err="1" smtClean="0"/>
+              <a:t>Check</a:t>
+            </a:r>
+            <a:r>
+              <a:rPr lang="pt-BR" dirty="0" smtClean="0"/>
+              <a:t> e-mail </a:t>
+            </a:r>
+            <a:r>
+              <a:rPr lang="pt-BR" dirty="0" err="1" smtClean="0"/>
+              <a:t>from</a:t>
+            </a:r>
+            <a:r>
+              <a:rPr lang="pt-BR" smtClean="0"/>
+              <a:t> Tarcisio</a:t>
+            </a:r>
+            <a:endParaRPr lang="pt-BR"/>
+          </a:p>
+        </p:txBody>
+      </p:sp>
+    </p:spTree>
+    <p:extLst>
+      <p:ext uri="{BB962C8B-B14F-4D97-AF65-F5344CB8AC3E}">
+        <p14:creationId xmlns:p14="http://schemas.microsoft.com/office/powerpoint/2010/main" val="3874876216"/>
+      </p:ext>
+    </p:extLst>
+  </p:cSld>
+  <p:clrMapOvr>
+    <a:masterClrMapping/>
+  </p:clrMapOvr>
 </p:sld>
 </file>
 
@@ -4650,6 +4782,13 @@
   <p:clrMapOvr>
     <a:masterClrMapping/>
   </p:clrMapOvr>
+  <p:timing>
+    <p:tnLst>
+      <p:par>
+        <p:cTn id="1" dur="indefinite" restart="never" nodeType="tmRoot"/>
+      </p:par>
+    </p:tnLst>
+  </p:timing>
 </p:sld>
 </file>
 
@@ -4686,8 +4825,20 @@
           <a:lstStyle/>
           <a:p>
             <a:r>
-              <a:rPr lang="pt-BR" dirty="0" err="1" smtClean="0"/>
-              <a:t>Repositories</a:t>
+              <a:rPr lang="pt-BR" dirty="0" smtClean="0"/>
+              <a:t>Project-</a:t>
+            </a:r>
+            <a:r>
+              <a:rPr lang="pt-BR" dirty="0" err="1" smtClean="0"/>
+              <a:t>specific</a:t>
+            </a:r>
+            <a:r>
+              <a:rPr lang="pt-BR" dirty="0" smtClean="0"/>
+              <a:t> </a:t>
+            </a:r>
+            <a:r>
+              <a:rPr lang="pt-BR" dirty="0" err="1" smtClean="0"/>
+              <a:t>conventions</a:t>
             </a:r>
             <a:endParaRPr lang="pt-BR" dirty="0"/>
           </a:p>
@@ -4705,12 +4856,18 @@
         </p:nvSpPr>
         <p:spPr/>
         <p:txBody>
-          <a:bodyPr/>
-          <a:lstStyle/>
-          <a:p>
-            <a:r>
-              <a:rPr lang="pt-BR" dirty="0" err="1" smtClean="0"/>
-              <a:t>Source</a:t>
+          <a:bodyPr>
+            <a:normAutofit/>
+          </a:bodyPr>
+          <a:lstStyle/>
+          <a:p>
+            <a:r>
+              <a:rPr lang="pt-BR" dirty="0" smtClean="0"/>
+              <a:t>Use Python 3.5 </a:t>
+            </a:r>
+            <a:r>
+              <a:rPr lang="pt-BR" dirty="0" err="1" smtClean="0"/>
+              <a:t>type</a:t>
             </a:r>
             <a:r>
               <a:rPr lang="pt-BR" dirty="0" smtClean="0"/>
@@ -4718,85 +4875,446 @@
             </a:r>
             <a:r>
               <a:rPr lang="pt-BR" dirty="0" err="1" smtClean="0"/>
-              <a:t>code</a:t>
+              <a:t>hinting</a:t>
+            </a:r>
+            <a:r>
+              <a:rPr lang="pt-BR" dirty="0" smtClean="0"/>
+              <a:t>:</a:t>
+            </a:r>
+          </a:p>
+          <a:p>
+            <a:endParaRPr lang="pt-BR" dirty="0"/>
+          </a:p>
+          <a:p>
+            <a:endParaRPr lang="pt-BR" dirty="0" smtClean="0"/>
+          </a:p>
+          <a:p>
+            <a:endParaRPr lang="pt-BR" dirty="0"/>
+          </a:p>
+          <a:p>
+            <a:endParaRPr lang="pt-BR" dirty="0" smtClean="0"/>
+          </a:p>
+          <a:p>
+            <a:endParaRPr lang="pt-BR" dirty="0"/>
+          </a:p>
+          <a:p>
+            <a:endParaRPr lang="pt-BR" dirty="0" smtClean="0"/>
+          </a:p>
+          <a:p>
+            <a:r>
+              <a:rPr lang="pt-BR" dirty="0" err="1" smtClean="0"/>
+              <a:t>Read</a:t>
+            </a:r>
+            <a:r>
+              <a:rPr lang="pt-BR" dirty="0" smtClean="0"/>
+              <a:t> more </a:t>
+            </a:r>
+            <a:r>
+              <a:rPr lang="pt-BR" dirty="0" err="1" smtClean="0"/>
+              <a:t>about</a:t>
+            </a:r>
+            <a:r>
+              <a:rPr lang="pt-BR" dirty="0" smtClean="0"/>
+              <a:t> it:</a:t>
+            </a:r>
+          </a:p>
+          <a:p>
+            <a:pPr lvl="1"/>
+            <a:r>
+              <a:rPr lang="pt-BR" dirty="0">
+                <a:hlinkClick r:id="rId2"/>
+              </a:rPr>
+              <a:t>https://blog.jetbrains.com/pycharm/2015/11/python-3-5-type-hinting-in-pycharm-5</a:t>
+            </a:r>
+            <a:r>
+              <a:rPr lang="pt-BR" dirty="0" smtClean="0">
+                <a:hlinkClick r:id="rId2"/>
+              </a:rPr>
+              <a:t>/</a:t>
+            </a:r>
+            <a:endParaRPr lang="pt-BR" dirty="0" smtClean="0"/>
+          </a:p>
+          <a:p>
+            <a:pPr lvl="1"/>
+            <a:r>
+              <a:rPr lang="pt-BR" dirty="0">
+                <a:hlinkClick r:id="rId3"/>
+              </a:rPr>
+              <a:t>https://www.python.org/dev/peps/pep-0484</a:t>
+            </a:r>
+            <a:r>
+              <a:rPr lang="pt-BR" dirty="0" smtClean="0">
+                <a:hlinkClick r:id="rId3"/>
+              </a:rPr>
+              <a:t>/</a:t>
             </a:r>
             <a:r>
               <a:rPr lang="pt-BR" dirty="0" smtClean="0"/>
               <a:t> </a:t>
             </a:r>
-            <a:r>
-              <a:rPr lang="pt-BR" dirty="0" err="1" smtClean="0"/>
-              <a:t>repository</a:t>
-            </a:r>
-            <a:endParaRPr lang="pt-BR" dirty="0" smtClean="0"/>
-          </a:p>
-          <a:p>
             <a:endParaRPr lang="pt-BR" dirty="0"/>
           </a:p>
-          <a:p>
-            <a:r>
-              <a:rPr lang="pt-BR" dirty="0" smtClean="0"/>
-              <a:t>ANATEL </a:t>
-            </a:r>
-            <a:r>
-              <a:rPr lang="pt-BR" dirty="0" err="1" smtClean="0"/>
-              <a:t>Cloud</a:t>
-            </a:r>
-            <a:r>
-              <a:rPr lang="pt-BR" dirty="0" smtClean="0"/>
-              <a:t> for </a:t>
-            </a:r>
-            <a:r>
-              <a:rPr lang="pt-BR" dirty="0" err="1" smtClean="0"/>
-              <a:t>sharing</a:t>
-            </a:r>
-            <a:r>
-              <a:rPr lang="pt-BR" dirty="0" smtClean="0"/>
+        </p:txBody>
+      </p:sp>
+      <p:sp>
+        <p:nvSpPr>
+          <p:cNvPr id="4" name="CaixaDeTexto 3"/>
+          <p:cNvSpPr txBox="1"/>
+          <p:nvPr/>
+        </p:nvSpPr>
+        <p:spPr>
+          <a:xfrm>
+            <a:off x="2051720" y="2422629"/>
+            <a:ext cx="5009705" cy="646331"/>
+          </a:xfrm>
+          <a:prstGeom prst="rect">
+            <a:avLst/>
+          </a:prstGeom>
+          <a:noFill/>
+          <a:ln>
+            <a:solidFill>
+              <a:schemeClr val="tx1"/>
+            </a:solidFill>
+          </a:ln>
+        </p:spPr>
+        <p:txBody>
+          <a:bodyPr wrap="none" rtlCol="0">
+            <a:spAutoFit/>
+          </a:bodyPr>
+          <a:lstStyle/>
+          <a:p>
+            <a:r>
+              <a:rPr lang="en-US" dirty="0" err="1">
+                <a:solidFill>
+                  <a:srgbClr val="0070C0"/>
+                </a:solidFill>
+                <a:latin typeface="Courier New" pitchFamily="49" charset="0"/>
+                <a:cs typeface="Courier New" pitchFamily="49" charset="0"/>
+              </a:rPr>
+              <a:t>def</a:t>
+            </a:r>
+            <a:r>
+              <a:rPr lang="en-US" dirty="0">
+                <a:solidFill>
+                  <a:srgbClr val="0070C0"/>
+                </a:solidFill>
+                <a:latin typeface="Courier New" pitchFamily="49" charset="0"/>
+                <a:cs typeface="Courier New" pitchFamily="49" charset="0"/>
+              </a:rPr>
               <a:t> </a:t>
             </a:r>
             <a:r>
-              <a:rPr lang="pt-BR" dirty="0" err="1" smtClean="0"/>
-              <a:t>documents</a:t>
-            </a:r>
-            <a:endParaRPr lang="pt-BR" dirty="0" smtClean="0"/>
-          </a:p>
-          <a:p>
-            <a:pPr lvl="1"/>
-            <a:r>
-              <a:rPr lang="pt-BR" dirty="0" err="1" smtClean="0"/>
-              <a:t>GitHub</a:t>
-            </a:r>
-            <a:endParaRPr lang="pt-BR" dirty="0" smtClean="0"/>
-          </a:p>
-          <a:p>
-            <a:pPr lvl="1"/>
-            <a:r>
-              <a:rPr lang="pt-BR" dirty="0" smtClean="0"/>
-              <a:t>Google Drive</a:t>
-            </a:r>
-          </a:p>
-          <a:p>
-            <a:pPr lvl="1"/>
-            <a:endParaRPr lang="pt-BR" dirty="0"/>
-          </a:p>
-          <a:p>
-            <a:endParaRPr lang="pt-BR" dirty="0"/>
-          </a:p>
-          <a:p>
-            <a:endParaRPr lang="pt-BR" dirty="0"/>
-          </a:p>
-        </p:txBody>
-      </p:sp>
+              <a:rPr lang="en-US" b="1" dirty="0" smtClean="0">
+                <a:latin typeface="Courier New" pitchFamily="49" charset="0"/>
+                <a:cs typeface="Courier New" pitchFamily="49" charset="0"/>
+              </a:rPr>
+              <a:t>greeting</a:t>
+            </a:r>
+            <a:r>
+              <a:rPr lang="en-US" dirty="0" smtClean="0">
+                <a:latin typeface="Courier New" pitchFamily="49" charset="0"/>
+                <a:cs typeface="Courier New" pitchFamily="49" charset="0"/>
+              </a:rPr>
+              <a:t>(</a:t>
+            </a:r>
+            <a:r>
+              <a:rPr lang="en-US" dirty="0" smtClean="0">
+                <a:solidFill>
+                  <a:srgbClr val="C00000"/>
+                </a:solidFill>
+                <a:latin typeface="Courier New" pitchFamily="49" charset="0"/>
+                <a:cs typeface="Courier New" pitchFamily="49" charset="0"/>
+              </a:rPr>
+              <a:t>name</a:t>
+            </a:r>
+            <a:r>
+              <a:rPr lang="en-US" dirty="0" smtClean="0">
+                <a:latin typeface="Courier New" pitchFamily="49" charset="0"/>
+                <a:cs typeface="Courier New" pitchFamily="49" charset="0"/>
+              </a:rPr>
+              <a:t>):</a:t>
+            </a:r>
+            <a:endParaRPr lang="en-US" dirty="0">
+              <a:latin typeface="Courier New" pitchFamily="49" charset="0"/>
+              <a:cs typeface="Courier New" pitchFamily="49" charset="0"/>
+            </a:endParaRPr>
+          </a:p>
+          <a:p>
+            <a:r>
+              <a:rPr lang="en-US" dirty="0">
+                <a:latin typeface="Courier New" pitchFamily="49" charset="0"/>
+                <a:cs typeface="Courier New" pitchFamily="49" charset="0"/>
+              </a:rPr>
+              <a:t>    </a:t>
+            </a:r>
+            <a:r>
+              <a:rPr lang="en-US" dirty="0">
+                <a:solidFill>
+                  <a:srgbClr val="0070C0"/>
+                </a:solidFill>
+                <a:latin typeface="Courier New" pitchFamily="49" charset="0"/>
+                <a:cs typeface="Courier New" pitchFamily="49" charset="0"/>
+              </a:rPr>
+              <a:t>return</a:t>
+            </a:r>
+            <a:r>
+              <a:rPr lang="en-US" dirty="0">
+                <a:latin typeface="Courier New" pitchFamily="49" charset="0"/>
+                <a:cs typeface="Courier New" pitchFamily="49" charset="0"/>
+              </a:rPr>
+              <a:t> 'Hello, {}'.format(name</a:t>
+            </a:r>
+            <a:r>
+              <a:rPr lang="en-US" dirty="0" smtClean="0">
+                <a:latin typeface="Courier New" pitchFamily="49" charset="0"/>
+                <a:cs typeface="Courier New" pitchFamily="49" charset="0"/>
+              </a:rPr>
+              <a:t>)</a:t>
+            </a:r>
+            <a:endParaRPr lang="pt-BR" dirty="0">
+              <a:latin typeface="Courier New" pitchFamily="49" charset="0"/>
+              <a:cs typeface="Courier New" pitchFamily="49" charset="0"/>
+            </a:endParaRPr>
+          </a:p>
+        </p:txBody>
+      </p:sp>
+      <p:sp>
+        <p:nvSpPr>
+          <p:cNvPr id="6" name="CaixaDeTexto 5"/>
+          <p:cNvSpPr txBox="1"/>
+          <p:nvPr/>
+        </p:nvSpPr>
+        <p:spPr>
+          <a:xfrm>
+            <a:off x="2051720" y="3574757"/>
+            <a:ext cx="5009705" cy="646331"/>
+          </a:xfrm>
+          <a:prstGeom prst="rect">
+            <a:avLst/>
+          </a:prstGeom>
+          <a:noFill/>
+          <a:ln>
+            <a:solidFill>
+              <a:schemeClr val="tx1"/>
+            </a:solidFill>
+          </a:ln>
+        </p:spPr>
+        <p:txBody>
+          <a:bodyPr wrap="none" rtlCol="0">
+            <a:spAutoFit/>
+          </a:bodyPr>
+          <a:lstStyle/>
+          <a:p>
+            <a:r>
+              <a:rPr lang="en-US" dirty="0" err="1">
+                <a:solidFill>
+                  <a:srgbClr val="0070C0"/>
+                </a:solidFill>
+                <a:latin typeface="Courier New" pitchFamily="49" charset="0"/>
+                <a:cs typeface="Courier New" pitchFamily="49" charset="0"/>
+              </a:rPr>
+              <a:t>def</a:t>
+            </a:r>
+            <a:r>
+              <a:rPr lang="en-US" dirty="0">
+                <a:solidFill>
+                  <a:srgbClr val="0070C0"/>
+                </a:solidFill>
+                <a:latin typeface="Courier New" pitchFamily="49" charset="0"/>
+                <a:cs typeface="Courier New" pitchFamily="49" charset="0"/>
+              </a:rPr>
+              <a:t> </a:t>
+            </a:r>
+            <a:r>
+              <a:rPr lang="en-US" b="1" dirty="0">
+                <a:latin typeface="Courier New" pitchFamily="49" charset="0"/>
+                <a:cs typeface="Courier New" pitchFamily="49" charset="0"/>
+              </a:rPr>
+              <a:t>greeting</a:t>
+            </a:r>
+            <a:r>
+              <a:rPr lang="en-US" dirty="0">
+                <a:latin typeface="Courier New" pitchFamily="49" charset="0"/>
+                <a:cs typeface="Courier New" pitchFamily="49" charset="0"/>
+              </a:rPr>
+              <a:t>(</a:t>
+            </a:r>
+            <a:r>
+              <a:rPr lang="en-US" dirty="0">
+                <a:solidFill>
+                  <a:srgbClr val="C00000"/>
+                </a:solidFill>
+                <a:latin typeface="Courier New" pitchFamily="49" charset="0"/>
+                <a:cs typeface="Courier New" pitchFamily="49" charset="0"/>
+              </a:rPr>
+              <a:t>name: </a:t>
+            </a:r>
+            <a:r>
+              <a:rPr lang="en-US" dirty="0" err="1">
+                <a:solidFill>
+                  <a:srgbClr val="C00000"/>
+                </a:solidFill>
+                <a:latin typeface="Courier New" pitchFamily="49" charset="0"/>
+                <a:cs typeface="Courier New" pitchFamily="49" charset="0"/>
+              </a:rPr>
+              <a:t>str</a:t>
+            </a:r>
+            <a:r>
+              <a:rPr lang="en-US" dirty="0">
+                <a:latin typeface="Courier New" pitchFamily="49" charset="0"/>
+                <a:cs typeface="Courier New" pitchFamily="49" charset="0"/>
+              </a:rPr>
+              <a:t>) -&gt; </a:t>
+            </a:r>
+            <a:r>
+              <a:rPr lang="en-US" dirty="0" err="1">
+                <a:solidFill>
+                  <a:srgbClr val="7030A0"/>
+                </a:solidFill>
+                <a:latin typeface="Courier New" pitchFamily="49" charset="0"/>
+                <a:cs typeface="Courier New" pitchFamily="49" charset="0"/>
+              </a:rPr>
+              <a:t>str</a:t>
+            </a:r>
+            <a:r>
+              <a:rPr lang="en-US" dirty="0">
+                <a:latin typeface="Courier New" pitchFamily="49" charset="0"/>
+                <a:cs typeface="Courier New" pitchFamily="49" charset="0"/>
+              </a:rPr>
+              <a:t>:</a:t>
+            </a:r>
+          </a:p>
+          <a:p>
+            <a:r>
+              <a:rPr lang="en-US" dirty="0">
+                <a:latin typeface="Courier New" pitchFamily="49" charset="0"/>
+                <a:cs typeface="Courier New" pitchFamily="49" charset="0"/>
+              </a:rPr>
+              <a:t>    </a:t>
+            </a:r>
+            <a:r>
+              <a:rPr lang="en-US" dirty="0">
+                <a:solidFill>
+                  <a:srgbClr val="0070C0"/>
+                </a:solidFill>
+                <a:latin typeface="Courier New" pitchFamily="49" charset="0"/>
+                <a:cs typeface="Courier New" pitchFamily="49" charset="0"/>
+              </a:rPr>
+              <a:t>return</a:t>
+            </a:r>
+            <a:r>
+              <a:rPr lang="en-US" dirty="0">
+                <a:latin typeface="Courier New" pitchFamily="49" charset="0"/>
+                <a:cs typeface="Courier New" pitchFamily="49" charset="0"/>
+              </a:rPr>
+              <a:t> 'Hello, {}'.format(name)</a:t>
+            </a:r>
+            <a:endParaRPr lang="pt-BR" dirty="0">
+              <a:latin typeface="Courier New" pitchFamily="49" charset="0"/>
+              <a:cs typeface="Courier New" pitchFamily="49" charset="0"/>
+            </a:endParaRPr>
+          </a:p>
+        </p:txBody>
+      </p:sp>
+      <p:pic>
+        <p:nvPicPr>
+          <p:cNvPr id="2050" name="Picture 2" descr="C:\Users\edgar\AppData\Local\Microsoft\Windows\Temporary Internet Files\Content.IE5\AC9MZ6HB\Yes_check.svg[1].png"/>
+          <p:cNvPicPr>
+            <a:picLocks noChangeAspect="1" noChangeArrowheads="1"/>
+          </p:cNvPicPr>
+          <p:nvPr/>
+        </p:nvPicPr>
+        <p:blipFill>
+          <a:blip r:embed="rId4" cstate="print">
+            <a:extLst>
+              <a:ext uri="{28A0092B-C50C-407E-A947-70E740481C1C}">
+                <a14:useLocalDpi xmlns:a14="http://schemas.microsoft.com/office/drawing/2010/main" val="0"/>
+              </a:ext>
+            </a:extLst>
+          </a:blip>
+          <a:srcRect/>
+          <a:stretch>
+            <a:fillRect/>
+          </a:stretch>
+        </p:blipFill>
+        <p:spPr bwMode="auto">
+          <a:xfrm>
+            <a:off x="7323137" y="3574757"/>
+            <a:ext cx="646331" cy="646331"/>
+          </a:xfrm>
+          <a:prstGeom prst="rect">
+            <a:avLst/>
+          </a:prstGeom>
+          <a:noFill/>
+          <a:extLst>
+            <a:ext uri="{909E8E84-426E-40DD-AFC4-6F175D3DCCD1}">
+              <a14:hiddenFill xmlns:a14="http://schemas.microsoft.com/office/drawing/2010/main">
+                <a:solidFill>
+                  <a:srgbClr val="FFFFFF"/>
+                </a:solidFill>
+              </a14:hiddenFill>
+            </a:ext>
+          </a:extLst>
+        </p:spPr>
+      </p:pic>
+      <p:pic>
+        <p:nvPicPr>
+          <p:cNvPr id="2051" name="Picture 3" descr="C:\Users\edgar\AppData\Local\Microsoft\Windows\Temporary Internet Files\Content.IE5\BJLV8WGV\PngMedium-Wrong-sign-3303[1].gif"/>
+          <p:cNvPicPr>
+            <a:picLocks noChangeAspect="1" noChangeArrowheads="1"/>
+          </p:cNvPicPr>
+          <p:nvPr/>
+        </p:nvPicPr>
+        <p:blipFill>
+          <a:blip r:embed="rId5" cstate="print">
+            <a:extLst>
+              <a:ext uri="{28A0092B-C50C-407E-A947-70E740481C1C}">
+                <a14:useLocalDpi xmlns:a14="http://schemas.microsoft.com/office/drawing/2010/main" val="0"/>
+              </a:ext>
+            </a:extLst>
+          </a:blip>
+          <a:srcRect/>
+          <a:stretch>
+            <a:fillRect/>
+          </a:stretch>
+        </p:blipFill>
+        <p:spPr bwMode="auto">
+          <a:xfrm>
+            <a:off x="7323137" y="2422628"/>
+            <a:ext cx="646331" cy="646331"/>
+          </a:xfrm>
+          <a:prstGeom prst="rect">
+            <a:avLst/>
+          </a:prstGeom>
+          <a:noFill/>
+          <a:extLst>
+            <a:ext uri="{909E8E84-426E-40DD-AFC4-6F175D3DCCD1}">
+              <a14:hiddenFill xmlns:a14="http://schemas.microsoft.com/office/drawing/2010/main">
+                <a:solidFill>
+                  <a:srgbClr val="FFFFFF"/>
+                </a:solidFill>
+              </a14:hiddenFill>
+            </a:ext>
+          </a:extLst>
+        </p:spPr>
+      </p:pic>
     </p:spTree>
     <p:extLst>
       <p:ext uri="{BB962C8B-B14F-4D97-AF65-F5344CB8AC3E}">
-        <p14:creationId xmlns:p14="http://schemas.microsoft.com/office/powerpoint/2010/main" val="278294855"/>
+        <p14:creationId xmlns:p14="http://schemas.microsoft.com/office/powerpoint/2010/main" val="3096679315"/>
       </p:ext>
     </p:extLst>
   </p:cSld>
   <p:clrMapOvr>
     <a:masterClrMapping/>
   </p:clrMapOvr>
+  <p:timing>
+    <p:tnLst>
+      <p:par>
+        <p:cTn id="1" dur="indefinite" restart="never" nodeType="tmRoot"/>
+      </p:par>
+    </p:tnLst>
+  </p:timing>
 </p:sld>
 </file>
 
@@ -4833,12 +5351,24 @@
           <a:lstStyle/>
           <a:p>
             <a:r>
-              <a:rPr lang="pt-BR" dirty="0" smtClean="0"/>
-              <a:t>Project </a:t>
-            </a:r>
-            <a:r>
-              <a:rPr lang="pt-BR" dirty="0" err="1" smtClean="0"/>
-              <a:t>tracking</a:t>
+              <a:rPr lang="pt-BR" dirty="0" err="1" smtClean="0"/>
+              <a:t>Repositories</a:t>
+            </a:r>
+            <a:r>
+              <a:rPr lang="pt-BR" dirty="0" smtClean="0"/>
+              <a:t> </a:t>
+            </a:r>
+            <a:r>
+              <a:rPr lang="pt-BR" dirty="0" err="1" smtClean="0"/>
+              <a:t>and</a:t>
+            </a:r>
+            <a:r>
+              <a:rPr lang="pt-BR" dirty="0" smtClean="0"/>
+              <a:t> </a:t>
+            </a:r>
+            <a:r>
+              <a:rPr lang="pt-BR" dirty="0" err="1" smtClean="0"/>
+              <a:t>branches</a:t>
             </a:r>
             <a:endParaRPr lang="pt-BR" dirty="0"/>
           </a:p>
@@ -4856,12 +5386,18 @@
         </p:nvSpPr>
         <p:spPr/>
         <p:txBody>
-          <a:bodyPr/>
-          <a:lstStyle/>
-          <a:p>
-            <a:r>
-              <a:rPr lang="pt-BR" dirty="0" err="1" smtClean="0"/>
-              <a:t>Work</a:t>
+          <a:bodyPr>
+            <a:noAutofit/>
+          </a:bodyPr>
+          <a:lstStyle/>
+          <a:p>
+            <a:r>
+              <a:rPr lang="pt-BR" dirty="0" err="1" smtClean="0"/>
+              <a:t>Git</a:t>
+            </a:r>
+            <a:r>
+              <a:rPr lang="pt-BR" dirty="0" err="1" smtClean="0"/>
+              <a:t>Hub</a:t>
             </a:r>
             <a:r>
               <a:rPr lang="pt-BR" dirty="0" smtClean="0"/>
@@ -4869,7 +5405,7 @@
             </a:r>
             <a:r>
               <a:rPr lang="pt-BR" dirty="0" err="1" smtClean="0"/>
-              <a:t>will</a:t>
+              <a:t>is</a:t>
             </a:r>
             <a:r>
               <a:rPr lang="pt-BR" dirty="0" smtClean="0"/>
@@ -4877,7 +5413,7 @@
             </a:r>
             <a:r>
               <a:rPr lang="pt-BR" dirty="0" err="1" smtClean="0"/>
-              <a:t>be</a:t>
+              <a:t>hosting</a:t>
             </a:r>
             <a:r>
               <a:rPr lang="pt-BR" dirty="0" smtClean="0"/>
@@ -4885,7 +5421,7 @@
             </a:r>
             <a:r>
               <a:rPr lang="pt-BR" dirty="0" err="1" smtClean="0"/>
-              <a:t>tracked</a:t>
+              <a:t>the</a:t>
             </a:r>
             <a:r>
               <a:rPr lang="pt-BR" dirty="0" smtClean="0"/>
@@ -4893,50 +5429,222 @@
             </a:r>
             <a:r>
               <a:rPr lang="pt-BR" dirty="0" err="1" smtClean="0"/>
-              <a:t>using</a:t>
-            </a:r>
-            <a:r>
-              <a:rPr lang="pt-BR" dirty="0" smtClean="0"/>
-              <a:t> ASANA (</a:t>
-            </a:r>
-            <a:r>
-              <a:rPr lang="pt-BR" dirty="0" err="1" smtClean="0"/>
-              <a:t>or</a:t>
-            </a:r>
-            <a:r>
-              <a:rPr lang="pt-BR" dirty="0" smtClean="0"/>
-              <a:t> TRELLO??)</a:t>
-            </a:r>
-          </a:p>
-          <a:p>
-            <a:r>
-              <a:rPr lang="pt-BR" dirty="0" smtClean="0"/>
-              <a:t>SCRUM-</a:t>
-            </a:r>
-            <a:r>
-              <a:rPr lang="pt-BR" dirty="0" err="1" smtClean="0"/>
-              <a:t>based</a:t>
-            </a:r>
-            <a:r>
-              <a:rPr lang="pt-BR" dirty="0" smtClean="0"/>
-              <a:t>?</a:t>
-            </a:r>
-          </a:p>
-          <a:p>
+              <a:t>source</a:t>
+            </a:r>
+            <a:r>
+              <a:rPr lang="pt-BR" dirty="0" smtClean="0"/>
+              <a:t> </a:t>
+            </a:r>
+            <a:r>
+              <a:rPr lang="pt-BR" dirty="0" err="1" smtClean="0"/>
+              <a:t>code</a:t>
+            </a:r>
+            <a:r>
+              <a:rPr lang="pt-BR" dirty="0" smtClean="0"/>
+              <a:t> </a:t>
+            </a:r>
+            <a:r>
+              <a:rPr lang="pt-BR" dirty="0" err="1" smtClean="0"/>
+              <a:t>and</a:t>
+            </a:r>
+            <a:r>
+              <a:rPr lang="pt-BR" dirty="0" smtClean="0"/>
+              <a:t> </a:t>
+            </a:r>
+            <a:r>
+              <a:rPr lang="pt-BR" dirty="0" err="1" smtClean="0"/>
+              <a:t>related</a:t>
+            </a:r>
+            <a:r>
+              <a:rPr lang="pt-BR" dirty="0" smtClean="0"/>
+              <a:t> </a:t>
+            </a:r>
+            <a:r>
+              <a:rPr lang="pt-BR" dirty="0" err="1" smtClean="0"/>
+              <a:t>documents</a:t>
+            </a:r>
             <a:endParaRPr lang="pt-BR" dirty="0"/>
           </a:p>
-        </p:txBody>
-      </p:sp>
+          <a:p>
+            <a:endParaRPr lang="pt-BR" dirty="0" smtClean="0"/>
+          </a:p>
+          <a:p>
+            <a:endParaRPr lang="pt-BR" dirty="0"/>
+          </a:p>
+          <a:p>
+            <a:endParaRPr lang="pt-BR" dirty="0" smtClean="0"/>
+          </a:p>
+          <a:p>
+            <a:endParaRPr lang="pt-BR" dirty="0"/>
+          </a:p>
+          <a:p>
+            <a:endParaRPr lang="pt-BR" dirty="0" smtClean="0"/>
+          </a:p>
+          <a:p>
+            <a:endParaRPr lang="pt-BR" dirty="0"/>
+          </a:p>
+          <a:p>
+            <a:endParaRPr lang="pt-BR" dirty="0" smtClean="0"/>
+          </a:p>
+          <a:p>
+            <a:endParaRPr lang="pt-BR" dirty="0"/>
+          </a:p>
+          <a:p>
+            <a:r>
+              <a:rPr lang="pt-BR" dirty="0" err="1" smtClean="0"/>
+              <a:t>Learn</a:t>
+            </a:r>
+            <a:r>
+              <a:rPr lang="pt-BR" dirty="0" smtClean="0"/>
+              <a:t> more </a:t>
+            </a:r>
+            <a:r>
+              <a:rPr lang="pt-BR" dirty="0" err="1" smtClean="0"/>
+              <a:t>about</a:t>
+            </a:r>
+            <a:r>
+              <a:rPr lang="pt-BR" dirty="0" smtClean="0"/>
+              <a:t> </a:t>
+            </a:r>
+            <a:r>
+              <a:rPr lang="pt-BR" dirty="0" err="1" smtClean="0"/>
+              <a:t>Git</a:t>
+            </a:r>
+            <a:r>
+              <a:rPr lang="pt-BR" dirty="0" smtClean="0"/>
+              <a:t> </a:t>
+            </a:r>
+            <a:r>
+              <a:rPr lang="pt-BR" dirty="0" err="1" smtClean="0"/>
+              <a:t>and</a:t>
+            </a:r>
+            <a:r>
+              <a:rPr lang="pt-BR" dirty="0" smtClean="0"/>
+              <a:t> </a:t>
+            </a:r>
+            <a:r>
+              <a:rPr lang="pt-BR" dirty="0" err="1" smtClean="0"/>
+              <a:t>Git</a:t>
+            </a:r>
+            <a:r>
+              <a:rPr lang="pt-BR" dirty="0" smtClean="0"/>
+              <a:t> </a:t>
+            </a:r>
+            <a:r>
+              <a:rPr lang="pt-BR" dirty="0" err="1" smtClean="0"/>
+              <a:t>branching</a:t>
+            </a:r>
+            <a:r>
+              <a:rPr lang="pt-BR" dirty="0" smtClean="0"/>
+              <a:t>:</a:t>
+            </a:r>
+          </a:p>
+          <a:p>
+            <a:pPr lvl="1"/>
+            <a:r>
+              <a:rPr lang="pt-BR" dirty="0">
+                <a:hlinkClick r:id="rId2"/>
+              </a:rPr>
+              <a:t>https://backlogtool.com/git-guide/en</a:t>
+            </a:r>
+            <a:r>
+              <a:rPr lang="pt-BR" dirty="0" smtClean="0">
+                <a:hlinkClick r:id="rId2"/>
+              </a:rPr>
+              <a:t>/</a:t>
+            </a:r>
+            <a:r>
+              <a:rPr lang="pt-BR" dirty="0" smtClean="0"/>
+              <a:t> </a:t>
+            </a:r>
+            <a:endParaRPr lang="pt-BR" dirty="0"/>
+          </a:p>
+          <a:p>
+            <a:pPr lvl="1"/>
+            <a:r>
+              <a:rPr lang="pt-BR" dirty="0">
+                <a:hlinkClick r:id="rId3"/>
+              </a:rPr>
+              <a:t>http://nvie.com/posts/a-successful-git-branching-model</a:t>
+            </a:r>
+            <a:r>
+              <a:rPr lang="pt-BR" dirty="0" smtClean="0">
+                <a:hlinkClick r:id="rId3"/>
+              </a:rPr>
+              <a:t>/</a:t>
+            </a:r>
+            <a:r>
+              <a:rPr lang="pt-BR" dirty="0" smtClean="0"/>
+              <a:t> </a:t>
+            </a:r>
+            <a:endParaRPr lang="pt-BR" dirty="0"/>
+          </a:p>
+          <a:p>
+            <a:endParaRPr lang="pt-BR" dirty="0"/>
+          </a:p>
+          <a:p>
+            <a:endParaRPr lang="pt-BR" dirty="0"/>
+          </a:p>
+        </p:txBody>
+      </p:sp>
+      <p:pic>
+        <p:nvPicPr>
+          <p:cNvPr id="1026" name="Picture 2" descr="Branch model at Git"/>
+          <p:cNvPicPr>
+            <a:picLocks noChangeAspect="1" noChangeArrowheads="1"/>
+          </p:cNvPicPr>
+          <p:nvPr/>
+        </p:nvPicPr>
+        <p:blipFill>
+          <a:blip r:embed="rId4">
+            <a:extLst>
+              <a:ext uri="{28A0092B-C50C-407E-A947-70E740481C1C}">
+                <a14:useLocalDpi xmlns:a14="http://schemas.microsoft.com/office/drawing/2010/main" val="0"/>
+              </a:ext>
+            </a:extLst>
+          </a:blip>
+          <a:srcRect/>
+          <a:stretch>
+            <a:fillRect/>
+          </a:stretch>
+        </p:blipFill>
+        <p:spPr bwMode="auto">
+          <a:xfrm>
+            <a:off x="1907704" y="2132856"/>
+            <a:ext cx="5160268" cy="3337937"/>
+          </a:xfrm>
+          <a:prstGeom prst="rect">
+            <a:avLst/>
+          </a:prstGeom>
+          <a:noFill/>
+          <a:extLst>
+            <a:ext uri="{909E8E84-426E-40DD-AFC4-6F175D3DCCD1}">
+              <a14:hiddenFill xmlns:a14="http://schemas.microsoft.com/office/drawing/2010/main">
+                <a:solidFill>
+                  <a:srgbClr val="FFFFFF"/>
+                </a:solidFill>
+              </a14:hiddenFill>
+            </a:ext>
+          </a:extLst>
+        </p:spPr>
+      </p:pic>
     </p:spTree>
     <p:extLst>
       <p:ext uri="{BB962C8B-B14F-4D97-AF65-F5344CB8AC3E}">
-        <p14:creationId xmlns:p14="http://schemas.microsoft.com/office/powerpoint/2010/main" val="3698729868"/>
+        <p14:creationId xmlns:p14="http://schemas.microsoft.com/office/powerpoint/2010/main" val="278294855"/>
       </p:ext>
     </p:extLst>
   </p:cSld>
   <p:clrMapOvr>
     <a:masterClrMapping/>
   </p:clrMapOvr>
+  <p:timing>
+    <p:tnLst>
+      <p:par>
+        <p:cTn id="1" dur="indefinite" restart="never" nodeType="tmRoot"/>
+      </p:par>
+    </p:tnLst>
+  </p:timing>
 </p:sld>
 </file>
 
@@ -4973,8 +5681,35 @@
           <a:lstStyle/>
           <a:p>
             <a:r>
-              <a:rPr lang="pt-BR" dirty="0" err="1" smtClean="0"/>
-              <a:t>Features</a:t>
+              <a:rPr lang="pt-BR" dirty="0" smtClean="0"/>
+              <a:t>Project </a:t>
+            </a:r>
+            <a:r>
+              <a:rPr lang="pt-BR" dirty="0" err="1" smtClean="0"/>
+              <a:t>tracking</a:t>
+            </a:r>
+            <a:endParaRPr lang="pt-BR" dirty="0"/>
+          </a:p>
+        </p:txBody>
+      </p:sp>
+      <p:sp>
+        <p:nvSpPr>
+          <p:cNvPr id="3" name="Espaço Reservado para Conteúdo 2"/>
+          <p:cNvSpPr>
+            <a:spLocks noGrp="1"/>
+          </p:cNvSpPr>
+          <p:nvPr>
+            <p:ph idx="1"/>
+          </p:nvPr>
+        </p:nvSpPr>
+        <p:spPr/>
+        <p:txBody>
+          <a:bodyPr/>
+          <a:lstStyle/>
+          <a:p>
+            <a:r>
+              <a:rPr lang="pt-BR" dirty="0" err="1" smtClean="0"/>
+              <a:t>Work</a:t>
             </a:r>
             <a:r>
               <a:rPr lang="pt-BR" dirty="0" smtClean="0"/>
@@ -4982,7 +5717,7 @@
             </a:r>
             <a:r>
               <a:rPr lang="pt-BR" dirty="0" err="1" smtClean="0"/>
-              <a:t>to</a:t>
+              <a:t>will</a:t>
             </a:r>
             <a:r>
               <a:rPr lang="pt-BR" dirty="0" smtClean="0"/>
@@ -4998,39 +5733,44 @@
             </a:r>
             <a:r>
               <a:rPr lang="pt-BR" dirty="0" err="1" smtClean="0"/>
-              <a:t>implemented</a:t>
-            </a:r>
-            <a:endParaRPr lang="pt-BR" dirty="0"/>
-          </a:p>
-        </p:txBody>
-      </p:sp>
-      <p:sp>
-        <p:nvSpPr>
-          <p:cNvPr id="3" name="Espaço Reservado para Conteúdo 2"/>
-          <p:cNvSpPr>
-            <a:spLocks noGrp="1"/>
-          </p:cNvSpPr>
-          <p:nvPr>
-            <p:ph idx="1"/>
-          </p:nvPr>
-        </p:nvSpPr>
-        <p:spPr/>
-        <p:txBody>
-          <a:bodyPr/>
-          <a:lstStyle/>
-          <a:p>
-            <a:r>
-              <a:rPr lang="pt-BR" dirty="0" smtClean="0"/>
-              <a:t>Go </a:t>
-            </a:r>
-            <a:r>
-              <a:rPr lang="pt-BR" dirty="0" err="1" smtClean="0"/>
-              <a:t>to</a:t>
-            </a:r>
-            <a:r>
-              <a:rPr lang="pt-BR" dirty="0" smtClean="0"/>
-              <a:t> ASANA</a:t>
-            </a:r>
+              <a:t>tracked</a:t>
+            </a:r>
+            <a:r>
+              <a:rPr lang="pt-BR" dirty="0" smtClean="0"/>
+              <a:t> </a:t>
+            </a:r>
+            <a:r>
+              <a:rPr lang="pt-BR" dirty="0" err="1" smtClean="0"/>
+              <a:t>using</a:t>
+            </a:r>
+            <a:r>
+              <a:rPr lang="pt-BR" dirty="0" smtClean="0"/>
+              <a:t> ASANA (</a:t>
+            </a:r>
+            <a:r>
+              <a:rPr lang="pt-BR" dirty="0" err="1" smtClean="0"/>
+              <a:t>or</a:t>
+            </a:r>
+            <a:r>
+              <a:rPr lang="pt-BR" dirty="0" smtClean="0"/>
+              <a:t> TRELLO??)</a:t>
+            </a:r>
+          </a:p>
+          <a:p>
+            <a:r>
+              <a:rPr lang="pt-BR" dirty="0" smtClean="0"/>
+              <a:t>SCRUM-</a:t>
+            </a:r>
+            <a:r>
+              <a:rPr lang="pt-BR" dirty="0" err="1" smtClean="0"/>
+              <a:t>based</a:t>
+            </a:r>
+            <a:r>
+              <a:rPr lang="pt-BR" dirty="0" smtClean="0"/>
+              <a:t>?</a:t>
+            </a:r>
+          </a:p>
+          <a:p>
             <a:endParaRPr lang="pt-BR" dirty="0"/>
           </a:p>
         </p:txBody>
@@ -5038,13 +5778,20 @@
     </p:spTree>
     <p:extLst>
       <p:ext uri="{BB962C8B-B14F-4D97-AF65-F5344CB8AC3E}">
-        <p14:creationId xmlns:p14="http://schemas.microsoft.com/office/powerpoint/2010/main" val="3187348570"/>
+        <p14:creationId xmlns:p14="http://schemas.microsoft.com/office/powerpoint/2010/main" val="3698729868"/>
       </p:ext>
     </p:extLst>
   </p:cSld>
   <p:clrMapOvr>
     <a:masterClrMapping/>
   </p:clrMapOvr>
+  <p:timing>
+    <p:tnLst>
+      <p:par>
+        <p:cTn id="1" dur="indefinite" restart="never" nodeType="tmRoot"/>
+      </p:par>
+    </p:tnLst>
+  </p:timing>
 </p:sld>
 </file>
 
@@ -5081,8 +5828,32 @@
           <a:lstStyle/>
           <a:p>
             <a:r>
-              <a:rPr lang="pt-BR" dirty="0" smtClean="0"/>
-              <a:t>AOB</a:t>
+              <a:rPr lang="pt-BR" dirty="0" err="1" smtClean="0"/>
+              <a:t>Features</a:t>
+            </a:r>
+            <a:r>
+              <a:rPr lang="pt-BR" dirty="0" smtClean="0"/>
+              <a:t> </a:t>
+            </a:r>
+            <a:r>
+              <a:rPr lang="pt-BR" dirty="0" err="1" smtClean="0"/>
+              <a:t>to</a:t>
+            </a:r>
+            <a:r>
+              <a:rPr lang="pt-BR" dirty="0" smtClean="0"/>
+              <a:t> </a:t>
+            </a:r>
+            <a:r>
+              <a:rPr lang="pt-BR" dirty="0" err="1" smtClean="0"/>
+              <a:t>be</a:t>
+            </a:r>
+            <a:r>
+              <a:rPr lang="pt-BR" dirty="0" smtClean="0"/>
+              <a:t> </a:t>
+            </a:r>
+            <a:r>
+              <a:rPr lang="pt-BR" dirty="0" err="1" smtClean="0"/>
+              <a:t>implemented</a:t>
             </a:r>
             <a:endParaRPr lang="pt-BR" dirty="0"/>
           </a:p>
@@ -5104,12 +5875,8 @@
           <a:lstStyle/>
           <a:p>
             <a:r>
-              <a:rPr lang="pt-BR" dirty="0" err="1" smtClean="0"/>
-              <a:t>How</a:t>
-            </a:r>
-            <a:r>
-              <a:rPr lang="pt-BR" dirty="0" smtClean="0"/>
-              <a:t> </a:t>
+              <a:rPr lang="pt-BR" dirty="0" smtClean="0"/>
+              <a:t>Go </a:t>
             </a:r>
             <a:r>
               <a:rPr lang="pt-BR" dirty="0" err="1" smtClean="0"/>
@@ -5117,59 +5884,16 @@
             </a:r>
             <a:r>
               <a:rPr lang="pt-BR" dirty="0" smtClean="0"/>
-              <a:t> </a:t>
-            </a:r>
-            <a:r>
-              <a:rPr lang="pt-BR" dirty="0" err="1" smtClean="0"/>
-              <a:t>calculate</a:t>
-            </a:r>
-            <a:r>
-              <a:rPr lang="pt-BR" dirty="0" smtClean="0"/>
-              <a:t> performance </a:t>
-            </a:r>
-            <a:r>
-              <a:rPr lang="pt-BR" dirty="0" err="1" smtClean="0"/>
-              <a:t>degradation</a:t>
-            </a:r>
-            <a:r>
-              <a:rPr lang="pt-BR" dirty="0" smtClean="0"/>
-              <a:t> </a:t>
-            </a:r>
-            <a:r>
-              <a:rPr lang="pt-BR" dirty="0" err="1" smtClean="0"/>
-              <a:t>of</a:t>
-            </a:r>
-            <a:r>
-              <a:rPr lang="pt-BR" dirty="0" smtClean="0"/>
-              <a:t> IMT?</a:t>
-            </a:r>
-          </a:p>
-          <a:p>
-            <a:pPr lvl="1"/>
-            <a:r>
-              <a:rPr lang="pt-BR" dirty="0" err="1" smtClean="0"/>
-              <a:t>Check</a:t>
-            </a:r>
-            <a:r>
-              <a:rPr lang="pt-BR" dirty="0" smtClean="0"/>
-              <a:t> e-mail </a:t>
-            </a:r>
-            <a:r>
-              <a:rPr lang="pt-BR" dirty="0" err="1" smtClean="0"/>
-              <a:t>from</a:t>
-            </a:r>
-            <a:r>
-              <a:rPr lang="pt-BR" smtClean="0"/>
-              <a:t> Tarcisio</a:t>
-            </a:r>
-            <a:endParaRPr lang="pt-BR"/>
+              <a:t> ASANA</a:t>
+            </a:r>
+            <a:endParaRPr lang="pt-BR" dirty="0"/>
           </a:p>
         </p:txBody>
       </p:sp>
     </p:spTree>
     <p:extLst>
       <p:ext uri="{BB962C8B-B14F-4D97-AF65-F5344CB8AC3E}">
-        <p14:creationId xmlns:p14="http://schemas.microsoft.com/office/powerpoint/2010/main" val="3874876216"/>
+        <p14:creationId xmlns:p14="http://schemas.microsoft.com/office/powerpoint/2010/main" val="3187348570"/>
       </p:ext>
     </p:extLst>
   </p:cSld>

--- a/docs/Welcome to SHARC.pptx
+++ b/docs/Welcome to SHARC.pptx
@@ -6,15 +6,20 @@
   </p:sldMasterIdLst>
   <p:sldIdLst>
     <p:sldId id="256" r:id="rId2"/>
-    <p:sldId id="259" r:id="rId3"/>
-    <p:sldId id="258" r:id="rId4"/>
-    <p:sldId id="257" r:id="rId5"/>
-    <p:sldId id="264" r:id="rId6"/>
-    <p:sldId id="265" r:id="rId7"/>
-    <p:sldId id="260" r:id="rId8"/>
-    <p:sldId id="261" r:id="rId9"/>
-    <p:sldId id="262" r:id="rId10"/>
-    <p:sldId id="263" r:id="rId11"/>
+    <p:sldId id="268" r:id="rId3"/>
+    <p:sldId id="260" r:id="rId4"/>
+    <p:sldId id="267" r:id="rId5"/>
+    <p:sldId id="258" r:id="rId6"/>
+    <p:sldId id="266" r:id="rId7"/>
+    <p:sldId id="270" r:id="rId8"/>
+    <p:sldId id="269" r:id="rId9"/>
+    <p:sldId id="257" r:id="rId10"/>
+    <p:sldId id="271" r:id="rId11"/>
+    <p:sldId id="264" r:id="rId12"/>
+    <p:sldId id="265" r:id="rId13"/>
+    <p:sldId id="273" r:id="rId14"/>
+    <p:sldId id="262" r:id="rId15"/>
+    <p:sldId id="272" r:id="rId16"/>
   </p:sldIdLst>
   <p:sldSz cx="9144000" cy="6858000" type="screen4x3"/>
   <p:notesSz cx="6858000" cy="9144000"/>
@@ -304,7 +309,7 @@
           <a:p>
             <a:fld id="{2E700DB3-DBF0-4086-B675-117E7A9610B8}" type="datetimeFigureOut">
               <a:rPr lang="pt-BR" smtClean="0"/>
-              <a:t>13/02/2017</a:t>
+              <a:t>16/02/2017</a:t>
             </a:fld>
             <a:endParaRPr lang="pt-BR"/>
           </a:p>
@@ -504,7 +509,7 @@
           <a:p>
             <a:fld id="{2E700DB3-DBF0-4086-B675-117E7A9610B8}" type="datetimeFigureOut">
               <a:rPr lang="pt-BR" smtClean="0"/>
-              <a:t>13/02/2017</a:t>
+              <a:t>16/02/2017</a:t>
             </a:fld>
             <a:endParaRPr lang="pt-BR"/>
           </a:p>
@@ -679,7 +684,7 @@
           <a:p>
             <a:fld id="{2E700DB3-DBF0-4086-B675-117E7A9610B8}" type="datetimeFigureOut">
               <a:rPr lang="pt-BR" smtClean="0"/>
-              <a:t>13/02/2017</a:t>
+              <a:t>16/02/2017</a:t>
             </a:fld>
             <a:endParaRPr lang="pt-BR"/>
           </a:p>
@@ -844,7 +849,7 @@
           <a:p>
             <a:fld id="{2E700DB3-DBF0-4086-B675-117E7A9610B8}" type="datetimeFigureOut">
               <a:rPr lang="pt-BR" smtClean="0"/>
-              <a:t>13/02/2017</a:t>
+              <a:t>16/02/2017</a:t>
             </a:fld>
             <a:endParaRPr lang="pt-BR"/>
           </a:p>
@@ -1092,7 +1097,7 @@
           <a:p>
             <a:fld id="{2E700DB3-DBF0-4086-B675-117E7A9610B8}" type="datetimeFigureOut">
               <a:rPr lang="pt-BR" smtClean="0"/>
-              <a:t>13/02/2017</a:t>
+              <a:t>16/02/2017</a:t>
             </a:fld>
             <a:endParaRPr lang="pt-BR"/>
           </a:p>
@@ -1410,7 +1415,7 @@
           <a:p>
             <a:fld id="{2E700DB3-DBF0-4086-B675-117E7A9610B8}" type="datetimeFigureOut">
               <a:rPr lang="pt-BR" smtClean="0"/>
-              <a:t>13/02/2017</a:t>
+              <a:t>16/02/2017</a:t>
             </a:fld>
             <a:endParaRPr lang="pt-BR"/>
           </a:p>
@@ -1876,7 +1881,7 @@
           <a:p>
             <a:fld id="{2E700DB3-DBF0-4086-B675-117E7A9610B8}" type="datetimeFigureOut">
               <a:rPr lang="pt-BR" smtClean="0"/>
-              <a:t>13/02/2017</a:t>
+              <a:t>16/02/2017</a:t>
             </a:fld>
             <a:endParaRPr lang="pt-BR"/>
           </a:p>
@@ -2024,7 +2029,7 @@
           <a:p>
             <a:fld id="{2E700DB3-DBF0-4086-B675-117E7A9610B8}" type="datetimeFigureOut">
               <a:rPr lang="pt-BR" smtClean="0"/>
-              <a:t>13/02/2017</a:t>
+              <a:t>16/02/2017</a:t>
             </a:fld>
             <a:endParaRPr lang="pt-BR"/>
           </a:p>
@@ -2114,7 +2119,7 @@
           <a:p>
             <a:fld id="{2E700DB3-DBF0-4086-B675-117E7A9610B8}" type="datetimeFigureOut">
               <a:rPr lang="pt-BR" smtClean="0"/>
-              <a:t>13/02/2017</a:t>
+              <a:t>16/02/2017</a:t>
             </a:fld>
             <a:endParaRPr lang="pt-BR"/>
           </a:p>
@@ -2388,7 +2393,7 @@
           <a:p>
             <a:fld id="{2E700DB3-DBF0-4086-B675-117E7A9610B8}" type="datetimeFigureOut">
               <a:rPr lang="pt-BR" smtClean="0"/>
-              <a:t>13/02/2017</a:t>
+              <a:t>16/02/2017</a:t>
             </a:fld>
             <a:endParaRPr lang="pt-BR"/>
           </a:p>
@@ -2693,7 +2698,7 @@
           <a:p>
             <a:fld id="{2E700DB3-DBF0-4086-B675-117E7A9610B8}" type="datetimeFigureOut">
               <a:rPr lang="pt-BR" smtClean="0"/>
-              <a:t>13/02/2017</a:t>
+              <a:t>16/02/2017</a:t>
             </a:fld>
             <a:endParaRPr lang="pt-BR"/>
           </a:p>
@@ -2991,7 +2996,7 @@
           <a:p>
             <a:fld id="{2E700DB3-DBF0-4086-B675-117E7A9610B8}" type="datetimeFigureOut">
               <a:rPr lang="pt-BR" smtClean="0"/>
-              <a:t>13/02/2017</a:t>
+              <a:t>16/02/2017</a:t>
             </a:fld>
             <a:endParaRPr lang="pt-BR"/>
           </a:p>
@@ -3535,12 +3540,62 @@
         </p:nvSpPr>
         <p:spPr/>
         <p:txBody>
-          <a:bodyPr/>
+          <a:bodyPr>
+            <a:normAutofit fontScale="90000"/>
+          </a:bodyPr>
           <a:lstStyle/>
           <a:p>
             <a:r>
-              <a:rPr lang="pt-BR" dirty="0" smtClean="0"/>
-              <a:t>AOB</a:t>
+              <a:rPr lang="pt-BR" dirty="0" err="1" smtClean="0"/>
+              <a:t>Example</a:t>
+            </a:r>
+            <a:r>
+              <a:rPr lang="pt-BR" dirty="0" smtClean="0"/>
+              <a:t> </a:t>
+            </a:r>
+            <a:r>
+              <a:rPr lang="pt-BR" dirty="0" err="1" smtClean="0"/>
+              <a:t>on</a:t>
+            </a:r>
+            <a:r>
+              <a:rPr lang="pt-BR" dirty="0" smtClean="0"/>
+              <a:t> </a:t>
+            </a:r>
+            <a:r>
+              <a:rPr lang="pt-BR" dirty="0" err="1" smtClean="0"/>
+              <a:t>how</a:t>
+            </a:r>
+            <a:r>
+              <a:rPr lang="pt-BR" dirty="0" smtClean="0"/>
+              <a:t> </a:t>
+            </a:r>
+            <a:r>
+              <a:rPr lang="pt-BR" dirty="0" err="1" smtClean="0"/>
+              <a:t>to</a:t>
+            </a:r>
+            <a:r>
+              <a:rPr lang="pt-BR" dirty="0" smtClean="0"/>
+              <a:t> </a:t>
+            </a:r>
+            <a:r>
+              <a:rPr lang="pt-BR" dirty="0" err="1" smtClean="0"/>
+              <a:t>document</a:t>
+            </a:r>
+            <a:r>
+              <a:rPr lang="pt-BR" dirty="0" smtClean="0"/>
+              <a:t> </a:t>
+            </a:r>
+            <a:r>
+              <a:rPr lang="pt-BR" dirty="0" err="1" smtClean="0"/>
+              <a:t>source</a:t>
+            </a:r>
+            <a:r>
+              <a:rPr lang="pt-BR" dirty="0" smtClean="0"/>
+              <a:t> </a:t>
+            </a:r>
+            <a:r>
+              <a:rPr lang="pt-BR" dirty="0" err="1" smtClean="0"/>
+              <a:t>code</a:t>
             </a:r>
             <a:endParaRPr lang="pt-BR" dirty="0"/>
           </a:p>
@@ -3548,96 +3603,457 @@
       </p:sp>
       <p:sp>
         <p:nvSpPr>
-          <p:cNvPr id="3" name="Espaço Reservado para Conteúdo 2"/>
-          <p:cNvSpPr>
-            <a:spLocks noGrp="1"/>
-          </p:cNvSpPr>
-          <p:nvPr>
-            <p:ph idx="1"/>
-          </p:nvPr>
+          <p:cNvPr id="4" name="CaixaDeTexto 3"/>
+          <p:cNvSpPr txBox="1"/>
+          <p:nvPr/>
         </p:nvSpPr>
-        <p:spPr/>
+        <p:spPr>
+          <a:xfrm>
+            <a:off x="179512" y="1916832"/>
+            <a:ext cx="8856984" cy="3600986"/>
+          </a:xfrm>
+          <a:prstGeom prst="rect">
+            <a:avLst/>
+          </a:prstGeom>
+          <a:noFill/>
+          <a:ln>
+            <a:solidFill>
+              <a:schemeClr val="tx1"/>
+            </a:solidFill>
+          </a:ln>
+        </p:spPr>
         <p:txBody>
-          <a:bodyPr/>
+          <a:bodyPr wrap="square" rtlCol="0">
+            <a:spAutoFit/>
+          </a:bodyPr>
           <a:lstStyle/>
           <a:p>
             <a:r>
-              <a:rPr lang="pt-BR" dirty="0" err="1" smtClean="0"/>
-              <a:t>How</a:t>
-            </a:r>
-            <a:r>
-              <a:rPr lang="pt-BR" dirty="0" smtClean="0"/>
-              <a:t> </a:t>
-            </a:r>
-            <a:r>
-              <a:rPr lang="pt-BR" dirty="0" err="1" smtClean="0"/>
-              <a:t>to</a:t>
-            </a:r>
-            <a:r>
-              <a:rPr lang="pt-BR" dirty="0" smtClean="0"/>
-              <a:t> </a:t>
-            </a:r>
-            <a:r>
-              <a:rPr lang="pt-BR" dirty="0" err="1" smtClean="0"/>
-              <a:t>calculate</a:t>
-            </a:r>
-            <a:r>
-              <a:rPr lang="pt-BR" dirty="0" smtClean="0"/>
-              <a:t> performance </a:t>
-            </a:r>
-            <a:r>
-              <a:rPr lang="pt-BR" dirty="0" err="1" smtClean="0"/>
-              <a:t>degradation</a:t>
-            </a:r>
-            <a:r>
-              <a:rPr lang="pt-BR" dirty="0" smtClean="0"/>
-              <a:t> </a:t>
-            </a:r>
-            <a:r>
-              <a:rPr lang="pt-BR" dirty="0" err="1" smtClean="0"/>
-              <a:t>of</a:t>
-            </a:r>
-            <a:r>
-              <a:rPr lang="pt-BR" dirty="0" smtClean="0"/>
-              <a:t> IMT?</a:t>
-            </a:r>
-          </a:p>
-          <a:p>
-            <a:pPr lvl="1"/>
-            <a:r>
-              <a:rPr lang="pt-BR" dirty="0" err="1" smtClean="0"/>
-              <a:t>Check</a:t>
-            </a:r>
-            <a:r>
-              <a:rPr lang="pt-BR" dirty="0" smtClean="0"/>
-              <a:t> e-mail </a:t>
-            </a:r>
-            <a:r>
-              <a:rPr lang="pt-BR" dirty="0" err="1" smtClean="0"/>
-              <a:t>from</a:t>
-            </a:r>
-            <a:r>
-              <a:rPr lang="pt-BR" smtClean="0"/>
-              <a:t> Tarcisio</a:t>
-            </a:r>
-            <a:endParaRPr lang="pt-BR"/>
+              <a:rPr lang="en-US" sz="1400" dirty="0">
+                <a:latin typeface="Courier New" pitchFamily="49" charset="0"/>
+                <a:cs typeface="Courier New" pitchFamily="49" charset="0"/>
+              </a:rPr>
+              <a:t> </a:t>
+            </a:r>
+            <a:r>
+              <a:rPr lang="en-US" sz="1400" dirty="0" err="1">
+                <a:solidFill>
+                  <a:srgbClr val="0070C0"/>
+                </a:solidFill>
+                <a:latin typeface="Courier New" pitchFamily="49" charset="0"/>
+                <a:cs typeface="Courier New" pitchFamily="49" charset="0"/>
+              </a:rPr>
+              <a:t>def</a:t>
+            </a:r>
+            <a:r>
+              <a:rPr lang="en-US" sz="1400" dirty="0">
+                <a:solidFill>
+                  <a:srgbClr val="0070C0"/>
+                </a:solidFill>
+                <a:latin typeface="Courier New" pitchFamily="49" charset="0"/>
+                <a:cs typeface="Courier New" pitchFamily="49" charset="0"/>
+              </a:rPr>
+              <a:t> </a:t>
+            </a:r>
+            <a:r>
+              <a:rPr lang="en-US" sz="1400" b="1" dirty="0">
+                <a:latin typeface="Courier New" pitchFamily="49" charset="0"/>
+                <a:cs typeface="Courier New" pitchFamily="49" charset="0"/>
+              </a:rPr>
+              <a:t>__</a:t>
+            </a:r>
+            <a:r>
+              <a:rPr lang="en-US" sz="1400" b="1" dirty="0" err="1" smtClean="0">
+                <a:latin typeface="Courier New" pitchFamily="49" charset="0"/>
+                <a:cs typeface="Courier New" pitchFamily="49" charset="0"/>
+              </a:rPr>
+              <a:t>insert_text</a:t>
+            </a:r>
+            <a:r>
+              <a:rPr lang="en-US" sz="1400" dirty="0" smtClean="0">
+                <a:latin typeface="Courier New" pitchFamily="49" charset="0"/>
+                <a:cs typeface="Courier New" pitchFamily="49" charset="0"/>
+              </a:rPr>
+              <a:t>(</a:t>
+            </a:r>
+            <a:r>
+              <a:rPr lang="en-US" sz="1400" i="1" dirty="0">
+                <a:solidFill>
+                  <a:srgbClr val="9A6516"/>
+                </a:solidFill>
+                <a:latin typeface="Courier New" pitchFamily="49" charset="0"/>
+                <a:cs typeface="Courier New" pitchFamily="49" charset="0"/>
+              </a:rPr>
+              <a:t>self</a:t>
+            </a:r>
+            <a:r>
+              <a:rPr lang="en-US" sz="1400" dirty="0" smtClean="0">
+                <a:latin typeface="Courier New" pitchFamily="49" charset="0"/>
+                <a:cs typeface="Courier New" pitchFamily="49" charset="0"/>
+              </a:rPr>
+              <a:t>, </a:t>
+            </a:r>
+            <a:r>
+              <a:rPr lang="en-US" sz="1400" dirty="0">
+                <a:latin typeface="Courier New" pitchFamily="49" charset="0"/>
+                <a:cs typeface="Courier New" pitchFamily="49" charset="0"/>
+              </a:rPr>
+              <a:t>source: </a:t>
+            </a:r>
+            <a:r>
+              <a:rPr lang="en-US" sz="1400" dirty="0" err="1">
+                <a:solidFill>
+                  <a:srgbClr val="7030A0"/>
+                </a:solidFill>
+                <a:latin typeface="Courier New" pitchFamily="49" charset="0"/>
+                <a:cs typeface="Courier New" pitchFamily="49" charset="0"/>
+              </a:rPr>
+              <a:t>str</a:t>
+            </a:r>
+            <a:r>
+              <a:rPr lang="en-US" sz="1400" dirty="0">
+                <a:latin typeface="Courier New" pitchFamily="49" charset="0"/>
+                <a:cs typeface="Courier New" pitchFamily="49" charset="0"/>
+              </a:rPr>
+              <a:t>, text: </a:t>
+            </a:r>
+            <a:r>
+              <a:rPr lang="en-US" sz="1400" dirty="0" err="1">
+                <a:solidFill>
+                  <a:srgbClr val="7030A0"/>
+                </a:solidFill>
+                <a:latin typeface="Courier New" pitchFamily="49" charset="0"/>
+                <a:cs typeface="Courier New" pitchFamily="49" charset="0"/>
+              </a:rPr>
+              <a:t>str</a:t>
+            </a:r>
+            <a:r>
+              <a:rPr lang="en-US" sz="1400" dirty="0">
+                <a:latin typeface="Courier New" pitchFamily="49" charset="0"/>
+                <a:cs typeface="Courier New" pitchFamily="49" charset="0"/>
+              </a:rPr>
+              <a:t>):</a:t>
+            </a:r>
+          </a:p>
+          <a:p>
+            <a:r>
+              <a:rPr lang="en-US" sz="1400" dirty="0">
+                <a:latin typeface="Courier New" pitchFamily="49" charset="0"/>
+                <a:cs typeface="Courier New" pitchFamily="49" charset="0"/>
+              </a:rPr>
+              <a:t>        </a:t>
+            </a:r>
+            <a:r>
+              <a:rPr lang="en-US" sz="1400" dirty="0">
+                <a:solidFill>
+                  <a:srgbClr val="008A3E"/>
+                </a:solidFill>
+                <a:latin typeface="Courier New" pitchFamily="49" charset="0"/>
+                <a:cs typeface="Courier New" pitchFamily="49" charset="0"/>
+              </a:rPr>
+              <a:t>"""</a:t>
+            </a:r>
+          </a:p>
+          <a:p>
+            <a:r>
+              <a:rPr lang="en-US" sz="1400" dirty="0">
+                <a:solidFill>
+                  <a:srgbClr val="008A3E"/>
+                </a:solidFill>
+                <a:latin typeface="Courier New" pitchFamily="49" charset="0"/>
+                <a:cs typeface="Courier New" pitchFamily="49" charset="0"/>
+              </a:rPr>
+              <a:t>        This method can be called to display a message on the console. The same</a:t>
+            </a:r>
+          </a:p>
+          <a:p>
+            <a:r>
+              <a:rPr lang="en-US" sz="1400" dirty="0">
+                <a:solidFill>
+                  <a:srgbClr val="008A3E"/>
+                </a:solidFill>
+                <a:latin typeface="Courier New" pitchFamily="49" charset="0"/>
+                <a:cs typeface="Courier New" pitchFamily="49" charset="0"/>
+              </a:rPr>
+              <a:t>        message will be written to the log file and the file will also include </a:t>
+            </a:r>
+          </a:p>
+          <a:p>
+            <a:r>
+              <a:rPr lang="en-US" sz="1400" dirty="0">
+                <a:solidFill>
+                  <a:srgbClr val="008A3E"/>
+                </a:solidFill>
+                <a:latin typeface="Courier New" pitchFamily="49" charset="0"/>
+                <a:cs typeface="Courier New" pitchFamily="49" charset="0"/>
+              </a:rPr>
+              <a:t>        the name of the class that called the method. By default, all logging</a:t>
+            </a:r>
+          </a:p>
+          <a:p>
+            <a:r>
+              <a:rPr lang="en-US" sz="1400" dirty="0">
+                <a:solidFill>
+                  <a:srgbClr val="008A3E"/>
+                </a:solidFill>
+                <a:latin typeface="Courier New" pitchFamily="49" charset="0"/>
+                <a:cs typeface="Courier New" pitchFamily="49" charset="0"/>
+              </a:rPr>
+              <a:t>        messages will be written in INFO level.</a:t>
+            </a:r>
+          </a:p>
+          <a:p>
+            <a:r>
+              <a:rPr lang="en-US" sz="1400" dirty="0">
+                <a:solidFill>
+                  <a:srgbClr val="008A3E"/>
+                </a:solidFill>
+                <a:latin typeface="Courier New" pitchFamily="49" charset="0"/>
+                <a:cs typeface="Courier New" pitchFamily="49" charset="0"/>
+              </a:rPr>
+              <a:t>        </a:t>
+            </a:r>
+          </a:p>
+          <a:p>
+            <a:r>
+              <a:rPr lang="en-US" sz="1400" dirty="0">
+                <a:solidFill>
+                  <a:srgbClr val="008A3E"/>
+                </a:solidFill>
+                <a:latin typeface="Courier New" pitchFamily="49" charset="0"/>
+                <a:cs typeface="Courier New" pitchFamily="49" charset="0"/>
+              </a:rPr>
+              <a:t>        Parameters</a:t>
+            </a:r>
+          </a:p>
+          <a:p>
+            <a:r>
+              <a:rPr lang="en-US" sz="1400" dirty="0">
+                <a:solidFill>
+                  <a:srgbClr val="008A3E"/>
+                </a:solidFill>
+                <a:latin typeface="Courier New" pitchFamily="49" charset="0"/>
+                <a:cs typeface="Courier New" pitchFamily="49" charset="0"/>
+              </a:rPr>
+              <a:t>        ----------</a:t>
+            </a:r>
+          </a:p>
+          <a:p>
+            <a:r>
+              <a:rPr lang="en-US" sz="1400" dirty="0">
+                <a:solidFill>
+                  <a:srgbClr val="008A3E"/>
+                </a:solidFill>
+                <a:latin typeface="Courier New" pitchFamily="49" charset="0"/>
+                <a:cs typeface="Courier New" pitchFamily="49" charset="0"/>
+              </a:rPr>
+              <a:t>            source : Class name that called the method</a:t>
+            </a:r>
+          </a:p>
+          <a:p>
+            <a:r>
+              <a:rPr lang="en-US" sz="1400" dirty="0">
+                <a:solidFill>
+                  <a:srgbClr val="008A3E"/>
+                </a:solidFill>
+                <a:latin typeface="Courier New" pitchFamily="49" charset="0"/>
+                <a:cs typeface="Courier New" pitchFamily="49" charset="0"/>
+              </a:rPr>
+              <a:t>            text : Message that will be displayed on console and on log file</a:t>
+            </a:r>
+          </a:p>
+          <a:p>
+            <a:r>
+              <a:rPr lang="en-US" sz="1400" dirty="0">
+                <a:solidFill>
+                  <a:srgbClr val="008A3E"/>
+                </a:solidFill>
+                <a:latin typeface="Courier New" pitchFamily="49" charset="0"/>
+                <a:cs typeface="Courier New" pitchFamily="49" charset="0"/>
+              </a:rPr>
+              <a:t>        """</a:t>
+            </a:r>
+          </a:p>
+          <a:p>
+            <a:r>
+              <a:rPr lang="en-US" sz="1400" dirty="0">
+                <a:latin typeface="Courier New" pitchFamily="49" charset="0"/>
+                <a:cs typeface="Courier New" pitchFamily="49" charset="0"/>
+              </a:rPr>
+              <a:t>        </a:t>
+            </a:r>
+            <a:r>
+              <a:rPr lang="en-US" sz="1400" i="1" dirty="0">
+                <a:solidFill>
+                  <a:srgbClr val="9A6516"/>
+                </a:solidFill>
+                <a:latin typeface="Courier New" pitchFamily="49" charset="0"/>
+                <a:cs typeface="Courier New" pitchFamily="49" charset="0"/>
+              </a:rPr>
+              <a:t>self</a:t>
+            </a:r>
+            <a:r>
+              <a:rPr lang="en-US" sz="1400" dirty="0" smtClean="0">
+                <a:latin typeface="Courier New" pitchFamily="49" charset="0"/>
+                <a:cs typeface="Courier New" pitchFamily="49" charset="0"/>
+              </a:rPr>
+              <a:t>.__</a:t>
+            </a:r>
+            <a:r>
+              <a:rPr lang="en-US" sz="1400" dirty="0" err="1">
+                <a:latin typeface="Courier New" pitchFamily="49" charset="0"/>
+                <a:cs typeface="Courier New" pitchFamily="49" charset="0"/>
+              </a:rPr>
+              <a:t>scrolledtext.insert</a:t>
+            </a:r>
+            <a:r>
+              <a:rPr lang="en-US" sz="1400" dirty="0">
+                <a:latin typeface="Courier New" pitchFamily="49" charset="0"/>
+                <a:cs typeface="Courier New" pitchFamily="49" charset="0"/>
+              </a:rPr>
+              <a:t>(</a:t>
+            </a:r>
+            <a:r>
+              <a:rPr lang="en-US" sz="1400" dirty="0" err="1">
+                <a:latin typeface="Courier New" pitchFamily="49" charset="0"/>
+                <a:cs typeface="Courier New" pitchFamily="49" charset="0"/>
+              </a:rPr>
+              <a:t>tkinter.INSERT</a:t>
+            </a:r>
+            <a:r>
+              <a:rPr lang="en-US" sz="1400" dirty="0">
+                <a:latin typeface="Courier New" pitchFamily="49" charset="0"/>
+                <a:cs typeface="Courier New" pitchFamily="49" charset="0"/>
+              </a:rPr>
+              <a:t>, text + </a:t>
+            </a:r>
+            <a:r>
+              <a:rPr lang="en-US" sz="1400" dirty="0">
+                <a:solidFill>
+                  <a:srgbClr val="00B050"/>
+                </a:solidFill>
+                <a:latin typeface="Courier New" pitchFamily="49" charset="0"/>
+                <a:cs typeface="Courier New" pitchFamily="49" charset="0"/>
+              </a:rPr>
+              <a:t>"\n"</a:t>
+            </a:r>
+            <a:r>
+              <a:rPr lang="en-US" sz="1400" dirty="0">
+                <a:latin typeface="Courier New" pitchFamily="49" charset="0"/>
+                <a:cs typeface="Courier New" pitchFamily="49" charset="0"/>
+              </a:rPr>
+              <a:t>)</a:t>
+            </a:r>
+          </a:p>
+          <a:p>
+            <a:r>
+              <a:rPr lang="en-US" sz="1400" dirty="0">
+                <a:latin typeface="Courier New" pitchFamily="49" charset="0"/>
+                <a:cs typeface="Courier New" pitchFamily="49" charset="0"/>
+              </a:rPr>
+              <a:t>        </a:t>
+            </a:r>
+            <a:r>
+              <a:rPr lang="en-US" sz="1400" i="1" dirty="0">
+                <a:solidFill>
+                  <a:srgbClr val="9A6516"/>
+                </a:solidFill>
+                <a:latin typeface="Courier New" pitchFamily="49" charset="0"/>
+                <a:cs typeface="Courier New" pitchFamily="49" charset="0"/>
+              </a:rPr>
+              <a:t>self</a:t>
+            </a:r>
+            <a:r>
+              <a:rPr lang="en-US" sz="1400" dirty="0" smtClean="0">
+                <a:latin typeface="Courier New" pitchFamily="49" charset="0"/>
+                <a:cs typeface="Courier New" pitchFamily="49" charset="0"/>
+              </a:rPr>
+              <a:t>.__</a:t>
+            </a:r>
+            <a:r>
+              <a:rPr lang="en-US" sz="1400" dirty="0" err="1">
+                <a:latin typeface="Courier New" pitchFamily="49" charset="0"/>
+                <a:cs typeface="Courier New" pitchFamily="49" charset="0"/>
+              </a:rPr>
+              <a:t>scrolledtext.see</a:t>
+            </a:r>
+            <a:r>
+              <a:rPr lang="en-US" sz="1400" dirty="0">
+                <a:latin typeface="Courier New" pitchFamily="49" charset="0"/>
+                <a:cs typeface="Courier New" pitchFamily="49" charset="0"/>
+              </a:rPr>
+              <a:t>(</a:t>
+            </a:r>
+            <a:r>
+              <a:rPr lang="en-US" sz="1400" dirty="0" err="1">
+                <a:latin typeface="Courier New" pitchFamily="49" charset="0"/>
+                <a:cs typeface="Courier New" pitchFamily="49" charset="0"/>
+              </a:rPr>
+              <a:t>tkinter.END</a:t>
+            </a:r>
+            <a:r>
+              <a:rPr lang="en-US" sz="1400" dirty="0">
+                <a:latin typeface="Courier New" pitchFamily="49" charset="0"/>
+                <a:cs typeface="Courier New" pitchFamily="49" charset="0"/>
+              </a:rPr>
+              <a:t>)</a:t>
+            </a:r>
+          </a:p>
+          <a:p>
+            <a:r>
+              <a:rPr lang="en-US" sz="1400" dirty="0">
+                <a:latin typeface="Courier New" pitchFamily="49" charset="0"/>
+                <a:cs typeface="Courier New" pitchFamily="49" charset="0"/>
+              </a:rPr>
+              <a:t>        logger = </a:t>
+            </a:r>
+            <a:r>
+              <a:rPr lang="en-US" sz="1400" dirty="0" err="1">
+                <a:latin typeface="Courier New" pitchFamily="49" charset="0"/>
+                <a:cs typeface="Courier New" pitchFamily="49" charset="0"/>
+              </a:rPr>
+              <a:t>logging.getLogger</a:t>
+            </a:r>
+            <a:r>
+              <a:rPr lang="en-US" sz="1400" dirty="0">
+                <a:latin typeface="Courier New" pitchFamily="49" charset="0"/>
+                <a:cs typeface="Courier New" pitchFamily="49" charset="0"/>
+              </a:rPr>
+              <a:t>(source)</a:t>
+            </a:r>
+          </a:p>
+          <a:p>
+            <a:r>
+              <a:rPr lang="en-US" sz="1400" dirty="0">
+                <a:latin typeface="Courier New" pitchFamily="49" charset="0"/>
+                <a:cs typeface="Courier New" pitchFamily="49" charset="0"/>
+              </a:rPr>
+              <a:t>        logger.info(text)</a:t>
+            </a:r>
           </a:p>
         </p:txBody>
       </p:sp>
     </p:spTree>
     <p:extLst>
       <p:ext uri="{BB962C8B-B14F-4D97-AF65-F5344CB8AC3E}">
-        <p14:creationId xmlns:p14="http://schemas.microsoft.com/office/powerpoint/2010/main" val="3874876216"/>
+        <p14:creationId xmlns:p14="http://schemas.microsoft.com/office/powerpoint/2010/main" val="4027868295"/>
       </p:ext>
     </p:extLst>
   </p:cSld>
   <p:clrMapOvr>
     <a:masterClrMapping/>
   </p:clrMapOvr>
+  <p:timing>
+    <p:tnLst>
+      <p:par>
+        <p:cTn id="1" dur="indefinite" restart="never" nodeType="tmRoot"/>
+      </p:par>
+    </p:tnLst>
+  </p:timing>
 </p:sld>
 </file>
 
-<file path=ppt/slides/slide2.xml><?xml version="1.0" encoding="utf-8"?>
+<file path=ppt/slides/slide11.xml><?xml version="1.0" encoding="utf-8"?>
 <p:sld xmlns:a="http://schemas.openxmlformats.org/drawingml/2006/main" xmlns:r="http://schemas.openxmlformats.org/officeDocument/2006/relationships" xmlns:p="http://schemas.openxmlformats.org/presentationml/2006/main">
   <p:cSld>
     <p:spTree>
@@ -3670,12 +4086,20 @@
           <a:lstStyle/>
           <a:p>
             <a:r>
-              <a:rPr lang="pt-BR" dirty="0" err="1" smtClean="0"/>
-              <a:t>Vectorization</a:t>
-            </a:r>
-            <a:r>
-              <a:rPr lang="pt-BR" dirty="0" smtClean="0"/>
-              <a:t> versus OOP</a:t>
+              <a:rPr lang="pt-BR" dirty="0" smtClean="0"/>
+              <a:t>Project-</a:t>
+            </a:r>
+            <a:r>
+              <a:rPr lang="pt-BR" dirty="0" err="1" smtClean="0"/>
+              <a:t>specific</a:t>
+            </a:r>
+            <a:r>
+              <a:rPr lang="pt-BR" dirty="0" smtClean="0"/>
+              <a:t> </a:t>
+            </a:r>
+            <a:r>
+              <a:rPr lang="pt-BR" dirty="0" err="1" smtClean="0"/>
+              <a:t>conventions</a:t>
             </a:r>
             <a:endParaRPr lang="pt-BR" dirty="0"/>
           </a:p>
@@ -3697,641 +4121,6 @@
           <a:lstStyle/>
           <a:p>
             <a:r>
-              <a:rPr lang="pt-BR" dirty="0">
-                <a:hlinkClick r:id="rId2"/>
-              </a:rPr>
-              <a:t>http://</a:t>
-            </a:r>
-            <a:r>
-              <a:rPr lang="pt-BR" dirty="0" smtClean="0">
-                <a:hlinkClick r:id="rId2"/>
-              </a:rPr>
-              <a:t>softwareengineering.stackexchange.com/questions/200346/object-oriented-vs-vector-based-programming</a:t>
-            </a:r>
-            <a:endParaRPr lang="pt-BR" dirty="0" smtClean="0"/>
-          </a:p>
-          <a:p>
-            <a:endParaRPr lang="pt-BR" dirty="0"/>
-          </a:p>
-          <a:p>
-            <a:r>
-              <a:rPr lang="pt-BR" dirty="0">
-                <a:hlinkClick r:id="rId3"/>
-              </a:rPr>
-              <a:t>http://www.labri.fr/perso/nrougier/from-python-to-numpy</a:t>
-            </a:r>
-            <a:r>
-              <a:rPr lang="pt-BR" dirty="0" smtClean="0">
-                <a:hlinkClick r:id="rId3"/>
-              </a:rPr>
-              <a:t>/</a:t>
-            </a:r>
-            <a:endParaRPr lang="pt-BR" dirty="0" smtClean="0"/>
-          </a:p>
-          <a:p>
-            <a:endParaRPr lang="pt-BR" dirty="0"/>
-          </a:p>
-        </p:txBody>
-      </p:sp>
-    </p:spTree>
-    <p:extLst>
-      <p:ext uri="{BB962C8B-B14F-4D97-AF65-F5344CB8AC3E}">
-        <p14:creationId xmlns:p14="http://schemas.microsoft.com/office/powerpoint/2010/main" val="179852674"/>
-      </p:ext>
-    </p:extLst>
-  </p:cSld>
-  <p:clrMapOvr>
-    <a:masterClrMapping/>
-  </p:clrMapOvr>
-</p:sld>
-</file>
-
-<file path=ppt/slides/slide3.xml><?xml version="1.0" encoding="utf-8"?>
-<p:sld xmlns:a="http://schemas.openxmlformats.org/drawingml/2006/main" xmlns:r="http://schemas.openxmlformats.org/officeDocument/2006/relationships" xmlns:p="http://schemas.openxmlformats.org/presentationml/2006/main">
-  <p:cSld>
-    <p:spTree>
-      <p:nvGrpSpPr>
-        <p:cNvPr id="1" name=""/>
-        <p:cNvGrpSpPr/>
-        <p:nvPr/>
-      </p:nvGrpSpPr>
-      <p:grpSpPr>
-        <a:xfrm>
-          <a:off x="0" y="0"/>
-          <a:ext cx="0" cy="0"/>
-          <a:chOff x="0" y="0"/>
-          <a:chExt cx="0" cy="0"/>
-        </a:xfrm>
-      </p:grpSpPr>
-      <p:sp>
-        <p:nvSpPr>
-          <p:cNvPr id="2" name="Título 1"/>
-          <p:cNvSpPr>
-            <a:spLocks noGrp="1"/>
-          </p:cNvSpPr>
-          <p:nvPr>
-            <p:ph type="title"/>
-          </p:nvPr>
-        </p:nvSpPr>
-        <p:spPr/>
-        <p:txBody>
-          <a:bodyPr/>
-          <a:lstStyle/>
-          <a:p>
-            <a:r>
-              <a:rPr lang="pt-BR" dirty="0" smtClean="0"/>
-              <a:t>Unit </a:t>
-            </a:r>
-            <a:r>
-              <a:rPr lang="pt-BR" dirty="0" err="1" smtClean="0"/>
-              <a:t>tests</a:t>
-            </a:r>
-            <a:r>
-              <a:rPr lang="pt-BR" dirty="0" smtClean="0"/>
-              <a:t> framework</a:t>
-            </a:r>
-            <a:endParaRPr lang="pt-BR" dirty="0"/>
-          </a:p>
-        </p:txBody>
-      </p:sp>
-      <p:sp>
-        <p:nvSpPr>
-          <p:cNvPr id="3" name="Espaço Reservado para Conteúdo 2"/>
-          <p:cNvSpPr>
-            <a:spLocks noGrp="1"/>
-          </p:cNvSpPr>
-          <p:nvPr>
-            <p:ph idx="1"/>
-          </p:nvPr>
-        </p:nvSpPr>
-        <p:spPr/>
-        <p:txBody>
-          <a:bodyPr/>
-          <a:lstStyle/>
-          <a:p>
-            <a:endParaRPr lang="pt-BR"/>
-          </a:p>
-        </p:txBody>
-      </p:sp>
-    </p:spTree>
-    <p:extLst>
-      <p:ext uri="{BB962C8B-B14F-4D97-AF65-F5344CB8AC3E}">
-        <p14:creationId xmlns:p14="http://schemas.microsoft.com/office/powerpoint/2010/main" val="4270584932"/>
-      </p:ext>
-    </p:extLst>
-  </p:cSld>
-  <p:clrMapOvr>
-    <a:masterClrMapping/>
-  </p:clrMapOvr>
-</p:sld>
-</file>
-
-<file path=ppt/slides/slide4.xml><?xml version="1.0" encoding="utf-8"?>
-<p:sld xmlns:a="http://schemas.openxmlformats.org/drawingml/2006/main" xmlns:r="http://schemas.openxmlformats.org/officeDocument/2006/relationships" xmlns:p="http://schemas.openxmlformats.org/presentationml/2006/main">
-  <p:cSld>
-    <p:spTree>
-      <p:nvGrpSpPr>
-        <p:cNvPr id="1" name=""/>
-        <p:cNvGrpSpPr/>
-        <p:nvPr/>
-      </p:nvGrpSpPr>
-      <p:grpSpPr>
-        <a:xfrm>
-          <a:off x="0" y="0"/>
-          <a:ext cx="0" cy="0"/>
-          <a:chOff x="0" y="0"/>
-          <a:chExt cx="0" cy="0"/>
-        </a:xfrm>
-      </p:grpSpPr>
-      <p:sp>
-        <p:nvSpPr>
-          <p:cNvPr id="2" name="Título 1"/>
-          <p:cNvSpPr>
-            <a:spLocks noGrp="1"/>
-          </p:cNvSpPr>
-          <p:nvPr>
-            <p:ph type="title"/>
-          </p:nvPr>
-        </p:nvSpPr>
-        <p:spPr/>
-        <p:txBody>
-          <a:bodyPr/>
-          <a:lstStyle/>
-          <a:p>
-            <a:r>
-              <a:rPr lang="pt-BR" dirty="0" err="1" smtClean="0"/>
-              <a:t>Code</a:t>
-            </a:r>
-            <a:r>
-              <a:rPr lang="pt-BR" dirty="0" smtClean="0"/>
-              <a:t> </a:t>
-            </a:r>
-            <a:r>
-              <a:rPr lang="pt-BR" dirty="0" err="1" smtClean="0"/>
-              <a:t>style</a:t>
-            </a:r>
-            <a:r>
-              <a:rPr lang="pt-BR" dirty="0" smtClean="0"/>
-              <a:t> </a:t>
-            </a:r>
-            <a:r>
-              <a:rPr lang="pt-BR" dirty="0" err="1" smtClean="0"/>
-              <a:t>guide</a:t>
-            </a:r>
-            <a:endParaRPr lang="pt-BR" dirty="0"/>
-          </a:p>
-        </p:txBody>
-      </p:sp>
-      <p:sp>
-        <p:nvSpPr>
-          <p:cNvPr id="3" name="Espaço Reservado para Conteúdo 2"/>
-          <p:cNvSpPr>
-            <a:spLocks noGrp="1"/>
-          </p:cNvSpPr>
-          <p:nvPr>
-            <p:ph idx="1"/>
-          </p:nvPr>
-        </p:nvSpPr>
-        <p:spPr/>
-        <p:txBody>
-          <a:bodyPr>
-            <a:noAutofit/>
-          </a:bodyPr>
-          <a:lstStyle/>
-          <a:p>
-            <a:r>
-              <a:rPr lang="pt-BR" dirty="0" err="1" smtClean="0"/>
-              <a:t>This</a:t>
-            </a:r>
-            <a:r>
-              <a:rPr lang="pt-BR" dirty="0" smtClean="0"/>
-              <a:t> </a:t>
-            </a:r>
-            <a:r>
-              <a:rPr lang="pt-BR" dirty="0" err="1" smtClean="0"/>
-              <a:t>project</a:t>
-            </a:r>
-            <a:r>
-              <a:rPr lang="pt-BR" dirty="0" smtClean="0"/>
-              <a:t> </a:t>
-            </a:r>
-            <a:r>
-              <a:rPr lang="pt-BR" dirty="0" err="1" smtClean="0"/>
-              <a:t>adheres</a:t>
-            </a:r>
-            <a:r>
-              <a:rPr lang="pt-BR" dirty="0" smtClean="0"/>
-              <a:t> </a:t>
-            </a:r>
-            <a:r>
-              <a:rPr lang="pt-BR" dirty="0" err="1" smtClean="0"/>
-              <a:t>to</a:t>
-            </a:r>
-            <a:r>
-              <a:rPr lang="pt-BR" dirty="0" smtClean="0"/>
-              <a:t>:</a:t>
-            </a:r>
-          </a:p>
-          <a:p>
-            <a:pPr lvl="1"/>
-            <a:r>
-              <a:rPr lang="pt-BR" dirty="0" smtClean="0"/>
-              <a:t>PEP 8: </a:t>
-            </a:r>
-            <a:r>
-              <a:rPr lang="pt-BR" dirty="0" err="1" smtClean="0"/>
-              <a:t>Style</a:t>
-            </a:r>
-            <a:r>
-              <a:rPr lang="pt-BR" dirty="0" smtClean="0"/>
-              <a:t> </a:t>
-            </a:r>
-            <a:r>
-              <a:rPr lang="pt-BR" dirty="0" err="1" smtClean="0"/>
-              <a:t>Guide</a:t>
-            </a:r>
-            <a:r>
-              <a:rPr lang="pt-BR" dirty="0" smtClean="0"/>
-              <a:t> for Python </a:t>
-            </a:r>
-            <a:r>
-              <a:rPr lang="pt-BR" dirty="0" err="1" smtClean="0"/>
-              <a:t>Code</a:t>
-            </a:r>
-            <a:endParaRPr lang="pt-BR" dirty="0" smtClean="0"/>
-          </a:p>
-          <a:p>
-            <a:pPr lvl="1"/>
-            <a:r>
-              <a:rPr lang="pt-BR" dirty="0" smtClean="0"/>
-              <a:t>PEP 257: </a:t>
-            </a:r>
-            <a:r>
-              <a:rPr lang="pt-BR" dirty="0" err="1" smtClean="0"/>
-              <a:t>Docstring</a:t>
-            </a:r>
-            <a:r>
-              <a:rPr lang="pt-BR" dirty="0" smtClean="0"/>
-              <a:t> </a:t>
-            </a:r>
-            <a:r>
-              <a:rPr lang="pt-BR" dirty="0" err="1" smtClean="0"/>
-              <a:t>Conventions</a:t>
-            </a:r>
-            <a:endParaRPr lang="pt-BR" dirty="0" smtClean="0"/>
-          </a:p>
-          <a:p>
-            <a:r>
-              <a:rPr lang="pt-BR" dirty="0" err="1" smtClean="0"/>
-              <a:t>Along</a:t>
-            </a:r>
-            <a:r>
-              <a:rPr lang="pt-BR" dirty="0" smtClean="0"/>
-              <a:t> </a:t>
-            </a:r>
-            <a:r>
-              <a:rPr lang="pt-BR" dirty="0" err="1" smtClean="0"/>
-              <a:t>with</a:t>
-            </a:r>
-            <a:r>
-              <a:rPr lang="pt-BR" dirty="0" smtClean="0"/>
-              <a:t> </a:t>
-            </a:r>
-            <a:r>
-              <a:rPr lang="pt-BR" dirty="0" err="1" smtClean="0"/>
-              <a:t>Style</a:t>
-            </a:r>
-            <a:r>
-              <a:rPr lang="pt-BR" dirty="0" smtClean="0"/>
-              <a:t> </a:t>
-            </a:r>
-            <a:r>
-              <a:rPr lang="pt-BR" dirty="0" err="1" smtClean="0"/>
-              <a:t>Guide</a:t>
-            </a:r>
-            <a:r>
-              <a:rPr lang="pt-BR" dirty="0" smtClean="0"/>
-              <a:t>, </a:t>
-            </a:r>
-            <a:r>
-              <a:rPr lang="pt-BR" dirty="0" err="1" smtClean="0"/>
-              <a:t>the</a:t>
-            </a:r>
-            <a:r>
-              <a:rPr lang="pt-BR" dirty="0" smtClean="0"/>
-              <a:t> </a:t>
-            </a:r>
-            <a:r>
-              <a:rPr lang="pt-BR" dirty="0" err="1" smtClean="0"/>
-              <a:t>following</a:t>
-            </a:r>
-            <a:r>
-              <a:rPr lang="pt-BR" dirty="0" smtClean="0"/>
-              <a:t> </a:t>
-            </a:r>
-            <a:r>
-              <a:rPr lang="pt-BR" dirty="0" err="1" smtClean="0"/>
-              <a:t>useful</a:t>
-            </a:r>
-            <a:r>
-              <a:rPr lang="pt-BR" dirty="0" smtClean="0"/>
-              <a:t> </a:t>
-            </a:r>
-            <a:r>
-              <a:rPr lang="pt-BR" dirty="0" err="1" smtClean="0"/>
-              <a:t>reading</a:t>
-            </a:r>
-            <a:r>
-              <a:rPr lang="pt-BR" dirty="0" smtClean="0"/>
-              <a:t> </a:t>
-            </a:r>
-            <a:r>
-              <a:rPr lang="pt-BR" dirty="0" err="1" smtClean="0"/>
-              <a:t>is</a:t>
-            </a:r>
-            <a:r>
-              <a:rPr lang="pt-BR" dirty="0" smtClean="0"/>
-              <a:t> </a:t>
-            </a:r>
-            <a:r>
-              <a:rPr lang="pt-BR" dirty="0" err="1" smtClean="0"/>
-              <a:t>suggested</a:t>
-            </a:r>
-            <a:r>
-              <a:rPr lang="pt-BR" dirty="0" smtClean="0"/>
-              <a:t>:</a:t>
-            </a:r>
-          </a:p>
-          <a:p>
-            <a:pPr lvl="1"/>
-            <a:r>
-              <a:rPr lang="en-US" dirty="0">
-                <a:hlinkClick r:id="rId2"/>
-              </a:rPr>
-              <a:t>https://</a:t>
-            </a:r>
-            <a:r>
-              <a:rPr lang="en-US" dirty="0" smtClean="0">
-                <a:hlinkClick r:id="rId2"/>
-              </a:rPr>
-              <a:t>google.github.io/styleguide/pyguide.html</a:t>
-            </a:r>
-            <a:endParaRPr lang="en-US" dirty="0" smtClean="0"/>
-          </a:p>
-          <a:p>
-            <a:r>
-              <a:rPr lang="pt-BR" dirty="0" err="1" smtClean="0"/>
-              <a:t>Example</a:t>
-            </a:r>
-            <a:r>
-              <a:rPr lang="pt-BR" dirty="0" smtClean="0"/>
-              <a:t>: </a:t>
-            </a:r>
-            <a:r>
-              <a:rPr lang="pt-BR" dirty="0" err="1" smtClean="0"/>
-              <a:t>naming</a:t>
-            </a:r>
-            <a:endParaRPr lang="pt-BR" dirty="0"/>
-          </a:p>
-          <a:p>
-            <a:pPr marL="274320" lvl="1" indent="0">
-              <a:buNone/>
-            </a:pPr>
-            <a:r>
-              <a:rPr lang="pt-BR" b="1" dirty="0" err="1">
-                <a:latin typeface="Courier New" pitchFamily="49" charset="0"/>
-                <a:cs typeface="Courier New" pitchFamily="49" charset="0"/>
-              </a:rPr>
-              <a:t>module_name</a:t>
-            </a:r>
-            <a:r>
-              <a:rPr lang="pt-BR" b="1" dirty="0">
-                <a:latin typeface="Courier New" pitchFamily="49" charset="0"/>
-                <a:cs typeface="Courier New" pitchFamily="49" charset="0"/>
-              </a:rPr>
-              <a:t>, </a:t>
-            </a:r>
-            <a:r>
-              <a:rPr lang="pt-BR" b="1" dirty="0" err="1">
-                <a:latin typeface="Courier New" pitchFamily="49" charset="0"/>
-                <a:cs typeface="Courier New" pitchFamily="49" charset="0"/>
-              </a:rPr>
-              <a:t>package_name</a:t>
-            </a:r>
-            <a:r>
-              <a:rPr lang="pt-BR" b="1" dirty="0">
-                <a:latin typeface="Courier New" pitchFamily="49" charset="0"/>
-                <a:cs typeface="Courier New" pitchFamily="49" charset="0"/>
-              </a:rPr>
-              <a:t>, </a:t>
-            </a:r>
-            <a:r>
-              <a:rPr lang="pt-BR" b="1" dirty="0" err="1">
-                <a:latin typeface="Courier New" pitchFamily="49" charset="0"/>
-                <a:cs typeface="Courier New" pitchFamily="49" charset="0"/>
-              </a:rPr>
-              <a:t>ClassName</a:t>
-            </a:r>
-            <a:r>
-              <a:rPr lang="pt-BR" b="1" dirty="0">
-                <a:latin typeface="Courier New" pitchFamily="49" charset="0"/>
-                <a:cs typeface="Courier New" pitchFamily="49" charset="0"/>
-              </a:rPr>
-              <a:t>, </a:t>
-            </a:r>
-            <a:r>
-              <a:rPr lang="pt-BR" b="1" dirty="0" err="1">
-                <a:latin typeface="Courier New" pitchFamily="49" charset="0"/>
-                <a:cs typeface="Courier New" pitchFamily="49" charset="0"/>
-              </a:rPr>
-              <a:t>method_name</a:t>
-            </a:r>
-            <a:r>
-              <a:rPr lang="pt-BR" b="1" dirty="0">
-                <a:latin typeface="Courier New" pitchFamily="49" charset="0"/>
-                <a:cs typeface="Courier New" pitchFamily="49" charset="0"/>
-              </a:rPr>
-              <a:t>, </a:t>
-            </a:r>
-            <a:r>
-              <a:rPr lang="pt-BR" b="1" dirty="0" err="1">
-                <a:latin typeface="Courier New" pitchFamily="49" charset="0"/>
-                <a:cs typeface="Courier New" pitchFamily="49" charset="0"/>
-              </a:rPr>
-              <a:t>ExceptionName</a:t>
-            </a:r>
-            <a:r>
-              <a:rPr lang="pt-BR" b="1" dirty="0">
-                <a:latin typeface="Courier New" pitchFamily="49" charset="0"/>
-                <a:cs typeface="Courier New" pitchFamily="49" charset="0"/>
-              </a:rPr>
-              <a:t>, </a:t>
-            </a:r>
-            <a:r>
-              <a:rPr lang="pt-BR" b="1" dirty="0" err="1">
-                <a:latin typeface="Courier New" pitchFamily="49" charset="0"/>
-                <a:cs typeface="Courier New" pitchFamily="49" charset="0"/>
-              </a:rPr>
-              <a:t>function_name</a:t>
-            </a:r>
-            <a:r>
-              <a:rPr lang="pt-BR" b="1" dirty="0">
-                <a:latin typeface="Courier New" pitchFamily="49" charset="0"/>
-                <a:cs typeface="Courier New" pitchFamily="49" charset="0"/>
-              </a:rPr>
-              <a:t>, GLOBAL_CONSTANT_NAME, </a:t>
-            </a:r>
-            <a:r>
-              <a:rPr lang="pt-BR" b="1" dirty="0" err="1">
-                <a:latin typeface="Courier New" pitchFamily="49" charset="0"/>
-                <a:cs typeface="Courier New" pitchFamily="49" charset="0"/>
-              </a:rPr>
-              <a:t>global_var_name</a:t>
-            </a:r>
-            <a:r>
-              <a:rPr lang="pt-BR" b="1" dirty="0">
-                <a:latin typeface="Courier New" pitchFamily="49" charset="0"/>
-                <a:cs typeface="Courier New" pitchFamily="49" charset="0"/>
-              </a:rPr>
-              <a:t>, </a:t>
-            </a:r>
-            <a:r>
-              <a:rPr lang="pt-BR" b="1" dirty="0" err="1">
-                <a:latin typeface="Courier New" pitchFamily="49" charset="0"/>
-                <a:cs typeface="Courier New" pitchFamily="49" charset="0"/>
-              </a:rPr>
-              <a:t>instance_var_name</a:t>
-            </a:r>
-            <a:r>
-              <a:rPr lang="pt-BR" b="1" dirty="0">
-                <a:latin typeface="Courier New" pitchFamily="49" charset="0"/>
-                <a:cs typeface="Courier New" pitchFamily="49" charset="0"/>
-              </a:rPr>
-              <a:t>, </a:t>
-            </a:r>
-            <a:r>
-              <a:rPr lang="pt-BR" b="1" dirty="0" err="1">
-                <a:latin typeface="Courier New" pitchFamily="49" charset="0"/>
-                <a:cs typeface="Courier New" pitchFamily="49" charset="0"/>
-              </a:rPr>
-              <a:t>function_parameter_name</a:t>
-            </a:r>
-            <a:r>
-              <a:rPr lang="pt-BR" b="1" dirty="0">
-                <a:latin typeface="Courier New" pitchFamily="49" charset="0"/>
-                <a:cs typeface="Courier New" pitchFamily="49" charset="0"/>
-              </a:rPr>
-              <a:t>, </a:t>
-            </a:r>
-            <a:r>
-              <a:rPr lang="pt-BR" b="1" dirty="0" err="1">
-                <a:latin typeface="Courier New" pitchFamily="49" charset="0"/>
-                <a:cs typeface="Courier New" pitchFamily="49" charset="0"/>
-              </a:rPr>
-              <a:t>local_var_name</a:t>
-            </a:r>
-            <a:endParaRPr lang="pt-BR" b="1" dirty="0">
-              <a:latin typeface="Courier New" pitchFamily="49" charset="0"/>
-              <a:cs typeface="Courier New" pitchFamily="49" charset="0"/>
-            </a:endParaRPr>
-          </a:p>
-          <a:p>
-            <a:endParaRPr lang="pt-BR" dirty="0" smtClean="0"/>
-          </a:p>
-          <a:p>
-            <a:pPr lvl="1"/>
-            <a:endParaRPr lang="pt-BR" dirty="0"/>
-          </a:p>
-        </p:txBody>
-      </p:sp>
-    </p:spTree>
-    <p:extLst>
-      <p:ext uri="{BB962C8B-B14F-4D97-AF65-F5344CB8AC3E}">
-        <p14:creationId xmlns:p14="http://schemas.microsoft.com/office/powerpoint/2010/main" val="4289424578"/>
-      </p:ext>
-    </p:extLst>
-  </p:cSld>
-  <p:clrMapOvr>
-    <a:masterClrMapping/>
-  </p:clrMapOvr>
-  <p:timing>
-    <p:tnLst>
-      <p:par>
-        <p:cTn id="1" dur="indefinite" restart="never" nodeType="tmRoot"/>
-      </p:par>
-    </p:tnLst>
-  </p:timing>
-</p:sld>
-</file>
-
-<file path=ppt/slides/slide5.xml><?xml version="1.0" encoding="utf-8"?>
-<p:sld xmlns:a="http://schemas.openxmlformats.org/drawingml/2006/main" xmlns:r="http://schemas.openxmlformats.org/officeDocument/2006/relationships" xmlns:p="http://schemas.openxmlformats.org/presentationml/2006/main">
-  <p:cSld>
-    <p:spTree>
-      <p:nvGrpSpPr>
-        <p:cNvPr id="1" name=""/>
-        <p:cNvGrpSpPr/>
-        <p:nvPr/>
-      </p:nvGrpSpPr>
-      <p:grpSpPr>
-        <a:xfrm>
-          <a:off x="0" y="0"/>
-          <a:ext cx="0" cy="0"/>
-          <a:chOff x="0" y="0"/>
-          <a:chExt cx="0" cy="0"/>
-        </a:xfrm>
-      </p:grpSpPr>
-      <p:sp>
-        <p:nvSpPr>
-          <p:cNvPr id="2" name="Título 1"/>
-          <p:cNvSpPr>
-            <a:spLocks noGrp="1"/>
-          </p:cNvSpPr>
-          <p:nvPr>
-            <p:ph type="title"/>
-          </p:nvPr>
-        </p:nvSpPr>
-        <p:spPr/>
-        <p:txBody>
-          <a:bodyPr/>
-          <a:lstStyle/>
-          <a:p>
-            <a:r>
-              <a:rPr lang="pt-BR" dirty="0" smtClean="0"/>
-              <a:t>Project-</a:t>
-            </a:r>
-            <a:r>
-              <a:rPr lang="pt-BR" dirty="0" err="1" smtClean="0"/>
-              <a:t>specific</a:t>
-            </a:r>
-            <a:r>
-              <a:rPr lang="pt-BR" dirty="0" smtClean="0"/>
-              <a:t> </a:t>
-            </a:r>
-            <a:r>
-              <a:rPr lang="pt-BR" dirty="0" err="1" smtClean="0"/>
-              <a:t>conventions</a:t>
-            </a:r>
-            <a:endParaRPr lang="pt-BR" dirty="0"/>
-          </a:p>
-        </p:txBody>
-      </p:sp>
-      <p:sp>
-        <p:nvSpPr>
-          <p:cNvPr id="3" name="Espaço Reservado para Conteúdo 2"/>
-          <p:cNvSpPr>
-            <a:spLocks noGrp="1"/>
-          </p:cNvSpPr>
-          <p:nvPr>
-            <p:ph idx="1"/>
-          </p:nvPr>
-        </p:nvSpPr>
-        <p:spPr/>
-        <p:txBody>
-          <a:bodyPr/>
-          <a:lstStyle/>
-          <a:p>
-            <a:r>
               <a:rPr lang="pt-BR" dirty="0" err="1" smtClean="0"/>
               <a:t>One</a:t>
             </a:r>
@@ -4453,7 +4242,7 @@
           <p:nvPr>
             <p:extLst>
               <p:ext uri="{D42A27DB-BD31-4B8C-83A1-F6EECF244321}">
-                <p14:modId xmlns:p14="http://schemas.microsoft.com/office/powerpoint/2010/main" val="1576851109"/>
+                <p14:modId xmlns:p14="http://schemas.microsoft.com/office/powerpoint/2010/main" val="2959825256"/>
               </p:ext>
             </p:extLst>
           </p:nvPr>
@@ -4650,7 +4439,7 @@
                     <a:p>
                       <a:r>
                         <a:rPr lang="pt-BR" dirty="0" smtClean="0"/>
-                        <a:t>dB</a:t>
+                        <a:t>dB (positive)</a:t>
                       </a:r>
                       <a:endParaRPr lang="pt-BR" dirty="0"/>
                     </a:p>
@@ -4792,7 +4581,7 @@
 </p:sld>
 </file>
 
-<file path=ppt/slides/slide6.xml><?xml version="1.0" encoding="utf-8"?>
+<file path=ppt/slides/slide12.xml><?xml version="1.0" encoding="utf-8"?>
 <p:sld xmlns:a="http://schemas.openxmlformats.org/drawingml/2006/main" xmlns:r="http://schemas.openxmlformats.org/officeDocument/2006/relationships" xmlns:p="http://schemas.openxmlformats.org/presentationml/2006/main">
   <p:cSld>
     <p:spTree>
@@ -5318,7 +5107,7 @@
 </p:sld>
 </file>
 
-<file path=ppt/slides/slide7.xml><?xml version="1.0" encoding="utf-8"?>
+<file path=ppt/slides/slide13.xml><?xml version="1.0" encoding="utf-8"?>
 <p:sld xmlns:a="http://schemas.openxmlformats.org/drawingml/2006/main" xmlns:r="http://schemas.openxmlformats.org/officeDocument/2006/relationships" xmlns:p="http://schemas.openxmlformats.org/presentationml/2006/main">
   <p:cSld>
     <p:spTree>
@@ -5352,6 +5141,745 @@
           <a:p>
             <a:r>
               <a:rPr lang="pt-BR" dirty="0" err="1" smtClean="0"/>
+              <a:t>Development</a:t>
+            </a:r>
+            <a:r>
+              <a:rPr lang="pt-BR" dirty="0" smtClean="0"/>
+              <a:t> </a:t>
+            </a:r>
+            <a:r>
+              <a:rPr lang="pt-BR" dirty="0" err="1" smtClean="0"/>
+              <a:t>environment</a:t>
+            </a:r>
+            <a:endParaRPr lang="pt-BR" dirty="0"/>
+          </a:p>
+        </p:txBody>
+      </p:sp>
+      <p:sp>
+        <p:nvSpPr>
+          <p:cNvPr id="3" name="Espaço Reservado para Conteúdo 2"/>
+          <p:cNvSpPr>
+            <a:spLocks noGrp="1"/>
+          </p:cNvSpPr>
+          <p:nvPr>
+            <p:ph idx="1"/>
+          </p:nvPr>
+        </p:nvSpPr>
+        <p:spPr/>
+        <p:txBody>
+          <a:bodyPr/>
+          <a:lstStyle/>
+          <a:p>
+            <a:r>
+              <a:rPr lang="pt-BR" dirty="0" err="1" smtClean="0"/>
+              <a:t>Suggestion</a:t>
+            </a:r>
+            <a:r>
+              <a:rPr lang="pt-BR" dirty="0" smtClean="0"/>
+              <a:t>: Anaconda </a:t>
+            </a:r>
+            <a:r>
+              <a:rPr lang="pt-BR" dirty="0" err="1" smtClean="0"/>
+              <a:t>with</a:t>
+            </a:r>
+            <a:r>
+              <a:rPr lang="pt-BR" dirty="0" smtClean="0"/>
+              <a:t> Python 3.5</a:t>
+            </a:r>
+          </a:p>
+          <a:p>
+            <a:endParaRPr lang="pt-BR" dirty="0"/>
+          </a:p>
+          <a:p>
+            <a:pPr marL="0" indent="0">
+              <a:buNone/>
+            </a:pPr>
+            <a:r>
+              <a:rPr lang="pt-BR" u="sng" dirty="0">
+                <a:hlinkClick r:id="rId2"/>
+              </a:rPr>
+              <a:t>https://www.continuum.io/downloads</a:t>
+            </a:r>
+            <a:endParaRPr lang="pt-BR" dirty="0"/>
+          </a:p>
+        </p:txBody>
+      </p:sp>
+    </p:spTree>
+    <p:extLst>
+      <p:ext uri="{BB962C8B-B14F-4D97-AF65-F5344CB8AC3E}">
+        <p14:creationId xmlns:p14="http://schemas.microsoft.com/office/powerpoint/2010/main" val="3647116592"/>
+      </p:ext>
+    </p:extLst>
+  </p:cSld>
+  <p:clrMapOvr>
+    <a:masterClrMapping/>
+  </p:clrMapOvr>
+  <p:timing>
+    <p:tnLst>
+      <p:par>
+        <p:cTn id="1" dur="indefinite" restart="never" nodeType="tmRoot"/>
+      </p:par>
+    </p:tnLst>
+  </p:timing>
+</p:sld>
+</file>
+
+<file path=ppt/slides/slide14.xml><?xml version="1.0" encoding="utf-8"?>
+<p:sld xmlns:a="http://schemas.openxmlformats.org/drawingml/2006/main" xmlns:r="http://schemas.openxmlformats.org/officeDocument/2006/relationships" xmlns:p="http://schemas.openxmlformats.org/presentationml/2006/main">
+  <p:cSld>
+    <p:spTree>
+      <p:nvGrpSpPr>
+        <p:cNvPr id="1" name=""/>
+        <p:cNvGrpSpPr/>
+        <p:nvPr/>
+      </p:nvGrpSpPr>
+      <p:grpSpPr>
+        <a:xfrm>
+          <a:off x="0" y="0"/>
+          <a:ext cx="0" cy="0"/>
+          <a:chOff x="0" y="0"/>
+          <a:chExt cx="0" cy="0"/>
+        </a:xfrm>
+      </p:grpSpPr>
+      <p:sp>
+        <p:nvSpPr>
+          <p:cNvPr id="2" name="Título 1"/>
+          <p:cNvSpPr>
+            <a:spLocks noGrp="1"/>
+          </p:cNvSpPr>
+          <p:nvPr>
+            <p:ph type="title"/>
+          </p:nvPr>
+        </p:nvSpPr>
+        <p:spPr/>
+        <p:txBody>
+          <a:bodyPr/>
+          <a:lstStyle/>
+          <a:p>
+            <a:r>
+              <a:rPr lang="pt-BR" dirty="0" err="1" smtClean="0"/>
+              <a:t>Branch</a:t>
+            </a:r>
+            <a:r>
+              <a:rPr lang="pt-BR" dirty="0" smtClean="0"/>
+              <a:t> status</a:t>
+            </a:r>
+            <a:endParaRPr lang="pt-BR" dirty="0"/>
+          </a:p>
+        </p:txBody>
+      </p:sp>
+      <p:sp>
+        <p:nvSpPr>
+          <p:cNvPr id="3" name="Espaço Reservado para Conteúdo 2"/>
+          <p:cNvSpPr>
+            <a:spLocks noGrp="1"/>
+          </p:cNvSpPr>
+          <p:nvPr>
+            <p:ph idx="1"/>
+          </p:nvPr>
+        </p:nvSpPr>
+        <p:spPr/>
+        <p:txBody>
+          <a:bodyPr/>
+          <a:lstStyle/>
+          <a:p>
+            <a:r>
+              <a:rPr lang="pt-BR" dirty="0" err="1" smtClean="0"/>
+              <a:t>Development</a:t>
+            </a:r>
+            <a:r>
+              <a:rPr lang="pt-BR" dirty="0" smtClean="0"/>
+              <a:t> </a:t>
+            </a:r>
+            <a:r>
+              <a:rPr lang="pt-BR" dirty="0" err="1" smtClean="0"/>
+              <a:t>branch</a:t>
+            </a:r>
+            <a:r>
+              <a:rPr lang="pt-BR" dirty="0" smtClean="0"/>
+              <a:t> </a:t>
+            </a:r>
+            <a:r>
+              <a:rPr lang="pt-BR" dirty="0" err="1" smtClean="0"/>
+              <a:t>contains</a:t>
+            </a:r>
+            <a:r>
+              <a:rPr lang="pt-BR" dirty="0" smtClean="0"/>
+              <a:t> a </a:t>
+            </a:r>
+            <a:r>
+              <a:rPr lang="pt-BR" dirty="0" err="1" smtClean="0"/>
+              <a:t>version</a:t>
+            </a:r>
+            <a:r>
+              <a:rPr lang="pt-BR" dirty="0" smtClean="0"/>
+              <a:t> </a:t>
+            </a:r>
+            <a:r>
+              <a:rPr lang="pt-BR" dirty="0" err="1" smtClean="0"/>
+              <a:t>that</a:t>
+            </a:r>
+            <a:r>
+              <a:rPr lang="pt-BR" dirty="0" smtClean="0"/>
+              <a:t> </a:t>
+            </a:r>
+            <a:r>
+              <a:rPr lang="pt-BR" dirty="0" err="1" smtClean="0"/>
+              <a:t>performs</a:t>
+            </a:r>
+            <a:r>
+              <a:rPr lang="pt-BR" dirty="0" smtClean="0"/>
+              <a:t> a </a:t>
+            </a:r>
+            <a:r>
+              <a:rPr lang="pt-BR" dirty="0" err="1" smtClean="0"/>
+              <a:t>fake</a:t>
+            </a:r>
+            <a:r>
+              <a:rPr lang="pt-BR" dirty="0" smtClean="0"/>
+              <a:t> </a:t>
+            </a:r>
+            <a:r>
+              <a:rPr lang="pt-BR" dirty="0" err="1" smtClean="0"/>
+              <a:t>simulation</a:t>
+            </a:r>
+            <a:endParaRPr lang="pt-BR" dirty="0" smtClean="0"/>
+          </a:p>
+        </p:txBody>
+      </p:sp>
+      <p:pic>
+        <p:nvPicPr>
+          <p:cNvPr id="2051" name="Picture 3"/>
+          <p:cNvPicPr>
+            <a:picLocks noChangeAspect="1" noChangeArrowheads="1"/>
+          </p:cNvPicPr>
+          <p:nvPr/>
+        </p:nvPicPr>
+        <p:blipFill>
+          <a:blip r:embed="rId2">
+            <a:extLst>
+              <a:ext uri="{28A0092B-C50C-407E-A947-70E740481C1C}">
+                <a14:useLocalDpi xmlns:a14="http://schemas.microsoft.com/office/drawing/2010/main" val="0"/>
+              </a:ext>
+            </a:extLst>
+          </a:blip>
+          <a:srcRect/>
+          <a:stretch>
+            <a:fillRect/>
+          </a:stretch>
+        </p:blipFill>
+        <p:spPr bwMode="auto">
+          <a:xfrm>
+            <a:off x="1475656" y="2478638"/>
+            <a:ext cx="6070624" cy="4262730"/>
+          </a:xfrm>
+          <a:prstGeom prst="rect">
+            <a:avLst/>
+          </a:prstGeom>
+          <a:noFill/>
+          <a:ln>
+            <a:noFill/>
+          </a:ln>
+          <a:effectLst/>
+          <a:extLst>
+            <a:ext uri="{909E8E84-426E-40DD-AFC4-6F175D3DCCD1}">
+              <a14:hiddenFill xmlns:a14="http://schemas.microsoft.com/office/drawing/2010/main">
+                <a:solidFill>
+                  <a:schemeClr val="accent1"/>
+                </a:solidFill>
+              </a14:hiddenFill>
+            </a:ext>
+            <a:ext uri="{91240B29-F687-4F45-9708-019B960494DF}">
+              <a14:hiddenLine xmlns:a14="http://schemas.microsoft.com/office/drawing/2010/main" w="9525">
+                <a:solidFill>
+                  <a:schemeClr val="tx1"/>
+                </a:solidFill>
+                <a:miter lim="800000"/>
+                <a:headEnd/>
+                <a:tailEnd/>
+              </a14:hiddenLine>
+            </a:ext>
+            <a:ext uri="{AF507438-7753-43E0-B8FC-AC1667EBCBE1}">
+              <a14:hiddenEffects xmlns:a14="http://schemas.microsoft.com/office/drawing/2010/main">
+                <a:effectLst>
+                  <a:outerShdw dist="35921" dir="2700000" algn="ctr" rotWithShape="0">
+                    <a:schemeClr val="bg2"/>
+                  </a:outerShdw>
+                </a:effectLst>
+              </a14:hiddenEffects>
+            </a:ext>
+          </a:extLst>
+        </p:spPr>
+      </p:pic>
+    </p:spTree>
+    <p:extLst>
+      <p:ext uri="{BB962C8B-B14F-4D97-AF65-F5344CB8AC3E}">
+        <p14:creationId xmlns:p14="http://schemas.microsoft.com/office/powerpoint/2010/main" val="3187348570"/>
+      </p:ext>
+    </p:extLst>
+  </p:cSld>
+  <p:clrMapOvr>
+    <a:masterClrMapping/>
+  </p:clrMapOvr>
+  <p:timing>
+    <p:tnLst>
+      <p:par>
+        <p:cTn id="1" dur="indefinite" restart="never" nodeType="tmRoot"/>
+      </p:par>
+    </p:tnLst>
+  </p:timing>
+</p:sld>
+</file>
+
+<file path=ppt/slides/slide15.xml><?xml version="1.0" encoding="utf-8"?>
+<p:sld xmlns:a="http://schemas.openxmlformats.org/drawingml/2006/main" xmlns:r="http://schemas.openxmlformats.org/officeDocument/2006/relationships" xmlns:p="http://schemas.openxmlformats.org/presentationml/2006/main">
+  <p:cSld>
+    <p:spTree>
+      <p:nvGrpSpPr>
+        <p:cNvPr id="1" name=""/>
+        <p:cNvGrpSpPr/>
+        <p:nvPr/>
+      </p:nvGrpSpPr>
+      <p:grpSpPr>
+        <a:xfrm>
+          <a:off x="0" y="0"/>
+          <a:ext cx="0" cy="0"/>
+          <a:chOff x="0" y="0"/>
+          <a:chExt cx="0" cy="0"/>
+        </a:xfrm>
+      </p:grpSpPr>
+      <p:sp>
+        <p:nvSpPr>
+          <p:cNvPr id="2" name="Título 1"/>
+          <p:cNvSpPr>
+            <a:spLocks noGrp="1"/>
+          </p:cNvSpPr>
+          <p:nvPr>
+            <p:ph type="title"/>
+          </p:nvPr>
+        </p:nvSpPr>
+        <p:spPr/>
+        <p:txBody>
+          <a:bodyPr/>
+          <a:lstStyle/>
+          <a:p>
+            <a:r>
+              <a:rPr lang="pt-BR" dirty="0" err="1" smtClean="0"/>
+              <a:t>Features</a:t>
+            </a:r>
+            <a:r>
+              <a:rPr lang="pt-BR" dirty="0" smtClean="0"/>
+              <a:t> </a:t>
+            </a:r>
+            <a:r>
+              <a:rPr lang="pt-BR" dirty="0" err="1" smtClean="0"/>
+              <a:t>to</a:t>
+            </a:r>
+            <a:r>
+              <a:rPr lang="pt-BR" dirty="0" smtClean="0"/>
+              <a:t> </a:t>
+            </a:r>
+            <a:r>
+              <a:rPr lang="pt-BR" dirty="0" err="1" smtClean="0"/>
+              <a:t>be</a:t>
+            </a:r>
+            <a:r>
+              <a:rPr lang="pt-BR" dirty="0" smtClean="0"/>
+              <a:t> </a:t>
+            </a:r>
+            <a:r>
+              <a:rPr lang="pt-BR" dirty="0" err="1" smtClean="0"/>
+              <a:t>implemented</a:t>
+            </a:r>
+            <a:endParaRPr lang="pt-BR" dirty="0"/>
+          </a:p>
+        </p:txBody>
+      </p:sp>
+      <p:sp>
+        <p:nvSpPr>
+          <p:cNvPr id="3" name="Espaço Reservado para Conteúdo 2"/>
+          <p:cNvSpPr>
+            <a:spLocks noGrp="1"/>
+          </p:cNvSpPr>
+          <p:nvPr>
+            <p:ph idx="1"/>
+          </p:nvPr>
+        </p:nvSpPr>
+        <p:spPr/>
+        <p:txBody>
+          <a:bodyPr/>
+          <a:lstStyle/>
+          <a:p>
+            <a:endParaRPr lang="pt-BR" dirty="0"/>
+          </a:p>
+          <a:p>
+            <a:endParaRPr lang="pt-BR" dirty="0" smtClean="0"/>
+          </a:p>
+          <a:p>
+            <a:r>
+              <a:rPr lang="pt-BR" dirty="0" smtClean="0"/>
+              <a:t>Go </a:t>
+            </a:r>
+            <a:r>
+              <a:rPr lang="pt-BR" dirty="0" err="1" smtClean="0"/>
+              <a:t>to</a:t>
+            </a:r>
+            <a:r>
+              <a:rPr lang="pt-BR" dirty="0" smtClean="0"/>
+              <a:t> </a:t>
+            </a:r>
+            <a:r>
+              <a:rPr lang="pt-BR" dirty="0" err="1" smtClean="0"/>
+              <a:t>GitHub</a:t>
+            </a:r>
+            <a:r>
+              <a:rPr lang="pt-BR" dirty="0" smtClean="0"/>
+              <a:t>:</a:t>
+            </a:r>
+          </a:p>
+          <a:p>
+            <a:endParaRPr lang="pt-BR" dirty="0"/>
+          </a:p>
+          <a:p>
+            <a:endParaRPr lang="pt-BR" dirty="0" smtClean="0"/>
+          </a:p>
+          <a:p>
+            <a:pPr marL="0" indent="0">
+              <a:buNone/>
+            </a:pPr>
+            <a:r>
+              <a:rPr lang="pt-BR" dirty="0" smtClean="0"/>
+              <a:t>	</a:t>
+            </a:r>
+            <a:r>
+              <a:rPr lang="pt-BR" sz="2800" b="1" dirty="0" smtClean="0"/>
+              <a:t>SIMULATOR-WG / SHARC / </a:t>
+            </a:r>
+            <a:r>
+              <a:rPr lang="pt-BR" sz="2800" b="1" dirty="0" err="1" smtClean="0"/>
+              <a:t>projects</a:t>
+            </a:r>
+            <a:endParaRPr lang="pt-BR" b="1" dirty="0"/>
+          </a:p>
+        </p:txBody>
+      </p:sp>
+    </p:spTree>
+    <p:extLst>
+      <p:ext uri="{BB962C8B-B14F-4D97-AF65-F5344CB8AC3E}">
+        <p14:creationId xmlns:p14="http://schemas.microsoft.com/office/powerpoint/2010/main" val="80741023"/>
+      </p:ext>
+    </p:extLst>
+  </p:cSld>
+  <p:clrMapOvr>
+    <a:masterClrMapping/>
+  </p:clrMapOvr>
+  <p:timing>
+    <p:tnLst>
+      <p:par>
+        <p:cTn id="1" dur="indefinite" restart="never" nodeType="tmRoot"/>
+      </p:par>
+    </p:tnLst>
+  </p:timing>
+</p:sld>
+</file>
+
+<file path=ppt/slides/slide2.xml><?xml version="1.0" encoding="utf-8"?>
+<p:sld xmlns:a="http://schemas.openxmlformats.org/drawingml/2006/main" xmlns:r="http://schemas.openxmlformats.org/officeDocument/2006/relationships" xmlns:p="http://schemas.openxmlformats.org/presentationml/2006/main">
+  <p:cSld>
+    <p:spTree>
+      <p:nvGrpSpPr>
+        <p:cNvPr id="1" name=""/>
+        <p:cNvGrpSpPr/>
+        <p:nvPr/>
+      </p:nvGrpSpPr>
+      <p:grpSpPr>
+        <a:xfrm>
+          <a:off x="0" y="0"/>
+          <a:ext cx="0" cy="0"/>
+          <a:chOff x="0" y="0"/>
+          <a:chExt cx="0" cy="0"/>
+        </a:xfrm>
+      </p:grpSpPr>
+      <p:sp>
+        <p:nvSpPr>
+          <p:cNvPr id="2" name="Título 1"/>
+          <p:cNvSpPr>
+            <a:spLocks noGrp="1"/>
+          </p:cNvSpPr>
+          <p:nvPr>
+            <p:ph type="title"/>
+          </p:nvPr>
+        </p:nvSpPr>
+        <p:spPr/>
+        <p:txBody>
+          <a:bodyPr/>
+          <a:lstStyle/>
+          <a:p>
+            <a:r>
+              <a:rPr lang="pt-BR" dirty="0" err="1" smtClean="0"/>
+              <a:t>Introduction</a:t>
+            </a:r>
+            <a:endParaRPr lang="pt-BR" dirty="0"/>
+          </a:p>
+        </p:txBody>
+      </p:sp>
+      <p:sp>
+        <p:nvSpPr>
+          <p:cNvPr id="3" name="Espaço Reservado para Conteúdo 2"/>
+          <p:cNvSpPr>
+            <a:spLocks noGrp="1"/>
+          </p:cNvSpPr>
+          <p:nvPr>
+            <p:ph idx="1"/>
+          </p:nvPr>
+        </p:nvSpPr>
+        <p:spPr/>
+        <p:txBody>
+          <a:bodyPr/>
+          <a:lstStyle/>
+          <a:p>
+            <a:r>
+              <a:rPr lang="pt-BR" dirty="0" err="1" smtClean="0"/>
+              <a:t>Source</a:t>
+            </a:r>
+            <a:r>
+              <a:rPr lang="pt-BR" dirty="0" smtClean="0"/>
+              <a:t> </a:t>
+            </a:r>
+            <a:r>
+              <a:rPr lang="pt-BR" dirty="0" err="1" smtClean="0"/>
+              <a:t>code</a:t>
+            </a:r>
+            <a:r>
+              <a:rPr lang="pt-BR" dirty="0" smtClean="0"/>
+              <a:t> </a:t>
+            </a:r>
+            <a:r>
+              <a:rPr lang="pt-BR" dirty="0" err="1" smtClean="0"/>
+              <a:t>is</a:t>
+            </a:r>
+            <a:r>
+              <a:rPr lang="pt-BR" dirty="0" smtClean="0"/>
+              <a:t> </a:t>
+            </a:r>
+            <a:r>
+              <a:rPr lang="pt-BR" dirty="0" err="1" smtClean="0"/>
+              <a:t>be</a:t>
+            </a:r>
+            <a:r>
+              <a:rPr lang="pt-BR" dirty="0" smtClean="0"/>
+              <a:t> </a:t>
+            </a:r>
+            <a:r>
+              <a:rPr lang="pt-BR" dirty="0" err="1" smtClean="0"/>
+              <a:t>hosted</a:t>
+            </a:r>
+            <a:r>
+              <a:rPr lang="pt-BR" dirty="0" smtClean="0"/>
+              <a:t> in </a:t>
+            </a:r>
+            <a:r>
+              <a:rPr lang="pt-BR" dirty="0" err="1" smtClean="0"/>
+              <a:t>GitHub</a:t>
+            </a:r>
+            <a:endParaRPr lang="pt-BR" dirty="0" smtClean="0"/>
+          </a:p>
+          <a:p>
+            <a:pPr lvl="1"/>
+            <a:r>
+              <a:rPr lang="pt-BR" dirty="0" err="1" smtClean="0"/>
+              <a:t>Repository</a:t>
+            </a:r>
+            <a:r>
+              <a:rPr lang="pt-BR" dirty="0" smtClean="0"/>
+              <a:t> management</a:t>
+            </a:r>
+          </a:p>
+          <a:p>
+            <a:pPr lvl="1"/>
+            <a:r>
+              <a:rPr lang="pt-BR" dirty="0" err="1" smtClean="0"/>
+              <a:t>Task</a:t>
+            </a:r>
+            <a:r>
+              <a:rPr lang="pt-BR" dirty="0" smtClean="0"/>
+              <a:t> </a:t>
+            </a:r>
+            <a:r>
+              <a:rPr lang="pt-BR" dirty="0" err="1" smtClean="0"/>
+              <a:t>control</a:t>
+            </a:r>
+            <a:endParaRPr lang="pt-BR" dirty="0" smtClean="0"/>
+          </a:p>
+          <a:p>
+            <a:pPr lvl="1"/>
+            <a:r>
+              <a:rPr lang="pt-BR" dirty="0" smtClean="0"/>
+              <a:t>Tools </a:t>
+            </a:r>
+            <a:r>
+              <a:rPr lang="pt-BR" dirty="0" err="1" smtClean="0"/>
+              <a:t>to</a:t>
+            </a:r>
+            <a:r>
+              <a:rPr lang="pt-BR" dirty="0" smtClean="0"/>
+              <a:t> </a:t>
+            </a:r>
+            <a:r>
+              <a:rPr lang="pt-BR" dirty="0" err="1" smtClean="0"/>
+              <a:t>handle</a:t>
+            </a:r>
+            <a:r>
+              <a:rPr lang="pt-BR" dirty="0" smtClean="0"/>
+              <a:t> </a:t>
+            </a:r>
+            <a:r>
+              <a:rPr lang="pt-BR" dirty="0" err="1" smtClean="0"/>
+              <a:t>user</a:t>
+            </a:r>
+            <a:r>
+              <a:rPr lang="pt-BR" dirty="0" smtClean="0"/>
+              <a:t> </a:t>
+            </a:r>
+            <a:r>
+              <a:rPr lang="pt-BR" dirty="0" err="1" smtClean="0"/>
+              <a:t>stories</a:t>
+            </a:r>
+            <a:r>
+              <a:rPr lang="pt-BR" dirty="0" smtClean="0"/>
+              <a:t> (</a:t>
+            </a:r>
+            <a:r>
+              <a:rPr lang="pt-BR" dirty="0" err="1" smtClean="0"/>
+              <a:t>issues</a:t>
+            </a:r>
+            <a:r>
+              <a:rPr lang="pt-BR" dirty="0" smtClean="0"/>
+              <a:t>)</a:t>
+            </a:r>
+          </a:p>
+          <a:p>
+            <a:pPr lvl="1"/>
+            <a:endParaRPr lang="pt-BR" dirty="0"/>
+          </a:p>
+          <a:p>
+            <a:r>
+              <a:rPr lang="pt-BR" dirty="0" err="1" smtClean="0"/>
+              <a:t>Repositories</a:t>
+            </a:r>
+            <a:r>
+              <a:rPr lang="pt-BR" dirty="0" smtClean="0"/>
+              <a:t> </a:t>
+            </a:r>
+            <a:r>
+              <a:rPr lang="pt-BR" dirty="0" err="1" smtClean="0"/>
+              <a:t>can</a:t>
+            </a:r>
+            <a:r>
+              <a:rPr lang="pt-BR" dirty="0" smtClean="0"/>
+              <a:t> </a:t>
+            </a:r>
+            <a:r>
+              <a:rPr lang="pt-BR" dirty="0" err="1" smtClean="0"/>
+              <a:t>be</a:t>
+            </a:r>
+            <a:r>
+              <a:rPr lang="pt-BR" dirty="0" smtClean="0"/>
+              <a:t> </a:t>
+            </a:r>
+            <a:r>
+              <a:rPr lang="pt-BR" dirty="0" err="1" smtClean="0"/>
+              <a:t>found</a:t>
+            </a:r>
+            <a:r>
+              <a:rPr lang="pt-BR" dirty="0" smtClean="0"/>
+              <a:t> in Simulator </a:t>
+            </a:r>
+            <a:r>
+              <a:rPr lang="pt-BR" dirty="0" err="1" smtClean="0"/>
+              <a:t>Working</a:t>
+            </a:r>
+            <a:r>
+              <a:rPr lang="pt-BR" dirty="0" smtClean="0"/>
+              <a:t> </a:t>
+            </a:r>
+            <a:r>
+              <a:rPr lang="pt-BR" dirty="0" err="1" smtClean="0"/>
+              <a:t>Group</a:t>
+            </a:r>
+            <a:r>
+              <a:rPr lang="pt-BR" dirty="0" smtClean="0"/>
+              <a:t> </a:t>
+            </a:r>
+            <a:r>
+              <a:rPr lang="pt-BR" dirty="0" err="1" smtClean="0"/>
+              <a:t>page</a:t>
+            </a:r>
+            <a:endParaRPr lang="pt-BR" dirty="0" smtClean="0"/>
+          </a:p>
+          <a:p>
+            <a:pPr lvl="1"/>
+            <a:r>
+              <a:rPr lang="pt-BR" dirty="0"/>
+              <a:t>https://github.com/SIMULATOR-WG</a:t>
+            </a:r>
+          </a:p>
+        </p:txBody>
+      </p:sp>
+    </p:spTree>
+    <p:extLst>
+      <p:ext uri="{BB962C8B-B14F-4D97-AF65-F5344CB8AC3E}">
+        <p14:creationId xmlns:p14="http://schemas.microsoft.com/office/powerpoint/2010/main" val="1334962804"/>
+      </p:ext>
+    </p:extLst>
+  </p:cSld>
+  <p:clrMapOvr>
+    <a:masterClrMapping/>
+  </p:clrMapOvr>
+  <p:timing>
+    <p:tnLst>
+      <p:par>
+        <p:cTn id="1" dur="indefinite" restart="never" nodeType="tmRoot"/>
+      </p:par>
+    </p:tnLst>
+  </p:timing>
+</p:sld>
+</file>
+
+<file path=ppt/slides/slide3.xml><?xml version="1.0" encoding="utf-8"?>
+<p:sld xmlns:a="http://schemas.openxmlformats.org/drawingml/2006/main" xmlns:r="http://schemas.openxmlformats.org/officeDocument/2006/relationships" xmlns:p="http://schemas.openxmlformats.org/presentationml/2006/main">
+  <p:cSld>
+    <p:spTree>
+      <p:nvGrpSpPr>
+        <p:cNvPr id="1" name=""/>
+        <p:cNvGrpSpPr/>
+        <p:nvPr/>
+      </p:nvGrpSpPr>
+      <p:grpSpPr>
+        <a:xfrm>
+          <a:off x="0" y="0"/>
+          <a:ext cx="0" cy="0"/>
+          <a:chOff x="0" y="0"/>
+          <a:chExt cx="0" cy="0"/>
+        </a:xfrm>
+      </p:grpSpPr>
+      <p:sp>
+        <p:nvSpPr>
+          <p:cNvPr id="2" name="Título 1"/>
+          <p:cNvSpPr>
+            <a:spLocks noGrp="1"/>
+          </p:cNvSpPr>
+          <p:nvPr>
+            <p:ph type="title"/>
+          </p:nvPr>
+        </p:nvSpPr>
+        <p:spPr/>
+        <p:txBody>
+          <a:bodyPr/>
+          <a:lstStyle/>
+          <a:p>
+            <a:r>
+              <a:rPr lang="pt-BR" dirty="0" err="1" smtClean="0"/>
               <a:t>Repositories</a:t>
             </a:r>
             <a:r>
@@ -5393,11 +5921,7 @@
           <a:p>
             <a:r>
               <a:rPr lang="pt-BR" dirty="0" err="1" smtClean="0"/>
-              <a:t>Git</a:t>
-            </a:r>
-            <a:r>
-              <a:rPr lang="pt-BR" dirty="0" err="1" smtClean="0"/>
-              <a:t>Hub</a:t>
+              <a:t>GitHub</a:t>
             </a:r>
             <a:r>
               <a:rPr lang="pt-BR" dirty="0" smtClean="0"/>
@@ -5648,6 +6172,3883 @@
 </p:sld>
 </file>
 
+<file path=ppt/slides/slide4.xml><?xml version="1.0" encoding="utf-8"?>
+<p:sld xmlns:a="http://schemas.openxmlformats.org/drawingml/2006/main" xmlns:r="http://schemas.openxmlformats.org/officeDocument/2006/relationships" xmlns:p="http://schemas.openxmlformats.org/presentationml/2006/main">
+  <p:cSld>
+    <p:spTree>
+      <p:nvGrpSpPr>
+        <p:cNvPr id="1" name=""/>
+        <p:cNvGrpSpPr/>
+        <p:nvPr/>
+      </p:nvGrpSpPr>
+      <p:grpSpPr>
+        <a:xfrm>
+          <a:off x="0" y="0"/>
+          <a:ext cx="0" cy="0"/>
+          <a:chOff x="0" y="0"/>
+          <a:chExt cx="0" cy="0"/>
+        </a:xfrm>
+      </p:grpSpPr>
+      <p:sp>
+        <p:nvSpPr>
+          <p:cNvPr id="2" name="Título 1"/>
+          <p:cNvSpPr>
+            <a:spLocks noGrp="1"/>
+          </p:cNvSpPr>
+          <p:nvPr>
+            <p:ph type="title"/>
+          </p:nvPr>
+        </p:nvSpPr>
+        <p:spPr/>
+        <p:txBody>
+          <a:bodyPr/>
+          <a:lstStyle/>
+          <a:p>
+            <a:r>
+              <a:rPr lang="pt-BR" dirty="0"/>
+              <a:t>OOP </a:t>
+            </a:r>
+            <a:r>
+              <a:rPr lang="pt-BR" dirty="0" err="1" smtClean="0"/>
+              <a:t>vs</a:t>
+            </a:r>
+            <a:r>
+              <a:rPr lang="pt-BR" dirty="0" smtClean="0"/>
+              <a:t> </a:t>
+            </a:r>
+            <a:r>
+              <a:rPr lang="pt-BR" dirty="0" err="1" smtClean="0"/>
+              <a:t>Vectorization</a:t>
+            </a:r>
+            <a:endParaRPr lang="pt-BR" dirty="0"/>
+          </a:p>
+        </p:txBody>
+      </p:sp>
+      <p:sp>
+        <p:nvSpPr>
+          <p:cNvPr id="4" name="CaixaDeTexto 3"/>
+          <p:cNvSpPr txBox="1"/>
+          <p:nvPr/>
+        </p:nvSpPr>
+        <p:spPr>
+          <a:xfrm>
+            <a:off x="323528" y="1988840"/>
+            <a:ext cx="8456161" cy="1200329"/>
+          </a:xfrm>
+          <a:prstGeom prst="rect">
+            <a:avLst/>
+          </a:prstGeom>
+          <a:noFill/>
+          <a:ln>
+            <a:solidFill>
+              <a:schemeClr val="tx1"/>
+            </a:solidFill>
+          </a:ln>
+        </p:spPr>
+        <p:txBody>
+          <a:bodyPr wrap="none" rtlCol="0">
+            <a:spAutoFit/>
+          </a:bodyPr>
+          <a:lstStyle/>
+          <a:p>
+            <a:r>
+              <a:rPr lang="en-US" dirty="0" err="1">
+                <a:latin typeface="Courier New" pitchFamily="49" charset="0"/>
+                <a:cs typeface="Courier New" pitchFamily="49" charset="0"/>
+              </a:rPr>
+              <a:t>bs</a:t>
+            </a:r>
+            <a:r>
+              <a:rPr lang="en-US" dirty="0">
+                <a:latin typeface="Courier New" pitchFamily="49" charset="0"/>
+                <a:cs typeface="Courier New" pitchFamily="49" charset="0"/>
+              </a:rPr>
+              <a:t> = </a:t>
+            </a:r>
+            <a:r>
+              <a:rPr lang="en-US" dirty="0" err="1">
+                <a:latin typeface="Courier New" pitchFamily="49" charset="0"/>
+                <a:cs typeface="Courier New" pitchFamily="49" charset="0"/>
+              </a:rPr>
+              <a:t>BaseStation</a:t>
+            </a:r>
+            <a:r>
+              <a:rPr lang="en-US" dirty="0">
+                <a:latin typeface="Courier New" pitchFamily="49" charset="0"/>
+                <a:cs typeface="Courier New" pitchFamily="49" charset="0"/>
+              </a:rPr>
+              <a:t>()</a:t>
+            </a:r>
+          </a:p>
+          <a:p>
+            <a:r>
+              <a:rPr lang="en-US" dirty="0">
+                <a:solidFill>
+                  <a:srgbClr val="0070C0"/>
+                </a:solidFill>
+                <a:latin typeface="Courier New" pitchFamily="49" charset="0"/>
+                <a:cs typeface="Courier New" pitchFamily="49" charset="0"/>
+              </a:rPr>
+              <a:t>for</a:t>
+            </a:r>
+            <a:r>
+              <a:rPr lang="en-US" dirty="0">
+                <a:latin typeface="Courier New" pitchFamily="49" charset="0"/>
+                <a:cs typeface="Courier New" pitchFamily="49" charset="0"/>
+              </a:rPr>
+              <a:t> u </a:t>
+            </a:r>
+            <a:r>
+              <a:rPr lang="en-US" dirty="0">
+                <a:solidFill>
+                  <a:srgbClr val="0070C0"/>
+                </a:solidFill>
+                <a:latin typeface="Courier New" pitchFamily="49" charset="0"/>
+                <a:cs typeface="Courier New" pitchFamily="49" charset="0"/>
+              </a:rPr>
+              <a:t>in</a:t>
+            </a:r>
+            <a:r>
+              <a:rPr lang="en-US" dirty="0">
+                <a:latin typeface="Courier New" pitchFamily="49" charset="0"/>
+                <a:cs typeface="Courier New" pitchFamily="49" charset="0"/>
+              </a:rPr>
+              <a:t> </a:t>
+            </a:r>
+            <a:r>
+              <a:rPr lang="en-US" dirty="0">
+                <a:solidFill>
+                  <a:srgbClr val="7030A0"/>
+                </a:solidFill>
+                <a:latin typeface="Courier New" pitchFamily="49" charset="0"/>
+                <a:cs typeface="Courier New" pitchFamily="49" charset="0"/>
+              </a:rPr>
+              <a:t>range</a:t>
+            </a:r>
+            <a:r>
+              <a:rPr lang="en-US" dirty="0">
+                <a:latin typeface="Courier New" pitchFamily="49" charset="0"/>
+                <a:cs typeface="Courier New" pitchFamily="49" charset="0"/>
+              </a:rPr>
+              <a:t>(</a:t>
+            </a:r>
+            <a:r>
+              <a:rPr lang="en-US" dirty="0" err="1">
+                <a:latin typeface="Courier New" pitchFamily="49" charset="0"/>
+                <a:cs typeface="Courier New" pitchFamily="49" charset="0"/>
+              </a:rPr>
+              <a:t>num_user_equipment</a:t>
+            </a:r>
+            <a:r>
+              <a:rPr lang="en-US" dirty="0">
+                <a:latin typeface="Courier New" pitchFamily="49" charset="0"/>
+                <a:cs typeface="Courier New" pitchFamily="49" charset="0"/>
+              </a:rPr>
+              <a:t>):</a:t>
+            </a:r>
+          </a:p>
+          <a:p>
+            <a:r>
+              <a:rPr lang="en-US" dirty="0">
+                <a:latin typeface="Courier New" pitchFamily="49" charset="0"/>
+                <a:cs typeface="Courier New" pitchFamily="49" charset="0"/>
+              </a:rPr>
+              <a:t>    </a:t>
+            </a:r>
+            <a:r>
+              <a:rPr lang="en-US" dirty="0" err="1">
+                <a:latin typeface="Courier New" pitchFamily="49" charset="0"/>
+                <a:cs typeface="Courier New" pitchFamily="49" charset="0"/>
+              </a:rPr>
+              <a:t>ue</a:t>
+            </a:r>
+            <a:r>
+              <a:rPr lang="en-US" dirty="0">
+                <a:latin typeface="Courier New" pitchFamily="49" charset="0"/>
+                <a:cs typeface="Courier New" pitchFamily="49" charset="0"/>
+              </a:rPr>
+              <a:t> = </a:t>
+            </a:r>
+            <a:r>
+              <a:rPr lang="en-US" dirty="0" err="1">
+                <a:latin typeface="Courier New" pitchFamily="49" charset="0"/>
+                <a:cs typeface="Courier New" pitchFamily="49" charset="0"/>
+              </a:rPr>
+              <a:t>UserEquipment</a:t>
+            </a:r>
+            <a:r>
+              <a:rPr lang="en-US" dirty="0">
+                <a:latin typeface="Courier New" pitchFamily="49" charset="0"/>
+                <a:cs typeface="Courier New" pitchFamily="49" charset="0"/>
+              </a:rPr>
+              <a:t>()</a:t>
+            </a:r>
+          </a:p>
+          <a:p>
+            <a:r>
+              <a:rPr lang="en-US" dirty="0">
+                <a:latin typeface="Courier New" pitchFamily="49" charset="0"/>
+                <a:cs typeface="Courier New" pitchFamily="49" charset="0"/>
+              </a:rPr>
+              <a:t>    distance(u) = </a:t>
+            </a:r>
+            <a:r>
+              <a:rPr lang="en-US" dirty="0" err="1">
+                <a:latin typeface="Courier New" pitchFamily="49" charset="0"/>
+                <a:cs typeface="Courier New" pitchFamily="49" charset="0"/>
+              </a:rPr>
+              <a:t>math.sqrt</a:t>
+            </a:r>
+            <a:r>
+              <a:rPr lang="en-US" dirty="0">
+                <a:latin typeface="Courier New" pitchFamily="49" charset="0"/>
+                <a:cs typeface="Courier New" pitchFamily="49" charset="0"/>
+              </a:rPr>
+              <a:t>((</a:t>
+            </a:r>
+            <a:r>
+              <a:rPr lang="en-US" dirty="0" err="1">
+                <a:latin typeface="Courier New" pitchFamily="49" charset="0"/>
+                <a:cs typeface="Courier New" pitchFamily="49" charset="0"/>
+              </a:rPr>
+              <a:t>bs.x-ue.x</a:t>
+            </a:r>
+            <a:r>
+              <a:rPr lang="en-US" dirty="0">
+                <a:latin typeface="Courier New" pitchFamily="49" charset="0"/>
+                <a:cs typeface="Courier New" pitchFamily="49" charset="0"/>
+              </a:rPr>
+              <a:t>)**</a:t>
+            </a:r>
+            <a:r>
+              <a:rPr lang="en-US" dirty="0">
+                <a:solidFill>
+                  <a:schemeClr val="tx2"/>
+                </a:solidFill>
+                <a:latin typeface="Courier New" pitchFamily="49" charset="0"/>
+                <a:cs typeface="Courier New" pitchFamily="49" charset="0"/>
+              </a:rPr>
+              <a:t>2 </a:t>
+            </a:r>
+            <a:r>
+              <a:rPr lang="en-US" dirty="0">
+                <a:latin typeface="Courier New" pitchFamily="49" charset="0"/>
+                <a:cs typeface="Courier New" pitchFamily="49" charset="0"/>
+              </a:rPr>
+              <a:t>+ (</a:t>
+            </a:r>
+            <a:r>
+              <a:rPr lang="en-US" dirty="0" err="1">
+                <a:latin typeface="Courier New" pitchFamily="49" charset="0"/>
+                <a:cs typeface="Courier New" pitchFamily="49" charset="0"/>
+              </a:rPr>
+              <a:t>bs.y-ue.y</a:t>
+            </a:r>
+            <a:r>
+              <a:rPr lang="en-US" dirty="0">
+                <a:latin typeface="Courier New" pitchFamily="49" charset="0"/>
+                <a:cs typeface="Courier New" pitchFamily="49" charset="0"/>
+              </a:rPr>
+              <a:t>)**</a:t>
+            </a:r>
+            <a:r>
+              <a:rPr lang="en-US" dirty="0">
+                <a:solidFill>
+                  <a:schemeClr val="tx2"/>
+                </a:solidFill>
+                <a:latin typeface="Courier New" pitchFamily="49" charset="0"/>
+                <a:cs typeface="Courier New" pitchFamily="49" charset="0"/>
+              </a:rPr>
+              <a:t>2</a:t>
+            </a:r>
+            <a:r>
+              <a:rPr lang="en-US" dirty="0">
+                <a:latin typeface="Courier New" pitchFamily="49" charset="0"/>
+                <a:cs typeface="Courier New" pitchFamily="49" charset="0"/>
+              </a:rPr>
+              <a:t>)</a:t>
+            </a:r>
+          </a:p>
+        </p:txBody>
+      </p:sp>
+      <p:sp>
+        <p:nvSpPr>
+          <p:cNvPr id="5" name="CaixaDeTexto 4"/>
+          <p:cNvSpPr txBox="1"/>
+          <p:nvPr/>
+        </p:nvSpPr>
+        <p:spPr>
+          <a:xfrm>
+            <a:off x="323526" y="5013176"/>
+            <a:ext cx="8456161" cy="923330"/>
+          </a:xfrm>
+          <a:prstGeom prst="rect">
+            <a:avLst/>
+          </a:prstGeom>
+          <a:noFill/>
+          <a:ln>
+            <a:solidFill>
+              <a:schemeClr val="tx1"/>
+            </a:solidFill>
+          </a:ln>
+        </p:spPr>
+        <p:txBody>
+          <a:bodyPr wrap="square" rtlCol="0">
+            <a:spAutoFit/>
+          </a:bodyPr>
+          <a:lstStyle/>
+          <a:p>
+            <a:r>
+              <a:rPr lang="en-US" dirty="0" err="1">
+                <a:latin typeface="Courier New" pitchFamily="49" charset="0"/>
+                <a:cs typeface="Courier New" pitchFamily="49" charset="0"/>
+              </a:rPr>
+              <a:t>bs</a:t>
+            </a:r>
+            <a:r>
+              <a:rPr lang="en-US" dirty="0">
+                <a:latin typeface="Courier New" pitchFamily="49" charset="0"/>
+                <a:cs typeface="Courier New" pitchFamily="49" charset="0"/>
+              </a:rPr>
+              <a:t> = </a:t>
+            </a:r>
+            <a:r>
+              <a:rPr lang="en-US" dirty="0" err="1">
+                <a:latin typeface="Courier New" pitchFamily="49" charset="0"/>
+                <a:cs typeface="Courier New" pitchFamily="49" charset="0"/>
+              </a:rPr>
+              <a:t>BaseStation</a:t>
+            </a:r>
+            <a:r>
+              <a:rPr lang="en-US" dirty="0">
+                <a:latin typeface="Courier New" pitchFamily="49" charset="0"/>
+                <a:cs typeface="Courier New" pitchFamily="49" charset="0"/>
+              </a:rPr>
+              <a:t>()</a:t>
+            </a:r>
+          </a:p>
+          <a:p>
+            <a:r>
+              <a:rPr lang="en-US" dirty="0" err="1">
+                <a:latin typeface="Courier New" pitchFamily="49" charset="0"/>
+                <a:cs typeface="Courier New" pitchFamily="49" charset="0"/>
+              </a:rPr>
+              <a:t>ue</a:t>
+            </a:r>
+            <a:r>
+              <a:rPr lang="en-US" dirty="0">
+                <a:latin typeface="Courier New" pitchFamily="49" charset="0"/>
+                <a:cs typeface="Courier New" pitchFamily="49" charset="0"/>
+              </a:rPr>
+              <a:t> = </a:t>
+            </a:r>
+            <a:r>
+              <a:rPr lang="en-US" dirty="0" err="1">
+                <a:latin typeface="Courier New" pitchFamily="49" charset="0"/>
+                <a:cs typeface="Courier New" pitchFamily="49" charset="0"/>
+              </a:rPr>
+              <a:t>UserEquipmentManager</a:t>
+            </a:r>
+            <a:r>
+              <a:rPr lang="en-US" dirty="0">
+                <a:latin typeface="Courier New" pitchFamily="49" charset="0"/>
+                <a:cs typeface="Courier New" pitchFamily="49" charset="0"/>
+              </a:rPr>
+              <a:t>()</a:t>
+            </a:r>
+          </a:p>
+          <a:p>
+            <a:r>
+              <a:rPr lang="en-US" dirty="0">
+                <a:latin typeface="Courier New" pitchFamily="49" charset="0"/>
+                <a:cs typeface="Courier New" pitchFamily="49" charset="0"/>
+              </a:rPr>
+              <a:t>distance = </a:t>
+            </a:r>
+            <a:r>
+              <a:rPr lang="en-US" dirty="0" err="1">
+                <a:latin typeface="Courier New" pitchFamily="49" charset="0"/>
+                <a:cs typeface="Courier New" pitchFamily="49" charset="0"/>
+              </a:rPr>
+              <a:t>numpy.sqrt</a:t>
+            </a:r>
+            <a:r>
+              <a:rPr lang="en-US" dirty="0">
+                <a:latin typeface="Courier New" pitchFamily="49" charset="0"/>
+                <a:cs typeface="Courier New" pitchFamily="49" charset="0"/>
+              </a:rPr>
+              <a:t>((</a:t>
+            </a:r>
+            <a:r>
+              <a:rPr lang="en-US" dirty="0" err="1">
+                <a:latin typeface="Courier New" pitchFamily="49" charset="0"/>
+                <a:cs typeface="Courier New" pitchFamily="49" charset="0"/>
+              </a:rPr>
+              <a:t>bs.x-ue.x</a:t>
+            </a:r>
+            <a:r>
+              <a:rPr lang="en-US" dirty="0">
+                <a:latin typeface="Courier New" pitchFamily="49" charset="0"/>
+                <a:cs typeface="Courier New" pitchFamily="49" charset="0"/>
+              </a:rPr>
+              <a:t>)**</a:t>
+            </a:r>
+            <a:r>
+              <a:rPr lang="en-US" dirty="0">
+                <a:solidFill>
+                  <a:schemeClr val="tx2"/>
+                </a:solidFill>
+                <a:latin typeface="Courier New" pitchFamily="49" charset="0"/>
+                <a:cs typeface="Courier New" pitchFamily="49" charset="0"/>
+              </a:rPr>
+              <a:t>2</a:t>
+            </a:r>
+            <a:r>
+              <a:rPr lang="en-US" dirty="0">
+                <a:latin typeface="Courier New" pitchFamily="49" charset="0"/>
+                <a:cs typeface="Courier New" pitchFamily="49" charset="0"/>
+              </a:rPr>
+              <a:t> + (</a:t>
+            </a:r>
+            <a:r>
+              <a:rPr lang="en-US" dirty="0" err="1">
+                <a:latin typeface="Courier New" pitchFamily="49" charset="0"/>
+                <a:cs typeface="Courier New" pitchFamily="49" charset="0"/>
+              </a:rPr>
+              <a:t>bs.y-ue.y</a:t>
+            </a:r>
+            <a:r>
+              <a:rPr lang="en-US" dirty="0">
+                <a:latin typeface="Courier New" pitchFamily="49" charset="0"/>
+                <a:cs typeface="Courier New" pitchFamily="49" charset="0"/>
+              </a:rPr>
+              <a:t>)**</a:t>
+            </a:r>
+            <a:r>
+              <a:rPr lang="en-US" dirty="0">
+                <a:solidFill>
+                  <a:schemeClr val="tx2"/>
+                </a:solidFill>
+                <a:latin typeface="Courier New" pitchFamily="49" charset="0"/>
+                <a:cs typeface="Courier New" pitchFamily="49" charset="0"/>
+              </a:rPr>
+              <a:t>2</a:t>
+            </a:r>
+            <a:r>
+              <a:rPr lang="en-US" dirty="0">
+                <a:latin typeface="Courier New" pitchFamily="49" charset="0"/>
+                <a:cs typeface="Courier New" pitchFamily="49" charset="0"/>
+              </a:rPr>
+              <a:t>) </a:t>
+            </a:r>
+          </a:p>
+        </p:txBody>
+      </p:sp>
+      <p:sp>
+        <p:nvSpPr>
+          <p:cNvPr id="6" name="Texto explicativo retangular 5"/>
+          <p:cNvSpPr/>
+          <p:nvPr/>
+        </p:nvSpPr>
+        <p:spPr>
+          <a:xfrm>
+            <a:off x="6259407" y="1403114"/>
+            <a:ext cx="2520280" cy="504056"/>
+          </a:xfrm>
+          <a:prstGeom prst="wedgeRectCallout">
+            <a:avLst>
+              <a:gd name="adj1" fmla="val 12341"/>
+              <a:gd name="adj2" fmla="val 241366"/>
+            </a:avLst>
+          </a:prstGeom>
+          <a:solidFill>
+            <a:srgbClr val="92D050"/>
+          </a:solidFill>
+          <a:ln w="22225">
+            <a:solidFill>
+              <a:srgbClr val="002060"/>
+            </a:solidFill>
+          </a:ln>
+        </p:spPr>
+        <p:style>
+          <a:lnRef idx="2">
+            <a:schemeClr val="accent1">
+              <a:shade val="50000"/>
+            </a:schemeClr>
+          </a:lnRef>
+          <a:fillRef idx="1">
+            <a:schemeClr val="accent1"/>
+          </a:fillRef>
+          <a:effectRef idx="0">
+            <a:schemeClr val="accent1"/>
+          </a:effectRef>
+          <a:fontRef idx="minor">
+            <a:schemeClr val="lt1"/>
+          </a:fontRef>
+        </p:style>
+        <p:txBody>
+          <a:bodyPr rtlCol="0" anchor="ctr"/>
+          <a:lstStyle/>
+          <a:p>
+            <a:pPr algn="ctr"/>
+            <a:r>
+              <a:rPr lang="pt-BR" b="1" dirty="0" err="1" smtClean="0">
+                <a:solidFill>
+                  <a:schemeClr val="tx1"/>
+                </a:solidFill>
+              </a:rPr>
+              <a:t>This</a:t>
+            </a:r>
+            <a:r>
+              <a:rPr lang="pt-BR" b="1" dirty="0" smtClean="0">
+                <a:solidFill>
+                  <a:schemeClr val="tx1"/>
+                </a:solidFill>
+              </a:rPr>
+              <a:t> </a:t>
+            </a:r>
+            <a:r>
+              <a:rPr lang="pt-BR" b="1" dirty="0" err="1" smtClean="0">
+                <a:solidFill>
+                  <a:schemeClr val="tx1"/>
+                </a:solidFill>
+              </a:rPr>
+              <a:t>is</a:t>
+            </a:r>
+            <a:r>
+              <a:rPr lang="pt-BR" b="1" dirty="0" smtClean="0">
+                <a:solidFill>
+                  <a:schemeClr val="tx1"/>
+                </a:solidFill>
+              </a:rPr>
+              <a:t> a </a:t>
+            </a:r>
+            <a:r>
+              <a:rPr lang="pt-BR" b="1" dirty="0" err="1" smtClean="0">
+                <a:solidFill>
+                  <a:schemeClr val="tx1"/>
+                </a:solidFill>
+              </a:rPr>
+              <a:t>scalar</a:t>
+            </a:r>
+            <a:r>
+              <a:rPr lang="pt-BR" b="1" dirty="0" smtClean="0">
+                <a:solidFill>
+                  <a:schemeClr val="tx1"/>
+                </a:solidFill>
+              </a:rPr>
+              <a:t>!</a:t>
+            </a:r>
+            <a:endParaRPr lang="pt-BR" b="1" dirty="0">
+              <a:solidFill>
+                <a:schemeClr val="tx1"/>
+              </a:solidFill>
+            </a:endParaRPr>
+          </a:p>
+        </p:txBody>
+      </p:sp>
+      <p:sp>
+        <p:nvSpPr>
+          <p:cNvPr id="7" name="Texto explicativo retangular 6"/>
+          <p:cNvSpPr/>
+          <p:nvPr/>
+        </p:nvSpPr>
+        <p:spPr>
+          <a:xfrm>
+            <a:off x="6259407" y="4196591"/>
+            <a:ext cx="2705081" cy="504056"/>
+          </a:xfrm>
+          <a:prstGeom prst="wedgeRectCallout">
+            <a:avLst>
+              <a:gd name="adj1" fmla="val -20735"/>
+              <a:gd name="adj2" fmla="val 232889"/>
+            </a:avLst>
+          </a:prstGeom>
+          <a:solidFill>
+            <a:srgbClr val="92D050"/>
+          </a:solidFill>
+          <a:ln w="22225">
+            <a:solidFill>
+              <a:srgbClr val="002060"/>
+            </a:solidFill>
+          </a:ln>
+        </p:spPr>
+        <p:style>
+          <a:lnRef idx="2">
+            <a:schemeClr val="accent1">
+              <a:shade val="50000"/>
+            </a:schemeClr>
+          </a:lnRef>
+          <a:fillRef idx="1">
+            <a:schemeClr val="accent1"/>
+          </a:fillRef>
+          <a:effectRef idx="0">
+            <a:schemeClr val="accent1"/>
+          </a:effectRef>
+          <a:fontRef idx="minor">
+            <a:schemeClr val="lt1"/>
+          </a:fontRef>
+        </p:style>
+        <p:txBody>
+          <a:bodyPr rtlCol="0" anchor="ctr"/>
+          <a:lstStyle/>
+          <a:p>
+            <a:pPr algn="ctr"/>
+            <a:r>
+              <a:rPr lang="pt-BR" b="1" dirty="0" err="1" smtClean="0">
+                <a:solidFill>
+                  <a:schemeClr val="tx1"/>
+                </a:solidFill>
+              </a:rPr>
+              <a:t>This</a:t>
+            </a:r>
+            <a:r>
+              <a:rPr lang="pt-BR" b="1" dirty="0" smtClean="0">
+                <a:solidFill>
+                  <a:schemeClr val="tx1"/>
+                </a:solidFill>
+              </a:rPr>
+              <a:t> </a:t>
+            </a:r>
+            <a:r>
+              <a:rPr lang="pt-BR" b="1" dirty="0" err="1" smtClean="0">
+                <a:solidFill>
+                  <a:schemeClr val="tx1"/>
+                </a:solidFill>
+              </a:rPr>
+              <a:t>is</a:t>
+            </a:r>
+            <a:r>
+              <a:rPr lang="pt-BR" b="1" dirty="0" smtClean="0">
+                <a:solidFill>
+                  <a:schemeClr val="tx1"/>
+                </a:solidFill>
+              </a:rPr>
+              <a:t> a </a:t>
+            </a:r>
+            <a:r>
+              <a:rPr lang="pt-BR" b="1" dirty="0" err="1" smtClean="0">
+                <a:solidFill>
+                  <a:schemeClr val="tx1"/>
+                </a:solidFill>
+              </a:rPr>
+              <a:t>numpy</a:t>
+            </a:r>
+            <a:r>
+              <a:rPr lang="pt-BR" b="1" dirty="0" smtClean="0">
+                <a:solidFill>
+                  <a:schemeClr val="tx1"/>
+                </a:solidFill>
+              </a:rPr>
+              <a:t> </a:t>
+            </a:r>
+            <a:r>
+              <a:rPr lang="pt-BR" b="1" dirty="0" err="1" smtClean="0">
+                <a:solidFill>
+                  <a:schemeClr val="tx1"/>
+                </a:solidFill>
+              </a:rPr>
+              <a:t>array</a:t>
+            </a:r>
+            <a:endParaRPr lang="pt-BR" b="1" dirty="0">
+              <a:solidFill>
+                <a:schemeClr val="tx1"/>
+              </a:solidFill>
+            </a:endParaRPr>
+          </a:p>
+        </p:txBody>
+      </p:sp>
+      <p:sp>
+        <p:nvSpPr>
+          <p:cNvPr id="8" name="Texto explicativo retangular 7"/>
+          <p:cNvSpPr/>
+          <p:nvPr/>
+        </p:nvSpPr>
+        <p:spPr>
+          <a:xfrm>
+            <a:off x="1452785" y="3933056"/>
+            <a:ext cx="4358961" cy="515563"/>
+          </a:xfrm>
+          <a:prstGeom prst="wedgeRectCallout">
+            <a:avLst>
+              <a:gd name="adj1" fmla="val 5361"/>
+              <a:gd name="adj2" fmla="val 228143"/>
+            </a:avLst>
+          </a:prstGeom>
+          <a:solidFill>
+            <a:srgbClr val="92D050"/>
+          </a:solidFill>
+          <a:ln w="22225">
+            <a:solidFill>
+              <a:srgbClr val="002060"/>
+            </a:solidFill>
+          </a:ln>
+        </p:spPr>
+        <p:style>
+          <a:lnRef idx="2">
+            <a:schemeClr val="accent1">
+              <a:shade val="50000"/>
+            </a:schemeClr>
+          </a:lnRef>
+          <a:fillRef idx="1">
+            <a:schemeClr val="accent1"/>
+          </a:fillRef>
+          <a:effectRef idx="0">
+            <a:schemeClr val="accent1"/>
+          </a:effectRef>
+          <a:fontRef idx="minor">
+            <a:schemeClr val="lt1"/>
+          </a:fontRef>
+        </p:style>
+        <p:txBody>
+          <a:bodyPr rtlCol="0" anchor="ctr"/>
+          <a:lstStyle/>
+          <a:p>
+            <a:pPr algn="ctr"/>
+            <a:r>
+              <a:rPr lang="pt-BR" b="1" dirty="0" err="1" smtClean="0">
+                <a:solidFill>
+                  <a:schemeClr val="tx1"/>
+                </a:solidFill>
+              </a:rPr>
+              <a:t>Class</a:t>
+            </a:r>
+            <a:r>
+              <a:rPr lang="pt-BR" b="1" dirty="0" smtClean="0">
+                <a:solidFill>
+                  <a:schemeClr val="tx1"/>
+                </a:solidFill>
+              </a:rPr>
+              <a:t> </a:t>
+            </a:r>
+            <a:r>
+              <a:rPr lang="pt-BR" b="1" dirty="0" err="1" smtClean="0">
+                <a:solidFill>
+                  <a:schemeClr val="tx1"/>
+                </a:solidFill>
+              </a:rPr>
+              <a:t>attributes</a:t>
+            </a:r>
+            <a:r>
+              <a:rPr lang="pt-BR" b="1" dirty="0" smtClean="0">
+                <a:solidFill>
+                  <a:schemeClr val="tx1"/>
+                </a:solidFill>
+              </a:rPr>
+              <a:t> are </a:t>
+            </a:r>
+            <a:r>
+              <a:rPr lang="pt-BR" b="1" dirty="0" err="1" smtClean="0">
+                <a:solidFill>
+                  <a:schemeClr val="tx1"/>
+                </a:solidFill>
+              </a:rPr>
+              <a:t>numpy</a:t>
+            </a:r>
+            <a:r>
+              <a:rPr lang="pt-BR" b="1" dirty="0" smtClean="0">
+                <a:solidFill>
+                  <a:schemeClr val="tx1"/>
+                </a:solidFill>
+              </a:rPr>
+              <a:t> </a:t>
+            </a:r>
+            <a:r>
+              <a:rPr lang="pt-BR" b="1" dirty="0" err="1" smtClean="0">
+                <a:solidFill>
+                  <a:schemeClr val="tx1"/>
+                </a:solidFill>
+              </a:rPr>
+              <a:t>arrays</a:t>
+            </a:r>
+            <a:endParaRPr lang="pt-BR" b="1" dirty="0">
+              <a:solidFill>
+                <a:schemeClr val="tx1"/>
+              </a:solidFill>
+            </a:endParaRPr>
+          </a:p>
+        </p:txBody>
+      </p:sp>
+    </p:spTree>
+    <p:extLst>
+      <p:ext uri="{BB962C8B-B14F-4D97-AF65-F5344CB8AC3E}">
+        <p14:creationId xmlns:p14="http://schemas.microsoft.com/office/powerpoint/2010/main" val="2320523814"/>
+      </p:ext>
+    </p:extLst>
+  </p:cSld>
+  <p:clrMapOvr>
+    <a:masterClrMapping/>
+  </p:clrMapOvr>
+  <p:timing>
+    <p:tnLst>
+      <p:par>
+        <p:cTn id="1" dur="indefinite" restart="never" nodeType="tmRoot">
+          <p:childTnLst>
+            <p:seq concurrent="1" nextAc="seek">
+              <p:cTn id="2" dur="indefinite" nodeType="mainSeq">
+                <p:childTnLst>
+                  <p:par>
+                    <p:cTn id="3" fill="hold">
+                      <p:stCondLst>
+                        <p:cond delay="indefinite"/>
+                      </p:stCondLst>
+                      <p:childTnLst>
+                        <p:par>
+                          <p:cTn id="4" fill="hold">
+                            <p:stCondLst>
+                              <p:cond delay="0"/>
+                            </p:stCondLst>
+                            <p:childTnLst>
+                              <p:par>
+                                <p:cTn id="5" presetID="1" presetClass="entr" presetSubtype="0" fill="hold" grpId="0" nodeType="clickEffect">
+                                  <p:stCondLst>
+                                    <p:cond delay="0"/>
+                                  </p:stCondLst>
+                                  <p:childTnLst>
+                                    <p:set>
+                                      <p:cBhvr>
+                                        <p:cTn id="6" dur="1" fill="hold">
+                                          <p:stCondLst>
+                                            <p:cond delay="0"/>
+                                          </p:stCondLst>
+                                        </p:cTn>
+                                        <p:tgtEl>
+                                          <p:spTgt spid="6"/>
+                                        </p:tgtEl>
+                                        <p:attrNameLst>
+                                          <p:attrName>style.visibility</p:attrName>
+                                        </p:attrNameLst>
+                                      </p:cBhvr>
+                                      <p:to>
+                                        <p:strVal val="visible"/>
+                                      </p:to>
+                                    </p:set>
+                                  </p:childTnLst>
+                                </p:cTn>
+                              </p:par>
+                              <p:par>
+                                <p:cTn id="7" presetID="1" presetClass="entr" presetSubtype="0" fill="hold" grpId="0" nodeType="withEffect">
+                                  <p:stCondLst>
+                                    <p:cond delay="0"/>
+                                  </p:stCondLst>
+                                  <p:childTnLst>
+                                    <p:set>
+                                      <p:cBhvr>
+                                        <p:cTn id="8" dur="1" fill="hold">
+                                          <p:stCondLst>
+                                            <p:cond delay="0"/>
+                                          </p:stCondLst>
+                                        </p:cTn>
+                                        <p:tgtEl>
+                                          <p:spTgt spid="8"/>
+                                        </p:tgtEl>
+                                        <p:attrNameLst>
+                                          <p:attrName>style.visibility</p:attrName>
+                                        </p:attrNameLst>
+                                      </p:cBhvr>
+                                      <p:to>
+                                        <p:strVal val="visible"/>
+                                      </p:to>
+                                    </p:set>
+                                  </p:childTnLst>
+                                </p:cTn>
+                              </p:par>
+                              <p:par>
+                                <p:cTn id="9" presetID="1" presetClass="entr" presetSubtype="0" fill="hold" grpId="0" nodeType="withEffect">
+                                  <p:stCondLst>
+                                    <p:cond delay="0"/>
+                                  </p:stCondLst>
+                                  <p:childTnLst>
+                                    <p:set>
+                                      <p:cBhvr>
+                                        <p:cTn id="10" dur="1" fill="hold">
+                                          <p:stCondLst>
+                                            <p:cond delay="0"/>
+                                          </p:stCondLst>
+                                        </p:cTn>
+                                        <p:tgtEl>
+                                          <p:spTgt spid="7"/>
+                                        </p:tgtEl>
+                                        <p:attrNameLst>
+                                          <p:attrName>style.visibility</p:attrName>
+                                        </p:attrNameLst>
+                                      </p:cBhvr>
+                                      <p:to>
+                                        <p:strVal val="visible"/>
+                                      </p:to>
+                                    </p:set>
+                                  </p:childTnLst>
+                                </p:cTn>
+                              </p:par>
+                            </p:childTnLst>
+                          </p:cTn>
+                        </p:par>
+                      </p:childTnLst>
+                    </p:cTn>
+                  </p:par>
+                </p:childTnLst>
+              </p:cTn>
+              <p:prevCondLst>
+                <p:cond evt="onPrev" delay="0">
+                  <p:tgtEl>
+                    <p:sldTgt/>
+                  </p:tgtEl>
+                </p:cond>
+              </p:prevCondLst>
+              <p:nextCondLst>
+                <p:cond evt="onNext" delay="0">
+                  <p:tgtEl>
+                    <p:sldTgt/>
+                  </p:tgtEl>
+                </p:cond>
+              </p:nextCondLst>
+            </p:seq>
+          </p:childTnLst>
+        </p:cTn>
+      </p:par>
+    </p:tnLst>
+    <p:bldLst>
+      <p:bldP spid="6" grpId="0" animBg="1"/>
+      <p:bldP spid="7" grpId="0" animBg="1"/>
+      <p:bldP spid="8" grpId="0" animBg="1"/>
+    </p:bldLst>
+  </p:timing>
+</p:sld>
+</file>
+
+<file path=ppt/slides/slide5.xml><?xml version="1.0" encoding="utf-8"?>
+<p:sld xmlns:a="http://schemas.openxmlformats.org/drawingml/2006/main" xmlns:r="http://schemas.openxmlformats.org/officeDocument/2006/relationships" xmlns:p="http://schemas.openxmlformats.org/presentationml/2006/main">
+  <p:cSld>
+    <p:spTree>
+      <p:nvGrpSpPr>
+        <p:cNvPr id="1" name=""/>
+        <p:cNvGrpSpPr/>
+        <p:nvPr/>
+      </p:nvGrpSpPr>
+      <p:grpSpPr>
+        <a:xfrm>
+          <a:off x="0" y="0"/>
+          <a:ext cx="0" cy="0"/>
+          <a:chOff x="0" y="0"/>
+          <a:chExt cx="0" cy="0"/>
+        </a:xfrm>
+      </p:grpSpPr>
+      <p:sp>
+        <p:nvSpPr>
+          <p:cNvPr id="2" name="Título 1"/>
+          <p:cNvSpPr>
+            <a:spLocks noGrp="1"/>
+          </p:cNvSpPr>
+          <p:nvPr>
+            <p:ph type="title"/>
+          </p:nvPr>
+        </p:nvSpPr>
+        <p:spPr/>
+        <p:txBody>
+          <a:bodyPr/>
+          <a:lstStyle/>
+          <a:p>
+            <a:r>
+              <a:rPr lang="pt-BR" dirty="0" smtClean="0"/>
+              <a:t>Unit </a:t>
+            </a:r>
+            <a:r>
+              <a:rPr lang="pt-BR" dirty="0" err="1" smtClean="0"/>
+              <a:t>tests</a:t>
+            </a:r>
+            <a:r>
+              <a:rPr lang="pt-BR" dirty="0" smtClean="0"/>
+              <a:t> framework</a:t>
+            </a:r>
+            <a:endParaRPr lang="pt-BR" dirty="0"/>
+          </a:p>
+        </p:txBody>
+      </p:sp>
+      <p:sp>
+        <p:nvSpPr>
+          <p:cNvPr id="3" name="Espaço Reservado para Conteúdo 2"/>
+          <p:cNvSpPr>
+            <a:spLocks noGrp="1"/>
+          </p:cNvSpPr>
+          <p:nvPr>
+            <p:ph idx="1"/>
+          </p:nvPr>
+        </p:nvSpPr>
+        <p:spPr/>
+        <p:txBody>
+          <a:bodyPr/>
+          <a:lstStyle/>
+          <a:p>
+            <a:r>
+              <a:rPr lang="pt-BR" dirty="0" err="1" smtClean="0"/>
+              <a:t>When</a:t>
+            </a:r>
+            <a:r>
+              <a:rPr lang="pt-BR" dirty="0" smtClean="0"/>
+              <a:t> </a:t>
+            </a:r>
+            <a:r>
+              <a:rPr lang="pt-BR" dirty="0" err="1" smtClean="0"/>
+              <a:t>you</a:t>
+            </a:r>
+            <a:r>
+              <a:rPr lang="pt-BR" dirty="0" smtClean="0"/>
+              <a:t> </a:t>
+            </a:r>
+            <a:r>
+              <a:rPr lang="pt-BR" dirty="0" err="1" smtClean="0"/>
+              <a:t>have</a:t>
+            </a:r>
+            <a:r>
+              <a:rPr lang="pt-BR" dirty="0" smtClean="0"/>
+              <a:t> </a:t>
+            </a:r>
+            <a:r>
+              <a:rPr lang="pt-BR" dirty="0" err="1" smtClean="0"/>
+              <a:t>to</a:t>
+            </a:r>
+            <a:r>
+              <a:rPr lang="pt-BR" dirty="0" smtClean="0"/>
+              <a:t> </a:t>
+            </a:r>
+            <a:r>
+              <a:rPr lang="pt-BR" dirty="0" err="1" smtClean="0"/>
+              <a:t>change</a:t>
+            </a:r>
+            <a:r>
+              <a:rPr lang="pt-BR" dirty="0" smtClean="0"/>
+              <a:t> software, </a:t>
+            </a:r>
+            <a:r>
+              <a:rPr lang="pt-BR" dirty="0" err="1" smtClean="0"/>
+              <a:t>how</a:t>
+            </a:r>
+            <a:r>
+              <a:rPr lang="pt-BR" dirty="0" smtClean="0"/>
+              <a:t> do </a:t>
+            </a:r>
+            <a:r>
+              <a:rPr lang="pt-BR" dirty="0" err="1" smtClean="0"/>
+              <a:t>you</a:t>
+            </a:r>
+            <a:r>
+              <a:rPr lang="pt-BR" dirty="0" smtClean="0"/>
+              <a:t> do it?</a:t>
+            </a:r>
+          </a:p>
+          <a:p>
+            <a:pPr lvl="1"/>
+            <a:r>
+              <a:rPr lang="pt-BR" dirty="0" err="1" smtClean="0"/>
+              <a:t>Edit</a:t>
+            </a:r>
+            <a:r>
+              <a:rPr lang="pt-BR" dirty="0" smtClean="0"/>
+              <a:t> </a:t>
+            </a:r>
+            <a:r>
+              <a:rPr lang="pt-BR" dirty="0" err="1" smtClean="0"/>
+              <a:t>and</a:t>
+            </a:r>
+            <a:r>
+              <a:rPr lang="pt-BR" dirty="0" smtClean="0"/>
+              <a:t> </a:t>
+            </a:r>
+            <a:r>
+              <a:rPr lang="pt-BR" dirty="0" err="1" smtClean="0"/>
+              <a:t>Pray</a:t>
+            </a:r>
+            <a:endParaRPr lang="pt-BR" dirty="0" smtClean="0"/>
+          </a:p>
+          <a:p>
+            <a:pPr lvl="1"/>
+            <a:r>
+              <a:rPr lang="pt-BR" dirty="0" smtClean="0"/>
+              <a:t>Cover </a:t>
+            </a:r>
+            <a:r>
+              <a:rPr lang="pt-BR" dirty="0" err="1" smtClean="0"/>
+              <a:t>and</a:t>
+            </a:r>
+            <a:r>
+              <a:rPr lang="pt-BR" dirty="0" smtClean="0"/>
+              <a:t> </a:t>
+            </a:r>
+            <a:r>
+              <a:rPr lang="pt-BR" dirty="0" err="1" smtClean="0"/>
+              <a:t>Modify</a:t>
+            </a:r>
+            <a:endParaRPr lang="pt-BR" dirty="0" smtClean="0"/>
+          </a:p>
+          <a:p>
+            <a:endParaRPr lang="pt-BR" dirty="0" smtClean="0"/>
+          </a:p>
+          <a:p>
+            <a:r>
+              <a:rPr lang="pt-BR" dirty="0" err="1" smtClean="0"/>
+              <a:t>Developers</a:t>
+            </a:r>
+            <a:r>
+              <a:rPr lang="pt-BR" dirty="0" smtClean="0"/>
+              <a:t> </a:t>
+            </a:r>
+            <a:r>
+              <a:rPr lang="pt-BR" dirty="0"/>
+              <a:t>are </a:t>
+            </a:r>
+            <a:r>
+              <a:rPr lang="pt-BR" dirty="0" err="1"/>
+              <a:t>encouraged</a:t>
+            </a:r>
+            <a:r>
+              <a:rPr lang="pt-BR" dirty="0"/>
+              <a:t> </a:t>
+            </a:r>
+            <a:r>
+              <a:rPr lang="pt-BR" dirty="0" err="1"/>
+              <a:t>to</a:t>
+            </a:r>
+            <a:r>
+              <a:rPr lang="pt-BR" dirty="0"/>
+              <a:t> use Test-</a:t>
+            </a:r>
+            <a:r>
+              <a:rPr lang="pt-BR" dirty="0" err="1"/>
+              <a:t>Driven</a:t>
+            </a:r>
+            <a:r>
+              <a:rPr lang="pt-BR" dirty="0"/>
+              <a:t> </a:t>
+            </a:r>
+            <a:r>
+              <a:rPr lang="pt-BR" dirty="0" err="1"/>
+              <a:t>Development</a:t>
+            </a:r>
+            <a:r>
+              <a:rPr lang="pt-BR" dirty="0"/>
+              <a:t> (TDD</a:t>
+            </a:r>
+            <a:r>
+              <a:rPr lang="pt-BR" dirty="0" smtClean="0"/>
+              <a:t>)</a:t>
+            </a:r>
+            <a:endParaRPr lang="pt-BR" dirty="0"/>
+          </a:p>
+        </p:txBody>
+      </p:sp>
+      <p:sp>
+        <p:nvSpPr>
+          <p:cNvPr id="4" name="Texto explicativo em seta para a esquerda 3"/>
+          <p:cNvSpPr/>
+          <p:nvPr/>
+        </p:nvSpPr>
+        <p:spPr>
+          <a:xfrm>
+            <a:off x="3203848" y="2276872"/>
+            <a:ext cx="3888432" cy="648072"/>
+          </a:xfrm>
+          <a:prstGeom prst="leftArrowCallout">
+            <a:avLst>
+              <a:gd name="adj1" fmla="val 25000"/>
+              <a:gd name="adj2" fmla="val 25000"/>
+              <a:gd name="adj3" fmla="val 25000"/>
+              <a:gd name="adj4" fmla="val 84361"/>
+            </a:avLst>
+          </a:prstGeom>
+          <a:solidFill>
+            <a:srgbClr val="0070C0"/>
+          </a:solidFill>
+          <a:ln>
+            <a:solidFill>
+              <a:srgbClr val="002060"/>
+            </a:solidFill>
+          </a:ln>
+        </p:spPr>
+        <p:style>
+          <a:lnRef idx="2">
+            <a:schemeClr val="accent1">
+              <a:shade val="50000"/>
+            </a:schemeClr>
+          </a:lnRef>
+          <a:fillRef idx="1">
+            <a:schemeClr val="accent1"/>
+          </a:fillRef>
+          <a:effectRef idx="0">
+            <a:schemeClr val="accent1"/>
+          </a:effectRef>
+          <a:fontRef idx="minor">
+            <a:schemeClr val="lt1"/>
+          </a:fontRef>
+        </p:style>
+        <p:txBody>
+          <a:bodyPr rtlCol="0" anchor="ctr"/>
+          <a:lstStyle/>
+          <a:p>
+            <a:pPr algn="ctr"/>
+            <a:r>
+              <a:rPr lang="pt-BR" b="1" dirty="0" err="1" smtClean="0"/>
+              <a:t>We</a:t>
+            </a:r>
+            <a:r>
+              <a:rPr lang="pt-BR" b="1" dirty="0" smtClean="0"/>
+              <a:t> use </a:t>
+            </a:r>
+            <a:r>
+              <a:rPr lang="pt-BR" b="1" dirty="0" err="1" smtClean="0"/>
+              <a:t>the</a:t>
+            </a:r>
+            <a:r>
+              <a:rPr lang="pt-BR" b="1" dirty="0" smtClean="0"/>
+              <a:t> </a:t>
+            </a:r>
+            <a:r>
+              <a:rPr lang="pt-BR" b="1" dirty="0" err="1" smtClean="0"/>
+              <a:t>second</a:t>
+            </a:r>
+            <a:r>
+              <a:rPr lang="pt-BR" b="1" dirty="0" smtClean="0"/>
+              <a:t> approach in </a:t>
+            </a:r>
+            <a:r>
+              <a:rPr lang="pt-BR" b="1" dirty="0" err="1" smtClean="0"/>
+              <a:t>this</a:t>
+            </a:r>
+            <a:r>
+              <a:rPr lang="pt-BR" b="1" dirty="0" smtClean="0"/>
+              <a:t> </a:t>
+            </a:r>
+            <a:r>
+              <a:rPr lang="pt-BR" b="1" dirty="0" err="1" smtClean="0"/>
+              <a:t>project</a:t>
+            </a:r>
+            <a:r>
+              <a:rPr lang="pt-BR" b="1" dirty="0" smtClean="0"/>
+              <a:t>!</a:t>
+            </a:r>
+            <a:endParaRPr lang="pt-BR" b="1" dirty="0"/>
+          </a:p>
+        </p:txBody>
+      </p:sp>
+      <p:graphicFrame>
+        <p:nvGraphicFramePr>
+          <p:cNvPr id="5" name="Tabela 4"/>
+          <p:cNvGraphicFramePr>
+            <a:graphicFrameLocks noGrp="1"/>
+          </p:cNvGraphicFramePr>
+          <p:nvPr>
+            <p:extLst>
+              <p:ext uri="{D42A27DB-BD31-4B8C-83A1-F6EECF244321}">
+                <p14:modId xmlns:p14="http://schemas.microsoft.com/office/powerpoint/2010/main" val="663316011"/>
+              </p:ext>
+            </p:extLst>
+          </p:nvPr>
+        </p:nvGraphicFramePr>
+        <p:xfrm>
+          <a:off x="755576" y="4293096"/>
+          <a:ext cx="7560840" cy="1854200"/>
+        </p:xfrm>
+        <a:graphic>
+          <a:graphicData uri="http://schemas.openxmlformats.org/drawingml/2006/table">
+            <a:tbl>
+              <a:tblPr firstRow="1" bandRow="1">
+                <a:tableStyleId>{5C22544A-7EE6-4342-B048-85BDC9FD1C3A}</a:tableStyleId>
+              </a:tblPr>
+              <a:tblGrid>
+                <a:gridCol w="3780420"/>
+                <a:gridCol w="3780420"/>
+              </a:tblGrid>
+              <a:tr h="370840">
+                <a:tc>
+                  <a:txBody>
+                    <a:bodyPr/>
+                    <a:lstStyle/>
+                    <a:p>
+                      <a:r>
+                        <a:rPr lang="pt-BR" dirty="0" err="1" smtClean="0"/>
+                        <a:t>What</a:t>
+                      </a:r>
+                      <a:r>
+                        <a:rPr lang="pt-BR" dirty="0" smtClean="0"/>
+                        <a:t> </a:t>
+                      </a:r>
+                      <a:r>
+                        <a:rPr lang="pt-BR" dirty="0" err="1" smtClean="0"/>
+                        <a:t>is</a:t>
+                      </a:r>
+                      <a:r>
+                        <a:rPr lang="pt-BR" dirty="0" smtClean="0"/>
+                        <a:t> a GOOD </a:t>
+                      </a:r>
+                      <a:r>
+                        <a:rPr lang="pt-BR" dirty="0" err="1" smtClean="0"/>
+                        <a:t>unit</a:t>
+                      </a:r>
+                      <a:r>
+                        <a:rPr lang="pt-BR" dirty="0" smtClean="0"/>
+                        <a:t> </a:t>
+                      </a:r>
+                      <a:r>
+                        <a:rPr lang="pt-BR" dirty="0" err="1" smtClean="0"/>
+                        <a:t>test</a:t>
+                      </a:r>
+                      <a:r>
+                        <a:rPr lang="pt-BR" dirty="0" smtClean="0"/>
+                        <a:t>?</a:t>
+                      </a:r>
+                      <a:endParaRPr lang="pt-BR" dirty="0"/>
+                    </a:p>
+                  </a:txBody>
+                  <a:tcPr/>
+                </a:tc>
+                <a:tc>
+                  <a:txBody>
+                    <a:bodyPr/>
+                    <a:lstStyle/>
+                    <a:p>
+                      <a:r>
+                        <a:rPr lang="pt-BR" dirty="0" err="1" smtClean="0"/>
+                        <a:t>What</a:t>
+                      </a:r>
+                      <a:r>
+                        <a:rPr lang="pt-BR" dirty="0" smtClean="0"/>
+                        <a:t> </a:t>
+                      </a:r>
+                      <a:r>
+                        <a:rPr lang="pt-BR" dirty="0" err="1" smtClean="0"/>
+                        <a:t>is</a:t>
+                      </a:r>
+                      <a:r>
+                        <a:rPr lang="pt-BR" dirty="0" smtClean="0"/>
+                        <a:t> NOT a </a:t>
+                      </a:r>
+                      <a:r>
+                        <a:rPr lang="pt-BR" dirty="0" err="1" smtClean="0"/>
+                        <a:t>good</a:t>
+                      </a:r>
+                      <a:r>
+                        <a:rPr lang="pt-BR" dirty="0" smtClean="0"/>
+                        <a:t> </a:t>
+                      </a:r>
+                      <a:r>
+                        <a:rPr lang="pt-BR" dirty="0" err="1" smtClean="0"/>
+                        <a:t>unit</a:t>
+                      </a:r>
+                      <a:r>
+                        <a:rPr lang="pt-BR" dirty="0" smtClean="0"/>
+                        <a:t> </a:t>
+                      </a:r>
+                      <a:r>
+                        <a:rPr lang="pt-BR" dirty="0" err="1" smtClean="0"/>
+                        <a:t>test</a:t>
+                      </a:r>
+                      <a:r>
+                        <a:rPr lang="pt-BR" dirty="0" smtClean="0"/>
+                        <a:t>?</a:t>
+                      </a:r>
+                      <a:endParaRPr lang="pt-BR" dirty="0"/>
+                    </a:p>
+                  </a:txBody>
+                  <a:tcPr/>
+                </a:tc>
+              </a:tr>
+              <a:tr h="370840">
+                <a:tc>
+                  <a:txBody>
+                    <a:bodyPr/>
+                    <a:lstStyle/>
+                    <a:p>
+                      <a:r>
+                        <a:rPr lang="pt-BR" baseline="0" dirty="0" smtClean="0"/>
+                        <a:t>It runs </a:t>
+                      </a:r>
+                      <a:r>
+                        <a:rPr lang="pt-BR" baseline="0" dirty="0" err="1" smtClean="0"/>
+                        <a:t>fast</a:t>
+                      </a:r>
+                      <a:endParaRPr lang="pt-BR" dirty="0"/>
+                    </a:p>
+                  </a:txBody>
+                  <a:tcPr/>
+                </a:tc>
+                <a:tc>
+                  <a:txBody>
+                    <a:bodyPr/>
+                    <a:lstStyle/>
+                    <a:p>
+                      <a:r>
+                        <a:rPr lang="pt-BR" dirty="0" smtClean="0"/>
+                        <a:t>It </a:t>
+                      </a:r>
+                      <a:r>
+                        <a:rPr lang="pt-BR" dirty="0" err="1" smtClean="0"/>
+                        <a:t>takes</a:t>
+                      </a:r>
+                      <a:r>
+                        <a:rPr lang="pt-BR" dirty="0" smtClean="0"/>
+                        <a:t> 1/10th</a:t>
+                      </a:r>
+                      <a:r>
+                        <a:rPr lang="pt-BR" baseline="0" dirty="0" smtClean="0"/>
+                        <a:t> </a:t>
+                      </a:r>
+                      <a:r>
+                        <a:rPr lang="pt-BR" baseline="0" dirty="0" err="1" smtClean="0"/>
+                        <a:t>of</a:t>
+                      </a:r>
+                      <a:r>
+                        <a:rPr lang="pt-BR" baseline="0" dirty="0" smtClean="0"/>
+                        <a:t> a </a:t>
+                      </a:r>
+                      <a:r>
+                        <a:rPr lang="pt-BR" baseline="0" dirty="0" err="1" smtClean="0"/>
+                        <a:t>second</a:t>
+                      </a:r>
+                      <a:r>
+                        <a:rPr lang="pt-BR" baseline="0" dirty="0" smtClean="0"/>
+                        <a:t> </a:t>
+                      </a:r>
+                      <a:r>
+                        <a:rPr lang="pt-BR" baseline="0" dirty="0" err="1" smtClean="0"/>
+                        <a:t>to</a:t>
+                      </a:r>
+                      <a:r>
+                        <a:rPr lang="pt-BR" baseline="0" dirty="0" smtClean="0"/>
+                        <a:t> </a:t>
+                      </a:r>
+                      <a:r>
+                        <a:rPr lang="pt-BR" baseline="0" dirty="0" err="1" smtClean="0"/>
+                        <a:t>run</a:t>
+                      </a:r>
+                      <a:endParaRPr lang="pt-BR" dirty="0"/>
+                    </a:p>
+                  </a:txBody>
+                  <a:tcPr/>
+                </a:tc>
+              </a:tr>
+              <a:tr h="370840">
+                <a:tc>
+                  <a:txBody>
+                    <a:bodyPr/>
+                    <a:lstStyle/>
+                    <a:p>
+                      <a:r>
+                        <a:rPr lang="pt-BR" dirty="0" smtClean="0"/>
+                        <a:t>It helps </a:t>
+                      </a:r>
+                      <a:r>
+                        <a:rPr lang="pt-BR" dirty="0" err="1" smtClean="0"/>
+                        <a:t>us</a:t>
+                      </a:r>
+                      <a:r>
+                        <a:rPr lang="pt-BR" dirty="0" smtClean="0"/>
+                        <a:t> </a:t>
+                      </a:r>
+                      <a:r>
+                        <a:rPr lang="pt-BR" dirty="0" err="1" smtClean="0"/>
+                        <a:t>finding</a:t>
+                      </a:r>
+                      <a:r>
+                        <a:rPr lang="pt-BR" dirty="0" smtClean="0"/>
+                        <a:t> </a:t>
+                      </a:r>
+                      <a:r>
+                        <a:rPr lang="pt-BR" dirty="0" err="1" smtClean="0"/>
+                        <a:t>problems</a:t>
+                      </a:r>
+                      <a:endParaRPr lang="pt-BR" dirty="0"/>
+                    </a:p>
+                  </a:txBody>
+                  <a:tcPr/>
+                </a:tc>
+                <a:tc>
+                  <a:txBody>
+                    <a:bodyPr/>
+                    <a:lstStyle/>
+                    <a:p>
+                      <a:r>
+                        <a:rPr lang="pt-BR" dirty="0" smtClean="0"/>
+                        <a:t>It </a:t>
+                      </a:r>
+                      <a:r>
+                        <a:rPr lang="pt-BR" dirty="0" err="1" smtClean="0"/>
+                        <a:t>talks</a:t>
+                      </a:r>
+                      <a:r>
+                        <a:rPr lang="pt-BR" dirty="0" smtClean="0"/>
+                        <a:t> </a:t>
+                      </a:r>
+                      <a:r>
+                        <a:rPr lang="pt-BR" dirty="0" err="1" smtClean="0"/>
+                        <a:t>to</a:t>
+                      </a:r>
+                      <a:r>
+                        <a:rPr lang="pt-BR" baseline="0" dirty="0" smtClean="0"/>
+                        <a:t> a </a:t>
+                      </a:r>
+                      <a:r>
+                        <a:rPr lang="pt-BR" baseline="0" dirty="0" err="1" smtClean="0"/>
+                        <a:t>database</a:t>
+                      </a:r>
+                      <a:endParaRPr lang="pt-BR" dirty="0"/>
+                    </a:p>
+                  </a:txBody>
+                  <a:tcPr/>
+                </a:tc>
+              </a:tr>
+              <a:tr h="370840">
+                <a:tc>
+                  <a:txBody>
+                    <a:bodyPr/>
+                    <a:lstStyle/>
+                    <a:p>
+                      <a:r>
+                        <a:rPr lang="pt-BR" dirty="0" err="1" smtClean="0"/>
+                        <a:t>Coverage</a:t>
+                      </a:r>
+                      <a:endParaRPr lang="pt-BR" dirty="0"/>
+                    </a:p>
+                  </a:txBody>
+                  <a:tcPr/>
+                </a:tc>
+                <a:tc>
+                  <a:txBody>
+                    <a:bodyPr/>
+                    <a:lstStyle/>
+                    <a:p>
+                      <a:r>
+                        <a:rPr lang="pt-BR" dirty="0" smtClean="0"/>
+                        <a:t>It </a:t>
+                      </a:r>
+                      <a:r>
+                        <a:rPr lang="pt-BR" dirty="0" err="1" smtClean="0"/>
+                        <a:t>communicates</a:t>
+                      </a:r>
+                      <a:r>
+                        <a:rPr lang="pt-BR" dirty="0" smtClean="0"/>
+                        <a:t> </a:t>
+                      </a:r>
+                      <a:r>
+                        <a:rPr lang="pt-BR" dirty="0" err="1" smtClean="0"/>
+                        <a:t>accross</a:t>
+                      </a:r>
+                      <a:r>
+                        <a:rPr lang="pt-BR" dirty="0" smtClean="0"/>
+                        <a:t> a network</a:t>
+                      </a:r>
+                      <a:endParaRPr lang="pt-BR" dirty="0"/>
+                    </a:p>
+                  </a:txBody>
+                  <a:tcPr/>
+                </a:tc>
+              </a:tr>
+              <a:tr h="370840">
+                <a:tc>
+                  <a:txBody>
+                    <a:bodyPr/>
+                    <a:lstStyle/>
+                    <a:p>
+                      <a:endParaRPr lang="pt-BR" dirty="0"/>
+                    </a:p>
+                  </a:txBody>
+                  <a:tcPr/>
+                </a:tc>
+                <a:tc>
+                  <a:txBody>
+                    <a:bodyPr/>
+                    <a:lstStyle/>
+                    <a:p>
+                      <a:r>
+                        <a:rPr lang="pt-BR" dirty="0" smtClean="0"/>
+                        <a:t>It </a:t>
+                      </a:r>
+                      <a:r>
+                        <a:rPr lang="pt-BR" dirty="0" err="1" smtClean="0"/>
+                        <a:t>touches</a:t>
+                      </a:r>
+                      <a:r>
+                        <a:rPr lang="pt-BR" dirty="0" smtClean="0"/>
+                        <a:t> </a:t>
+                      </a:r>
+                      <a:r>
+                        <a:rPr lang="pt-BR" dirty="0" err="1" smtClean="0"/>
+                        <a:t>the</a:t>
+                      </a:r>
+                      <a:r>
+                        <a:rPr lang="pt-BR" dirty="0" smtClean="0"/>
+                        <a:t> file system</a:t>
+                      </a:r>
+                      <a:endParaRPr lang="pt-BR" dirty="0"/>
+                    </a:p>
+                  </a:txBody>
+                  <a:tcPr/>
+                </a:tc>
+              </a:tr>
+            </a:tbl>
+          </a:graphicData>
+        </a:graphic>
+      </p:graphicFrame>
+    </p:spTree>
+    <p:extLst>
+      <p:ext uri="{BB962C8B-B14F-4D97-AF65-F5344CB8AC3E}">
+        <p14:creationId xmlns:p14="http://schemas.microsoft.com/office/powerpoint/2010/main" val="4270584932"/>
+      </p:ext>
+    </p:extLst>
+  </p:cSld>
+  <p:clrMapOvr>
+    <a:masterClrMapping/>
+  </p:clrMapOvr>
+  <p:timing>
+    <p:tnLst>
+      <p:par>
+        <p:cTn id="1" dur="indefinite" restart="never" nodeType="tmRoot">
+          <p:childTnLst>
+            <p:seq concurrent="1" nextAc="seek">
+              <p:cTn id="2" dur="indefinite" nodeType="mainSeq">
+                <p:childTnLst>
+                  <p:par>
+                    <p:cTn id="3" fill="hold">
+                      <p:stCondLst>
+                        <p:cond delay="indefinite"/>
+                      </p:stCondLst>
+                      <p:childTnLst>
+                        <p:par>
+                          <p:cTn id="4" fill="hold">
+                            <p:stCondLst>
+                              <p:cond delay="0"/>
+                            </p:stCondLst>
+                            <p:childTnLst>
+                              <p:par>
+                                <p:cTn id="5" presetID="1" presetClass="entr" presetSubtype="0" fill="hold" grpId="0" nodeType="clickEffect">
+                                  <p:stCondLst>
+                                    <p:cond delay="0"/>
+                                  </p:stCondLst>
+                                  <p:childTnLst>
+                                    <p:set>
+                                      <p:cBhvr>
+                                        <p:cTn id="6" dur="1" fill="hold">
+                                          <p:stCondLst>
+                                            <p:cond delay="0"/>
+                                          </p:stCondLst>
+                                        </p:cTn>
+                                        <p:tgtEl>
+                                          <p:spTgt spid="4"/>
+                                        </p:tgtEl>
+                                        <p:attrNameLst>
+                                          <p:attrName>style.visibility</p:attrName>
+                                        </p:attrNameLst>
+                                      </p:cBhvr>
+                                      <p:to>
+                                        <p:strVal val="visible"/>
+                                      </p:to>
+                                    </p:set>
+                                  </p:childTnLst>
+                                </p:cTn>
+                              </p:par>
+                            </p:childTnLst>
+                          </p:cTn>
+                        </p:par>
+                      </p:childTnLst>
+                    </p:cTn>
+                  </p:par>
+                  <p:par>
+                    <p:cTn id="7" fill="hold">
+                      <p:stCondLst>
+                        <p:cond delay="indefinite"/>
+                      </p:stCondLst>
+                      <p:childTnLst>
+                        <p:par>
+                          <p:cTn id="8" fill="hold">
+                            <p:stCondLst>
+                              <p:cond delay="0"/>
+                            </p:stCondLst>
+                            <p:childTnLst>
+                              <p:par>
+                                <p:cTn id="9" presetID="1" presetClass="entr" presetSubtype="0" fill="hold" nodeType="clickEffect">
+                                  <p:stCondLst>
+                                    <p:cond delay="0"/>
+                                  </p:stCondLst>
+                                  <p:childTnLst>
+                                    <p:set>
+                                      <p:cBhvr>
+                                        <p:cTn id="10" dur="1" fill="hold">
+                                          <p:stCondLst>
+                                            <p:cond delay="0"/>
+                                          </p:stCondLst>
+                                        </p:cTn>
+                                        <p:tgtEl>
+                                          <p:spTgt spid="3">
+                                            <p:txEl>
+                                              <p:pRg st="4" end="4"/>
+                                            </p:txEl>
+                                          </p:spTgt>
+                                        </p:tgtEl>
+                                        <p:attrNameLst>
+                                          <p:attrName>style.visibility</p:attrName>
+                                        </p:attrNameLst>
+                                      </p:cBhvr>
+                                      <p:to>
+                                        <p:strVal val="visible"/>
+                                      </p:to>
+                                    </p:set>
+                                  </p:childTnLst>
+                                </p:cTn>
+                              </p:par>
+                            </p:childTnLst>
+                          </p:cTn>
+                        </p:par>
+                      </p:childTnLst>
+                    </p:cTn>
+                  </p:par>
+                  <p:par>
+                    <p:cTn id="11" fill="hold">
+                      <p:stCondLst>
+                        <p:cond delay="indefinite"/>
+                      </p:stCondLst>
+                      <p:childTnLst>
+                        <p:par>
+                          <p:cTn id="12" fill="hold">
+                            <p:stCondLst>
+                              <p:cond delay="0"/>
+                            </p:stCondLst>
+                            <p:childTnLst>
+                              <p:par>
+                                <p:cTn id="13" presetID="1" presetClass="entr" presetSubtype="0" fill="hold" nodeType="clickEffect">
+                                  <p:stCondLst>
+                                    <p:cond delay="0"/>
+                                  </p:stCondLst>
+                                  <p:childTnLst>
+                                    <p:set>
+                                      <p:cBhvr>
+                                        <p:cTn id="14" dur="1" fill="hold">
+                                          <p:stCondLst>
+                                            <p:cond delay="0"/>
+                                          </p:stCondLst>
+                                        </p:cTn>
+                                        <p:tgtEl>
+                                          <p:spTgt spid="5"/>
+                                        </p:tgtEl>
+                                        <p:attrNameLst>
+                                          <p:attrName>style.visibility</p:attrName>
+                                        </p:attrNameLst>
+                                      </p:cBhvr>
+                                      <p:to>
+                                        <p:strVal val="visible"/>
+                                      </p:to>
+                                    </p:set>
+                                  </p:childTnLst>
+                                </p:cTn>
+                              </p:par>
+                            </p:childTnLst>
+                          </p:cTn>
+                        </p:par>
+                      </p:childTnLst>
+                    </p:cTn>
+                  </p:par>
+                </p:childTnLst>
+              </p:cTn>
+              <p:prevCondLst>
+                <p:cond evt="onPrev" delay="0">
+                  <p:tgtEl>
+                    <p:sldTgt/>
+                  </p:tgtEl>
+                </p:cond>
+              </p:prevCondLst>
+              <p:nextCondLst>
+                <p:cond evt="onNext" delay="0">
+                  <p:tgtEl>
+                    <p:sldTgt/>
+                  </p:tgtEl>
+                </p:cond>
+              </p:nextCondLst>
+            </p:seq>
+          </p:childTnLst>
+        </p:cTn>
+      </p:par>
+    </p:tnLst>
+    <p:bldLst>
+      <p:bldP spid="4" grpId="0" animBg="1"/>
+    </p:bldLst>
+  </p:timing>
+</p:sld>
+</file>
+
+<file path=ppt/slides/slide6.xml><?xml version="1.0" encoding="utf-8"?>
+<p:sld xmlns:a="http://schemas.openxmlformats.org/drawingml/2006/main" xmlns:r="http://schemas.openxmlformats.org/officeDocument/2006/relationships" xmlns:p="http://schemas.openxmlformats.org/presentationml/2006/main">
+  <p:cSld>
+    <p:spTree>
+      <p:nvGrpSpPr>
+        <p:cNvPr id="1" name=""/>
+        <p:cNvGrpSpPr/>
+        <p:nvPr/>
+      </p:nvGrpSpPr>
+      <p:grpSpPr>
+        <a:xfrm>
+          <a:off x="0" y="0"/>
+          <a:ext cx="0" cy="0"/>
+          <a:chOff x="0" y="0"/>
+          <a:chExt cx="0" cy="0"/>
+        </a:xfrm>
+      </p:grpSpPr>
+      <p:sp>
+        <p:nvSpPr>
+          <p:cNvPr id="2" name="Título 1"/>
+          <p:cNvSpPr>
+            <a:spLocks noGrp="1"/>
+          </p:cNvSpPr>
+          <p:nvPr>
+            <p:ph type="title"/>
+          </p:nvPr>
+        </p:nvSpPr>
+        <p:spPr/>
+        <p:txBody>
+          <a:bodyPr/>
+          <a:lstStyle/>
+          <a:p>
+            <a:r>
+              <a:rPr lang="pt-BR" dirty="0" smtClean="0"/>
+              <a:t>Unit </a:t>
+            </a:r>
+            <a:r>
+              <a:rPr lang="pt-BR" dirty="0" err="1" smtClean="0"/>
+              <a:t>tests</a:t>
+            </a:r>
+            <a:r>
+              <a:rPr lang="pt-BR" dirty="0" smtClean="0"/>
+              <a:t> framework</a:t>
+            </a:r>
+            <a:endParaRPr lang="pt-BR" dirty="0"/>
+          </a:p>
+        </p:txBody>
+      </p:sp>
+      <p:sp>
+        <p:nvSpPr>
+          <p:cNvPr id="3" name="Espaço Reservado para Conteúdo 2"/>
+          <p:cNvSpPr>
+            <a:spLocks noGrp="1"/>
+          </p:cNvSpPr>
+          <p:nvPr>
+            <p:ph idx="1"/>
+          </p:nvPr>
+        </p:nvSpPr>
+        <p:spPr/>
+        <p:txBody>
+          <a:bodyPr/>
+          <a:lstStyle/>
+          <a:p>
+            <a:r>
+              <a:rPr lang="pt-BR" dirty="0" err="1" smtClean="0"/>
+              <a:t>We</a:t>
+            </a:r>
+            <a:r>
+              <a:rPr lang="pt-BR" dirty="0" smtClean="0"/>
+              <a:t> use </a:t>
+            </a:r>
+            <a:r>
+              <a:rPr lang="pt-BR" dirty="0" err="1" smtClean="0"/>
+              <a:t>Python’s</a:t>
+            </a:r>
+            <a:r>
+              <a:rPr lang="pt-BR" dirty="0" smtClean="0"/>
+              <a:t> </a:t>
+            </a:r>
+            <a:r>
+              <a:rPr lang="pt-BR" dirty="0" err="1" smtClean="0"/>
+              <a:t>built</a:t>
+            </a:r>
+            <a:r>
+              <a:rPr lang="pt-BR" dirty="0" smtClean="0"/>
+              <a:t>-in </a:t>
+            </a:r>
+            <a:r>
+              <a:rPr lang="pt-BR" dirty="0" err="1" smtClean="0"/>
+              <a:t>support</a:t>
+            </a:r>
+            <a:r>
+              <a:rPr lang="pt-BR" dirty="0" smtClean="0"/>
+              <a:t> </a:t>
+            </a:r>
+            <a:r>
+              <a:rPr lang="pt-BR" dirty="0" err="1" smtClean="0"/>
+              <a:t>to</a:t>
+            </a:r>
+            <a:r>
+              <a:rPr lang="pt-BR" dirty="0" smtClean="0"/>
+              <a:t> </a:t>
+            </a:r>
+            <a:r>
+              <a:rPr lang="pt-BR" dirty="0" err="1" smtClean="0"/>
+              <a:t>write</a:t>
+            </a:r>
+            <a:r>
+              <a:rPr lang="pt-BR" dirty="0" smtClean="0"/>
+              <a:t> </a:t>
+            </a:r>
+            <a:r>
+              <a:rPr lang="pt-BR" dirty="0" err="1" smtClean="0"/>
+              <a:t>unit</a:t>
+            </a:r>
+            <a:r>
+              <a:rPr lang="pt-BR" dirty="0" smtClean="0"/>
+              <a:t> </a:t>
+            </a:r>
+            <a:r>
+              <a:rPr lang="pt-BR" dirty="0" err="1" smtClean="0"/>
+              <a:t>tests</a:t>
+            </a:r>
+            <a:endParaRPr lang="pt-BR" dirty="0"/>
+          </a:p>
+        </p:txBody>
+      </p:sp>
+      <p:sp>
+        <p:nvSpPr>
+          <p:cNvPr id="4" name="CaixaDeTexto 3"/>
+          <p:cNvSpPr txBox="1"/>
+          <p:nvPr/>
+        </p:nvSpPr>
+        <p:spPr>
+          <a:xfrm>
+            <a:off x="753255" y="2704852"/>
+            <a:ext cx="7353295" cy="3139321"/>
+          </a:xfrm>
+          <a:prstGeom prst="rect">
+            <a:avLst/>
+          </a:prstGeom>
+          <a:noFill/>
+          <a:ln>
+            <a:solidFill>
+              <a:schemeClr val="tx1"/>
+            </a:solidFill>
+          </a:ln>
+        </p:spPr>
+        <p:txBody>
+          <a:bodyPr wrap="none" rtlCol="0">
+            <a:spAutoFit/>
+          </a:bodyPr>
+          <a:lstStyle/>
+          <a:p>
+            <a:r>
+              <a:rPr lang="en-US" dirty="0">
+                <a:solidFill>
+                  <a:srgbClr val="0070C0"/>
+                </a:solidFill>
+                <a:latin typeface="Courier New" pitchFamily="49" charset="0"/>
+                <a:cs typeface="Courier New" pitchFamily="49" charset="0"/>
+              </a:rPr>
+              <a:t>import </a:t>
+            </a:r>
+            <a:r>
+              <a:rPr lang="en-US" dirty="0" err="1">
+                <a:latin typeface="Courier New" pitchFamily="49" charset="0"/>
+                <a:cs typeface="Courier New" pitchFamily="49" charset="0"/>
+              </a:rPr>
+              <a:t>unittest</a:t>
+            </a:r>
+            <a:endParaRPr lang="en-US" dirty="0">
+              <a:latin typeface="Courier New" pitchFamily="49" charset="0"/>
+              <a:cs typeface="Courier New" pitchFamily="49" charset="0"/>
+            </a:endParaRPr>
+          </a:p>
+          <a:p>
+            <a:r>
+              <a:rPr lang="en-US" dirty="0" smtClean="0">
+                <a:solidFill>
+                  <a:srgbClr val="0070C0"/>
+                </a:solidFill>
+                <a:latin typeface="Courier New" pitchFamily="49" charset="0"/>
+                <a:cs typeface="Courier New" pitchFamily="49" charset="0"/>
+              </a:rPr>
+              <a:t>from </a:t>
+            </a:r>
+            <a:r>
+              <a:rPr lang="en-US" dirty="0">
+                <a:latin typeface="Courier New" pitchFamily="49" charset="0"/>
+                <a:cs typeface="Courier New" pitchFamily="49" charset="0"/>
+              </a:rPr>
+              <a:t>antenna</a:t>
+            </a:r>
+            <a:r>
+              <a:rPr lang="en-US" dirty="0">
+                <a:solidFill>
+                  <a:srgbClr val="0070C0"/>
+                </a:solidFill>
+                <a:latin typeface="Courier New" pitchFamily="49" charset="0"/>
+                <a:cs typeface="Courier New" pitchFamily="49" charset="0"/>
+              </a:rPr>
+              <a:t> import </a:t>
+            </a:r>
+            <a:r>
+              <a:rPr lang="en-US" dirty="0">
+                <a:latin typeface="Courier New" pitchFamily="49" charset="0"/>
+                <a:cs typeface="Courier New" pitchFamily="49" charset="0"/>
+              </a:rPr>
+              <a:t>Antenna</a:t>
+            </a:r>
+          </a:p>
+          <a:p>
+            <a:endParaRPr lang="en-US" dirty="0" smtClean="0">
+              <a:solidFill>
+                <a:srgbClr val="0070C0"/>
+              </a:solidFill>
+              <a:latin typeface="Courier New" pitchFamily="49" charset="0"/>
+              <a:cs typeface="Courier New" pitchFamily="49" charset="0"/>
+            </a:endParaRPr>
+          </a:p>
+          <a:p>
+            <a:r>
+              <a:rPr lang="en-US" dirty="0" smtClean="0">
+                <a:solidFill>
+                  <a:srgbClr val="0070C0"/>
+                </a:solidFill>
+                <a:latin typeface="Courier New" pitchFamily="49" charset="0"/>
+                <a:cs typeface="Courier New" pitchFamily="49" charset="0"/>
+              </a:rPr>
+              <a:t>class</a:t>
+            </a:r>
+            <a:r>
+              <a:rPr lang="en-US" dirty="0" smtClean="0">
+                <a:latin typeface="Courier New" pitchFamily="49" charset="0"/>
+                <a:cs typeface="Courier New" pitchFamily="49" charset="0"/>
+              </a:rPr>
+              <a:t> </a:t>
+            </a:r>
+            <a:r>
+              <a:rPr lang="en-US" b="1" dirty="0" err="1">
+                <a:latin typeface="Courier New" pitchFamily="49" charset="0"/>
+                <a:cs typeface="Courier New" pitchFamily="49" charset="0"/>
+              </a:rPr>
+              <a:t>AntennaTest</a:t>
+            </a:r>
+            <a:r>
+              <a:rPr lang="en-US" dirty="0">
+                <a:latin typeface="Courier New" pitchFamily="49" charset="0"/>
+                <a:cs typeface="Courier New" pitchFamily="49" charset="0"/>
+              </a:rPr>
+              <a:t>(</a:t>
+            </a:r>
+            <a:r>
+              <a:rPr lang="en-US" dirty="0" err="1">
+                <a:latin typeface="Courier New" pitchFamily="49" charset="0"/>
+                <a:cs typeface="Courier New" pitchFamily="49" charset="0"/>
+              </a:rPr>
+              <a:t>unittest.TestCase</a:t>
+            </a:r>
+            <a:r>
+              <a:rPr lang="en-US" dirty="0">
+                <a:latin typeface="Courier New" pitchFamily="49" charset="0"/>
+                <a:cs typeface="Courier New" pitchFamily="49" charset="0"/>
+              </a:rPr>
+              <a:t>):</a:t>
+            </a:r>
+          </a:p>
+          <a:p>
+            <a:r>
+              <a:rPr lang="en-US" dirty="0">
+                <a:latin typeface="Courier New" pitchFamily="49" charset="0"/>
+                <a:cs typeface="Courier New" pitchFamily="49" charset="0"/>
+              </a:rPr>
+              <a:t>    </a:t>
+            </a:r>
+          </a:p>
+          <a:p>
+            <a:r>
+              <a:rPr lang="en-US" dirty="0">
+                <a:latin typeface="Courier New" pitchFamily="49" charset="0"/>
+                <a:cs typeface="Courier New" pitchFamily="49" charset="0"/>
+              </a:rPr>
+              <a:t>    </a:t>
+            </a:r>
+            <a:r>
+              <a:rPr lang="en-US" dirty="0" err="1">
+                <a:solidFill>
+                  <a:srgbClr val="0070C0"/>
+                </a:solidFill>
+                <a:latin typeface="Courier New" pitchFamily="49" charset="0"/>
+                <a:cs typeface="Courier New" pitchFamily="49" charset="0"/>
+              </a:rPr>
+              <a:t>def</a:t>
+            </a:r>
+            <a:r>
+              <a:rPr lang="en-US" dirty="0">
+                <a:solidFill>
+                  <a:srgbClr val="0070C0"/>
+                </a:solidFill>
+                <a:latin typeface="Courier New" pitchFamily="49" charset="0"/>
+                <a:cs typeface="Courier New" pitchFamily="49" charset="0"/>
+              </a:rPr>
+              <a:t> </a:t>
+            </a:r>
+            <a:r>
+              <a:rPr lang="en-US" b="1" dirty="0" err="1">
+                <a:latin typeface="Courier New" pitchFamily="49" charset="0"/>
+                <a:cs typeface="Courier New" pitchFamily="49" charset="0"/>
+              </a:rPr>
+              <a:t>setUp</a:t>
+            </a:r>
+            <a:r>
+              <a:rPr lang="en-US" dirty="0">
+                <a:latin typeface="Courier New" pitchFamily="49" charset="0"/>
+                <a:cs typeface="Courier New" pitchFamily="49" charset="0"/>
+              </a:rPr>
+              <a:t>(</a:t>
+            </a:r>
+            <a:r>
+              <a:rPr lang="en-US" i="1" dirty="0">
+                <a:solidFill>
+                  <a:srgbClr val="9A6516"/>
+                </a:solidFill>
+                <a:latin typeface="Courier New" pitchFamily="49" charset="0"/>
+                <a:cs typeface="Courier New" pitchFamily="49" charset="0"/>
+              </a:rPr>
+              <a:t>self</a:t>
+            </a:r>
+            <a:r>
+              <a:rPr lang="en-US" dirty="0">
+                <a:latin typeface="Courier New" pitchFamily="49" charset="0"/>
+                <a:cs typeface="Courier New" pitchFamily="49" charset="0"/>
+              </a:rPr>
+              <a:t>):</a:t>
+            </a:r>
+          </a:p>
+          <a:p>
+            <a:r>
+              <a:rPr lang="en-US" dirty="0">
+                <a:latin typeface="Courier New" pitchFamily="49" charset="0"/>
+                <a:cs typeface="Courier New" pitchFamily="49" charset="0"/>
+              </a:rPr>
+              <a:t>        </a:t>
+            </a:r>
+            <a:r>
+              <a:rPr lang="en-US" i="1" dirty="0" err="1">
+                <a:solidFill>
+                  <a:srgbClr val="9A6516"/>
+                </a:solidFill>
+                <a:latin typeface="Courier New" pitchFamily="49" charset="0"/>
+                <a:cs typeface="Courier New" pitchFamily="49" charset="0"/>
+              </a:rPr>
+              <a:t>self</a:t>
+            </a:r>
+            <a:r>
+              <a:rPr lang="en-US" dirty="0" err="1" smtClean="0">
+                <a:latin typeface="Courier New" pitchFamily="49" charset="0"/>
+                <a:cs typeface="Courier New" pitchFamily="49" charset="0"/>
+              </a:rPr>
+              <a:t>.antenna</a:t>
+            </a:r>
+            <a:r>
+              <a:rPr lang="en-US" dirty="0" smtClean="0">
+                <a:latin typeface="Courier New" pitchFamily="49" charset="0"/>
+                <a:cs typeface="Courier New" pitchFamily="49" charset="0"/>
+              </a:rPr>
+              <a:t> </a:t>
+            </a:r>
+            <a:r>
+              <a:rPr lang="en-US" dirty="0">
+                <a:latin typeface="Courier New" pitchFamily="49" charset="0"/>
+                <a:cs typeface="Courier New" pitchFamily="49" charset="0"/>
+              </a:rPr>
+              <a:t>= Antenna()</a:t>
+            </a:r>
+          </a:p>
+          <a:p>
+            <a:r>
+              <a:rPr lang="en-US" dirty="0">
+                <a:latin typeface="Courier New" pitchFamily="49" charset="0"/>
+                <a:cs typeface="Courier New" pitchFamily="49" charset="0"/>
+              </a:rPr>
+              <a:t>        </a:t>
+            </a:r>
+            <a:r>
+              <a:rPr lang="en-US" i="1" dirty="0" err="1">
+                <a:solidFill>
+                  <a:srgbClr val="9A6516"/>
+                </a:solidFill>
+                <a:latin typeface="Courier New" pitchFamily="49" charset="0"/>
+                <a:cs typeface="Courier New" pitchFamily="49" charset="0"/>
+              </a:rPr>
+              <a:t>self</a:t>
+            </a:r>
+            <a:r>
+              <a:rPr lang="en-US" dirty="0" err="1" smtClean="0">
+                <a:latin typeface="Courier New" pitchFamily="49" charset="0"/>
+                <a:cs typeface="Courier New" pitchFamily="49" charset="0"/>
+              </a:rPr>
+              <a:t>.antenna.set_gain</a:t>
+            </a:r>
+            <a:r>
+              <a:rPr lang="en-US" dirty="0" smtClean="0">
+                <a:latin typeface="Courier New" pitchFamily="49" charset="0"/>
+                <a:cs typeface="Courier New" pitchFamily="49" charset="0"/>
+              </a:rPr>
+              <a:t>(</a:t>
+            </a:r>
+            <a:r>
+              <a:rPr lang="en-US" dirty="0" smtClean="0">
+                <a:solidFill>
+                  <a:srgbClr val="C00000"/>
+                </a:solidFill>
+                <a:latin typeface="Courier New" pitchFamily="49" charset="0"/>
+                <a:cs typeface="Courier New" pitchFamily="49" charset="0"/>
+              </a:rPr>
+              <a:t>5</a:t>
+            </a:r>
+            <a:r>
+              <a:rPr lang="en-US" dirty="0">
+                <a:latin typeface="Courier New" pitchFamily="49" charset="0"/>
+                <a:cs typeface="Courier New" pitchFamily="49" charset="0"/>
+              </a:rPr>
+              <a:t>)</a:t>
+            </a:r>
+          </a:p>
+          <a:p>
+            <a:r>
+              <a:rPr lang="en-US" dirty="0" smtClean="0">
+                <a:latin typeface="Courier New" pitchFamily="49" charset="0"/>
+                <a:cs typeface="Courier New" pitchFamily="49" charset="0"/>
+              </a:rPr>
+              <a:t>        </a:t>
+            </a:r>
+            <a:endParaRPr lang="en-US" dirty="0">
+              <a:latin typeface="Courier New" pitchFamily="49" charset="0"/>
+              <a:cs typeface="Courier New" pitchFamily="49" charset="0"/>
+            </a:endParaRPr>
+          </a:p>
+          <a:p>
+            <a:r>
+              <a:rPr lang="en-US" dirty="0">
+                <a:latin typeface="Courier New" pitchFamily="49" charset="0"/>
+                <a:cs typeface="Courier New" pitchFamily="49" charset="0"/>
+              </a:rPr>
+              <a:t>    </a:t>
+            </a:r>
+            <a:r>
+              <a:rPr lang="en-US" dirty="0" err="1">
+                <a:solidFill>
+                  <a:srgbClr val="0070C0"/>
+                </a:solidFill>
+                <a:latin typeface="Courier New" pitchFamily="49" charset="0"/>
+                <a:cs typeface="Courier New" pitchFamily="49" charset="0"/>
+              </a:rPr>
+              <a:t>def</a:t>
+            </a:r>
+            <a:r>
+              <a:rPr lang="en-US" dirty="0">
+                <a:solidFill>
+                  <a:srgbClr val="0070C0"/>
+                </a:solidFill>
+                <a:latin typeface="Courier New" pitchFamily="49" charset="0"/>
+                <a:cs typeface="Courier New" pitchFamily="49" charset="0"/>
+              </a:rPr>
+              <a:t> </a:t>
+            </a:r>
+            <a:r>
+              <a:rPr lang="en-US" b="1" dirty="0" err="1">
+                <a:latin typeface="Courier New" pitchFamily="49" charset="0"/>
+                <a:cs typeface="Courier New" pitchFamily="49" charset="0"/>
+              </a:rPr>
+              <a:t>test_gain</a:t>
+            </a:r>
+            <a:r>
+              <a:rPr lang="en-US" dirty="0">
+                <a:latin typeface="Courier New" pitchFamily="49" charset="0"/>
+                <a:cs typeface="Courier New" pitchFamily="49" charset="0"/>
+              </a:rPr>
+              <a:t>(</a:t>
+            </a:r>
+            <a:r>
+              <a:rPr lang="en-US" i="1" dirty="0">
+                <a:solidFill>
+                  <a:srgbClr val="9A6516"/>
+                </a:solidFill>
+                <a:latin typeface="Courier New" pitchFamily="49" charset="0"/>
+                <a:cs typeface="Courier New" pitchFamily="49" charset="0"/>
+              </a:rPr>
+              <a:t>self</a:t>
+            </a:r>
+            <a:r>
+              <a:rPr lang="en-US" dirty="0">
+                <a:latin typeface="Courier New" pitchFamily="49" charset="0"/>
+                <a:cs typeface="Courier New" pitchFamily="49" charset="0"/>
+              </a:rPr>
+              <a:t>):</a:t>
+            </a:r>
+          </a:p>
+          <a:p>
+            <a:r>
+              <a:rPr lang="en-US" dirty="0">
+                <a:latin typeface="Courier New" pitchFamily="49" charset="0"/>
+                <a:cs typeface="Courier New" pitchFamily="49" charset="0"/>
+              </a:rPr>
+              <a:t>        </a:t>
+            </a:r>
+            <a:r>
+              <a:rPr lang="en-US" i="1" dirty="0" err="1">
+                <a:solidFill>
+                  <a:srgbClr val="9A6516"/>
+                </a:solidFill>
+                <a:latin typeface="Courier New" pitchFamily="49" charset="0"/>
+                <a:cs typeface="Courier New" pitchFamily="49" charset="0"/>
+              </a:rPr>
+              <a:t>self</a:t>
+            </a:r>
+            <a:r>
+              <a:rPr lang="en-US" dirty="0" err="1" smtClean="0">
+                <a:latin typeface="Courier New" pitchFamily="49" charset="0"/>
+                <a:cs typeface="Courier New" pitchFamily="49" charset="0"/>
+              </a:rPr>
+              <a:t>.assertEqual</a:t>
+            </a:r>
+            <a:r>
+              <a:rPr lang="en-US" dirty="0" smtClean="0">
+                <a:latin typeface="Courier New" pitchFamily="49" charset="0"/>
+                <a:cs typeface="Courier New" pitchFamily="49" charset="0"/>
+              </a:rPr>
+              <a:t>(</a:t>
+            </a:r>
+            <a:r>
+              <a:rPr lang="en-US" dirty="0" smtClean="0">
+                <a:solidFill>
+                  <a:srgbClr val="C00000"/>
+                </a:solidFill>
+                <a:latin typeface="Courier New" pitchFamily="49" charset="0"/>
+                <a:cs typeface="Courier New" pitchFamily="49" charset="0"/>
+              </a:rPr>
+              <a:t>5</a:t>
+            </a:r>
+            <a:r>
+              <a:rPr lang="en-US" dirty="0">
+                <a:latin typeface="Courier New" pitchFamily="49" charset="0"/>
+                <a:cs typeface="Courier New" pitchFamily="49" charset="0"/>
+              </a:rPr>
+              <a:t>, </a:t>
+            </a:r>
+            <a:r>
+              <a:rPr lang="en-US" i="1" dirty="0" err="1">
+                <a:solidFill>
+                  <a:srgbClr val="9A6516"/>
+                </a:solidFill>
+                <a:latin typeface="Courier New" pitchFamily="49" charset="0"/>
+                <a:cs typeface="Courier New" pitchFamily="49" charset="0"/>
+              </a:rPr>
+              <a:t>self</a:t>
+            </a:r>
+            <a:r>
+              <a:rPr lang="en-US" dirty="0" err="1" smtClean="0">
+                <a:latin typeface="Courier New" pitchFamily="49" charset="0"/>
+                <a:cs typeface="Courier New" pitchFamily="49" charset="0"/>
+              </a:rPr>
+              <a:t>.antenna.get_gain</a:t>
+            </a:r>
+            <a:r>
+              <a:rPr lang="en-US" dirty="0" smtClean="0">
+                <a:latin typeface="Courier New" pitchFamily="49" charset="0"/>
+                <a:cs typeface="Courier New" pitchFamily="49" charset="0"/>
+              </a:rPr>
+              <a:t>())</a:t>
+            </a:r>
+            <a:endParaRPr lang="en-US" dirty="0">
+              <a:latin typeface="Courier New" pitchFamily="49" charset="0"/>
+              <a:cs typeface="Courier New" pitchFamily="49" charset="0"/>
+            </a:endParaRPr>
+          </a:p>
+        </p:txBody>
+      </p:sp>
+    </p:spTree>
+    <p:extLst>
+      <p:ext uri="{BB962C8B-B14F-4D97-AF65-F5344CB8AC3E}">
+        <p14:creationId xmlns:p14="http://schemas.microsoft.com/office/powerpoint/2010/main" val="4237791107"/>
+      </p:ext>
+    </p:extLst>
+  </p:cSld>
+  <p:clrMapOvr>
+    <a:masterClrMapping/>
+  </p:clrMapOvr>
+  <p:timing>
+    <p:tnLst>
+      <p:par>
+        <p:cTn id="1" dur="indefinite" restart="never" nodeType="tmRoot"/>
+      </p:par>
+    </p:tnLst>
+  </p:timing>
+</p:sld>
+</file>
+
+<file path=ppt/slides/slide7.xml><?xml version="1.0" encoding="utf-8"?>
+<p:sld xmlns:a="http://schemas.openxmlformats.org/drawingml/2006/main" xmlns:r="http://schemas.openxmlformats.org/officeDocument/2006/relationships" xmlns:p="http://schemas.openxmlformats.org/presentationml/2006/main">
+  <p:cSld>
+    <p:spTree>
+      <p:nvGrpSpPr>
+        <p:cNvPr id="1" name=""/>
+        <p:cNvGrpSpPr/>
+        <p:nvPr/>
+      </p:nvGrpSpPr>
+      <p:grpSpPr>
+        <a:xfrm>
+          <a:off x="0" y="0"/>
+          <a:ext cx="0" cy="0"/>
+          <a:chOff x="0" y="0"/>
+          <a:chExt cx="0" cy="0"/>
+        </a:xfrm>
+      </p:grpSpPr>
+      <p:sp>
+        <p:nvSpPr>
+          <p:cNvPr id="2" name="Título 1"/>
+          <p:cNvSpPr>
+            <a:spLocks noGrp="1"/>
+          </p:cNvSpPr>
+          <p:nvPr>
+            <p:ph type="title"/>
+          </p:nvPr>
+        </p:nvSpPr>
+        <p:spPr/>
+        <p:txBody>
+          <a:bodyPr/>
+          <a:lstStyle/>
+          <a:p>
+            <a:r>
+              <a:rPr lang="pt-BR" dirty="0" err="1" smtClean="0"/>
+              <a:t>Source</a:t>
+            </a:r>
+            <a:r>
+              <a:rPr lang="pt-BR" dirty="0" smtClean="0"/>
+              <a:t> </a:t>
+            </a:r>
+            <a:r>
+              <a:rPr lang="pt-BR" dirty="0" err="1" smtClean="0"/>
+              <a:t>code</a:t>
+            </a:r>
+            <a:endParaRPr lang="pt-BR" dirty="0"/>
+          </a:p>
+        </p:txBody>
+      </p:sp>
+      <p:sp>
+        <p:nvSpPr>
+          <p:cNvPr id="3" name="Espaço Reservado para Conteúdo 2"/>
+          <p:cNvSpPr>
+            <a:spLocks noGrp="1"/>
+          </p:cNvSpPr>
+          <p:nvPr>
+            <p:ph idx="1"/>
+          </p:nvPr>
+        </p:nvSpPr>
+        <p:spPr/>
+        <p:txBody>
+          <a:bodyPr/>
+          <a:lstStyle/>
+          <a:p>
+            <a:r>
+              <a:rPr lang="pt-BR" dirty="0" smtClean="0"/>
+              <a:t>Software </a:t>
+            </a:r>
+            <a:r>
+              <a:rPr lang="pt-BR" dirty="0" err="1" smtClean="0"/>
+              <a:t>follows</a:t>
+            </a:r>
+            <a:r>
+              <a:rPr lang="pt-BR" dirty="0" smtClean="0"/>
+              <a:t> </a:t>
+            </a:r>
+            <a:r>
+              <a:rPr lang="pt-BR" dirty="0" err="1" smtClean="0"/>
+              <a:t>the</a:t>
+            </a:r>
+            <a:r>
+              <a:rPr lang="pt-BR" dirty="0" smtClean="0"/>
+              <a:t> </a:t>
+            </a:r>
+            <a:r>
+              <a:rPr lang="pt-BR" dirty="0" err="1" smtClean="0"/>
+              <a:t>Model-View-Controller</a:t>
+            </a:r>
+            <a:r>
+              <a:rPr lang="pt-BR" dirty="0" smtClean="0"/>
+              <a:t> </a:t>
+            </a:r>
+            <a:r>
+              <a:rPr lang="pt-BR" dirty="0" err="1" smtClean="0"/>
+              <a:t>paradigm</a:t>
+            </a:r>
+            <a:endParaRPr lang="pt-BR" dirty="0" smtClean="0"/>
+          </a:p>
+          <a:p>
+            <a:pPr lvl="1"/>
+            <a:r>
+              <a:rPr lang="pt-BR" dirty="0" err="1" smtClean="0"/>
+              <a:t>View</a:t>
+            </a:r>
+            <a:r>
+              <a:rPr lang="pt-BR" dirty="0" smtClean="0"/>
+              <a:t> captures </a:t>
+            </a:r>
+            <a:r>
+              <a:rPr lang="pt-BR" dirty="0" err="1" smtClean="0"/>
+              <a:t>the</a:t>
+            </a:r>
+            <a:r>
+              <a:rPr lang="pt-BR" dirty="0" smtClean="0"/>
+              <a:t> </a:t>
+            </a:r>
+            <a:r>
+              <a:rPr lang="pt-BR" dirty="0" err="1" smtClean="0"/>
+              <a:t>user</a:t>
+            </a:r>
+            <a:r>
+              <a:rPr lang="pt-BR" dirty="0" smtClean="0"/>
+              <a:t> </a:t>
+            </a:r>
+            <a:r>
+              <a:rPr lang="pt-BR" dirty="0" err="1" smtClean="0"/>
+              <a:t>action</a:t>
+            </a:r>
+            <a:r>
+              <a:rPr lang="pt-BR" dirty="0" smtClean="0"/>
+              <a:t> </a:t>
+            </a:r>
+            <a:r>
+              <a:rPr lang="pt-BR" dirty="0" err="1" smtClean="0"/>
+              <a:t>and</a:t>
+            </a:r>
+            <a:r>
+              <a:rPr lang="pt-BR" dirty="0" smtClean="0"/>
+              <a:t> </a:t>
+            </a:r>
+            <a:r>
+              <a:rPr lang="pt-BR" dirty="0" err="1" smtClean="0"/>
+              <a:t>forwards</a:t>
+            </a:r>
+            <a:r>
+              <a:rPr lang="pt-BR" dirty="0" smtClean="0"/>
+              <a:t> it </a:t>
+            </a:r>
+            <a:r>
+              <a:rPr lang="pt-BR" dirty="0" err="1" smtClean="0"/>
+              <a:t>to</a:t>
+            </a:r>
+            <a:r>
+              <a:rPr lang="pt-BR" dirty="0" smtClean="0"/>
+              <a:t> </a:t>
+            </a:r>
+            <a:r>
+              <a:rPr lang="pt-BR" dirty="0" err="1" smtClean="0"/>
+              <a:t>Controller</a:t>
+            </a:r>
+            <a:endParaRPr lang="pt-BR" dirty="0" smtClean="0"/>
+          </a:p>
+          <a:p>
+            <a:pPr lvl="1"/>
+            <a:r>
+              <a:rPr lang="pt-BR" dirty="0" err="1" smtClean="0"/>
+              <a:t>Controller</a:t>
+            </a:r>
+            <a:r>
+              <a:rPr lang="pt-BR" dirty="0" smtClean="0"/>
+              <a:t> </a:t>
+            </a:r>
+            <a:r>
+              <a:rPr lang="pt-BR" dirty="0" err="1" smtClean="0"/>
+              <a:t>creates</a:t>
+            </a:r>
+            <a:r>
+              <a:rPr lang="pt-BR" dirty="0" smtClean="0"/>
+              <a:t> </a:t>
+            </a:r>
+            <a:r>
+              <a:rPr lang="pt-BR" dirty="0" err="1" smtClean="0"/>
+              <a:t>the</a:t>
+            </a:r>
+            <a:r>
+              <a:rPr lang="pt-BR" dirty="0" smtClean="0"/>
+              <a:t> </a:t>
+            </a:r>
+            <a:r>
+              <a:rPr lang="pt-BR" dirty="0" err="1" smtClean="0"/>
+              <a:t>simulation</a:t>
+            </a:r>
+            <a:r>
+              <a:rPr lang="pt-BR" dirty="0" smtClean="0"/>
+              <a:t> thread </a:t>
+            </a:r>
+            <a:r>
+              <a:rPr lang="pt-BR" dirty="0" err="1" smtClean="0"/>
+              <a:t>and</a:t>
+            </a:r>
+            <a:r>
+              <a:rPr lang="pt-BR" dirty="0" smtClean="0"/>
+              <a:t> starts it</a:t>
+            </a:r>
+          </a:p>
+          <a:p>
+            <a:pPr lvl="1"/>
+            <a:endParaRPr lang="pt-BR" dirty="0"/>
+          </a:p>
+        </p:txBody>
+      </p:sp>
+      <p:grpSp>
+        <p:nvGrpSpPr>
+          <p:cNvPr id="8" name="Grupo 7"/>
+          <p:cNvGrpSpPr/>
+          <p:nvPr/>
+        </p:nvGrpSpPr>
+        <p:grpSpPr>
+          <a:xfrm>
+            <a:off x="107504" y="3212976"/>
+            <a:ext cx="1944216" cy="2168624"/>
+            <a:chOff x="1259632" y="3132584"/>
+            <a:chExt cx="2160240" cy="2816696"/>
+          </a:xfrm>
+        </p:grpSpPr>
+        <p:sp>
+          <p:nvSpPr>
+            <p:cNvPr id="6" name="Retângulo 5"/>
+            <p:cNvSpPr/>
+            <p:nvPr/>
+          </p:nvSpPr>
+          <p:spPr>
+            <a:xfrm>
+              <a:off x="1259632" y="3573016"/>
+              <a:ext cx="2160240" cy="2376264"/>
+            </a:xfrm>
+            <a:prstGeom prst="rect">
+              <a:avLst/>
+            </a:prstGeom>
+            <a:solidFill>
+              <a:schemeClr val="bg1"/>
+            </a:solidFill>
+            <a:ln w="25400">
+              <a:solidFill>
+                <a:schemeClr val="tx1"/>
+              </a:solidFill>
+            </a:ln>
+          </p:spPr>
+          <p:style>
+            <a:lnRef idx="2">
+              <a:schemeClr val="accent1">
+                <a:shade val="50000"/>
+              </a:schemeClr>
+            </a:lnRef>
+            <a:fillRef idx="1">
+              <a:schemeClr val="accent1"/>
+            </a:fillRef>
+            <a:effectRef idx="0">
+              <a:schemeClr val="accent1"/>
+            </a:effectRef>
+            <a:fontRef idx="minor">
+              <a:schemeClr val="lt1"/>
+            </a:fontRef>
+          </p:style>
+          <p:txBody>
+            <a:bodyPr rtlCol="0" anchor="ctr"/>
+            <a:lstStyle/>
+            <a:p>
+              <a:pPr algn="ctr"/>
+              <a:r>
+                <a:rPr lang="pt-BR" sz="1400" dirty="0" smtClean="0">
+                  <a:solidFill>
+                    <a:schemeClr val="tx1"/>
+                  </a:solidFill>
+                </a:rPr>
+                <a:t>Captures </a:t>
+              </a:r>
+              <a:r>
+                <a:rPr lang="pt-BR" sz="1400" dirty="0" err="1" smtClean="0">
+                  <a:solidFill>
+                    <a:schemeClr val="tx1"/>
+                  </a:solidFill>
+                </a:rPr>
+                <a:t>user</a:t>
+              </a:r>
+              <a:r>
+                <a:rPr lang="pt-BR" sz="1400" dirty="0" smtClean="0">
+                  <a:solidFill>
+                    <a:schemeClr val="tx1"/>
+                  </a:solidFill>
+                </a:rPr>
+                <a:t> </a:t>
+              </a:r>
+              <a:r>
+                <a:rPr lang="pt-BR" sz="1400" dirty="0" err="1" smtClean="0">
+                  <a:solidFill>
+                    <a:schemeClr val="tx1"/>
+                  </a:solidFill>
+                </a:rPr>
+                <a:t>action</a:t>
+              </a:r>
+              <a:r>
+                <a:rPr lang="pt-BR" sz="1400" dirty="0" smtClean="0">
+                  <a:solidFill>
+                    <a:schemeClr val="tx1"/>
+                  </a:solidFill>
+                </a:rPr>
+                <a:t> </a:t>
+              </a:r>
+              <a:r>
+                <a:rPr lang="pt-BR" sz="1400" dirty="0" err="1" smtClean="0">
+                  <a:solidFill>
+                    <a:schemeClr val="tx1"/>
+                  </a:solidFill>
+                </a:rPr>
+                <a:t>and</a:t>
+              </a:r>
+              <a:r>
+                <a:rPr lang="pt-BR" sz="1400" dirty="0" smtClean="0">
+                  <a:solidFill>
+                    <a:schemeClr val="tx1"/>
+                  </a:solidFill>
+                </a:rPr>
+                <a:t> </a:t>
+              </a:r>
+              <a:r>
+                <a:rPr lang="pt-BR" sz="1400" dirty="0" err="1" smtClean="0">
+                  <a:solidFill>
+                    <a:schemeClr val="tx1"/>
+                  </a:solidFill>
+                </a:rPr>
+                <a:t>forwards</a:t>
+              </a:r>
+              <a:r>
+                <a:rPr lang="pt-BR" sz="1400" dirty="0" smtClean="0">
+                  <a:solidFill>
+                    <a:schemeClr val="tx1"/>
+                  </a:solidFill>
+                </a:rPr>
+                <a:t> it </a:t>
+              </a:r>
+              <a:r>
+                <a:rPr lang="pt-BR" sz="1400" dirty="0" err="1" smtClean="0">
+                  <a:solidFill>
+                    <a:schemeClr val="tx1"/>
+                  </a:solidFill>
+                </a:rPr>
+                <a:t>to</a:t>
+              </a:r>
+              <a:r>
+                <a:rPr lang="pt-BR" sz="1400" dirty="0" smtClean="0">
+                  <a:solidFill>
+                    <a:schemeClr val="tx1"/>
+                  </a:solidFill>
+                </a:rPr>
+                <a:t> </a:t>
+              </a:r>
+              <a:r>
+                <a:rPr lang="pt-BR" sz="1400" dirty="0" err="1" smtClean="0">
+                  <a:solidFill>
+                    <a:schemeClr val="tx1"/>
+                  </a:solidFill>
+                </a:rPr>
+                <a:t>Controller</a:t>
+              </a:r>
+              <a:endParaRPr lang="pt-BR" sz="1400" dirty="0">
+                <a:solidFill>
+                  <a:schemeClr val="tx1"/>
+                </a:solidFill>
+              </a:endParaRPr>
+            </a:p>
+          </p:txBody>
+        </p:sp>
+        <p:sp>
+          <p:nvSpPr>
+            <p:cNvPr id="7" name="Retângulo 6"/>
+            <p:cNvSpPr/>
+            <p:nvPr/>
+          </p:nvSpPr>
+          <p:spPr>
+            <a:xfrm>
+              <a:off x="1259632" y="3132584"/>
+              <a:ext cx="2160240" cy="605283"/>
+            </a:xfrm>
+            <a:prstGeom prst="rect">
+              <a:avLst/>
+            </a:prstGeom>
+            <a:solidFill>
+              <a:schemeClr val="bg1"/>
+            </a:solidFill>
+            <a:ln w="25400">
+              <a:solidFill>
+                <a:schemeClr val="tx1"/>
+              </a:solidFill>
+            </a:ln>
+          </p:spPr>
+          <p:style>
+            <a:lnRef idx="2">
+              <a:schemeClr val="accent1">
+                <a:shade val="50000"/>
+              </a:schemeClr>
+            </a:lnRef>
+            <a:fillRef idx="1">
+              <a:schemeClr val="accent1"/>
+            </a:fillRef>
+            <a:effectRef idx="0">
+              <a:schemeClr val="accent1"/>
+            </a:effectRef>
+            <a:fontRef idx="minor">
+              <a:schemeClr val="lt1"/>
+            </a:fontRef>
+          </p:style>
+          <p:txBody>
+            <a:bodyPr rtlCol="0" anchor="ctr"/>
+            <a:lstStyle/>
+            <a:p>
+              <a:pPr algn="ctr"/>
+              <a:r>
+                <a:rPr lang="pt-BR" sz="1400" dirty="0" err="1" smtClean="0">
+                  <a:solidFill>
+                    <a:schemeClr val="tx1"/>
+                  </a:solidFill>
+                </a:rPr>
+                <a:t>View</a:t>
+              </a:r>
+              <a:endParaRPr lang="pt-BR" sz="1400" dirty="0">
+                <a:solidFill>
+                  <a:schemeClr val="tx1"/>
+                </a:solidFill>
+              </a:endParaRPr>
+            </a:p>
+          </p:txBody>
+        </p:sp>
+      </p:grpSp>
+      <p:grpSp>
+        <p:nvGrpSpPr>
+          <p:cNvPr id="9" name="Grupo 8"/>
+          <p:cNvGrpSpPr/>
+          <p:nvPr/>
+        </p:nvGrpSpPr>
+        <p:grpSpPr>
+          <a:xfrm>
+            <a:off x="2411760" y="3217637"/>
+            <a:ext cx="1944216" cy="2168624"/>
+            <a:chOff x="1259632" y="3132584"/>
+            <a:chExt cx="2160240" cy="2816696"/>
+          </a:xfrm>
+        </p:grpSpPr>
+        <p:sp>
+          <p:nvSpPr>
+            <p:cNvPr id="10" name="Retângulo 9"/>
+            <p:cNvSpPr/>
+            <p:nvPr/>
+          </p:nvSpPr>
+          <p:spPr>
+            <a:xfrm>
+              <a:off x="1259632" y="3573016"/>
+              <a:ext cx="2160240" cy="2376264"/>
+            </a:xfrm>
+            <a:prstGeom prst="rect">
+              <a:avLst/>
+            </a:prstGeom>
+            <a:solidFill>
+              <a:schemeClr val="bg1"/>
+            </a:solidFill>
+            <a:ln w="25400">
+              <a:solidFill>
+                <a:schemeClr val="tx1"/>
+              </a:solidFill>
+            </a:ln>
+          </p:spPr>
+          <p:style>
+            <a:lnRef idx="2">
+              <a:schemeClr val="accent1">
+                <a:shade val="50000"/>
+              </a:schemeClr>
+            </a:lnRef>
+            <a:fillRef idx="1">
+              <a:schemeClr val="accent1"/>
+            </a:fillRef>
+            <a:effectRef idx="0">
+              <a:schemeClr val="accent1"/>
+            </a:effectRef>
+            <a:fontRef idx="minor">
+              <a:schemeClr val="lt1"/>
+            </a:fontRef>
+          </p:style>
+          <p:txBody>
+            <a:bodyPr rtlCol="0" anchor="ctr"/>
+            <a:lstStyle/>
+            <a:p>
+              <a:pPr algn="ctr"/>
+              <a:r>
+                <a:rPr lang="pt-BR" sz="1400" dirty="0" err="1" smtClean="0">
+                  <a:solidFill>
+                    <a:schemeClr val="tx1"/>
+                  </a:solidFill>
+                </a:rPr>
+                <a:t>Creates</a:t>
+              </a:r>
+              <a:r>
+                <a:rPr lang="pt-BR" sz="1400" dirty="0" smtClean="0">
+                  <a:solidFill>
+                    <a:schemeClr val="tx1"/>
+                  </a:solidFill>
+                </a:rPr>
+                <a:t> </a:t>
+              </a:r>
+              <a:r>
+                <a:rPr lang="pt-BR" sz="1400" dirty="0" err="1" smtClean="0">
+                  <a:solidFill>
+                    <a:schemeClr val="tx1"/>
+                  </a:solidFill>
+                </a:rPr>
+                <a:t>the</a:t>
+              </a:r>
+              <a:r>
+                <a:rPr lang="pt-BR" sz="1400" dirty="0" smtClean="0">
+                  <a:solidFill>
+                    <a:schemeClr val="tx1"/>
+                  </a:solidFill>
+                </a:rPr>
+                <a:t> </a:t>
+              </a:r>
+              <a:r>
+                <a:rPr lang="pt-BR" sz="1400" dirty="0" err="1" smtClean="0">
+                  <a:solidFill>
+                    <a:schemeClr val="tx1"/>
+                  </a:solidFill>
+                </a:rPr>
+                <a:t>simulation</a:t>
+              </a:r>
+              <a:r>
+                <a:rPr lang="pt-BR" sz="1400" dirty="0" smtClean="0">
+                  <a:solidFill>
+                    <a:schemeClr val="tx1"/>
+                  </a:solidFill>
+                </a:rPr>
+                <a:t> thread </a:t>
+              </a:r>
+              <a:r>
+                <a:rPr lang="pt-BR" sz="1400" dirty="0" err="1" smtClean="0">
+                  <a:solidFill>
+                    <a:schemeClr val="tx1"/>
+                  </a:solidFill>
+                </a:rPr>
+                <a:t>and</a:t>
+              </a:r>
+              <a:r>
+                <a:rPr lang="pt-BR" sz="1400" dirty="0" smtClean="0">
+                  <a:solidFill>
+                    <a:schemeClr val="tx1"/>
+                  </a:solidFill>
+                </a:rPr>
+                <a:t> starts it</a:t>
+              </a:r>
+              <a:endParaRPr lang="pt-BR" sz="1400" dirty="0">
+                <a:solidFill>
+                  <a:schemeClr val="tx1"/>
+                </a:solidFill>
+              </a:endParaRPr>
+            </a:p>
+          </p:txBody>
+        </p:sp>
+        <p:sp>
+          <p:nvSpPr>
+            <p:cNvPr id="11" name="Retângulo 10"/>
+            <p:cNvSpPr/>
+            <p:nvPr/>
+          </p:nvSpPr>
+          <p:spPr>
+            <a:xfrm>
+              <a:off x="1259632" y="3132584"/>
+              <a:ext cx="2160240" cy="605283"/>
+            </a:xfrm>
+            <a:prstGeom prst="rect">
+              <a:avLst/>
+            </a:prstGeom>
+            <a:solidFill>
+              <a:schemeClr val="bg1"/>
+            </a:solidFill>
+            <a:ln w="25400">
+              <a:solidFill>
+                <a:schemeClr val="tx1"/>
+              </a:solidFill>
+            </a:ln>
+          </p:spPr>
+          <p:style>
+            <a:lnRef idx="2">
+              <a:schemeClr val="accent1">
+                <a:shade val="50000"/>
+              </a:schemeClr>
+            </a:lnRef>
+            <a:fillRef idx="1">
+              <a:schemeClr val="accent1"/>
+            </a:fillRef>
+            <a:effectRef idx="0">
+              <a:schemeClr val="accent1"/>
+            </a:effectRef>
+            <a:fontRef idx="minor">
+              <a:schemeClr val="lt1"/>
+            </a:fontRef>
+          </p:style>
+          <p:txBody>
+            <a:bodyPr rtlCol="0" anchor="ctr"/>
+            <a:lstStyle/>
+            <a:p>
+              <a:pPr algn="ctr"/>
+              <a:r>
+                <a:rPr lang="pt-BR" sz="1400" dirty="0" err="1" smtClean="0">
+                  <a:solidFill>
+                    <a:schemeClr val="tx1"/>
+                  </a:solidFill>
+                </a:rPr>
+                <a:t>Controller</a:t>
+              </a:r>
+              <a:endParaRPr lang="pt-BR" sz="1400" dirty="0">
+                <a:solidFill>
+                  <a:schemeClr val="tx1"/>
+                </a:solidFill>
+              </a:endParaRPr>
+            </a:p>
+          </p:txBody>
+        </p:sp>
+      </p:grpSp>
+      <p:grpSp>
+        <p:nvGrpSpPr>
+          <p:cNvPr id="12" name="Grupo 11"/>
+          <p:cNvGrpSpPr/>
+          <p:nvPr/>
+        </p:nvGrpSpPr>
+        <p:grpSpPr>
+          <a:xfrm>
+            <a:off x="4716016" y="3217637"/>
+            <a:ext cx="1944216" cy="2168624"/>
+            <a:chOff x="1259632" y="3132584"/>
+            <a:chExt cx="2160240" cy="2816696"/>
+          </a:xfrm>
+        </p:grpSpPr>
+        <p:sp>
+          <p:nvSpPr>
+            <p:cNvPr id="13" name="Retângulo 12"/>
+            <p:cNvSpPr/>
+            <p:nvPr/>
+          </p:nvSpPr>
+          <p:spPr>
+            <a:xfrm>
+              <a:off x="1259632" y="3573016"/>
+              <a:ext cx="2160240" cy="2376264"/>
+            </a:xfrm>
+            <a:prstGeom prst="rect">
+              <a:avLst/>
+            </a:prstGeom>
+            <a:solidFill>
+              <a:schemeClr val="bg1"/>
+            </a:solidFill>
+            <a:ln w="25400">
+              <a:solidFill>
+                <a:schemeClr val="tx1"/>
+              </a:solidFill>
+            </a:ln>
+          </p:spPr>
+          <p:style>
+            <a:lnRef idx="2">
+              <a:schemeClr val="accent1">
+                <a:shade val="50000"/>
+              </a:schemeClr>
+            </a:lnRef>
+            <a:fillRef idx="1">
+              <a:schemeClr val="accent1"/>
+            </a:fillRef>
+            <a:effectRef idx="0">
+              <a:schemeClr val="accent1"/>
+            </a:effectRef>
+            <a:fontRef idx="minor">
+              <a:schemeClr val="lt1"/>
+            </a:fontRef>
+          </p:style>
+          <p:txBody>
+            <a:bodyPr rtlCol="0" anchor="ctr"/>
+            <a:lstStyle/>
+            <a:p>
+              <a:pPr algn="ctr"/>
+              <a:r>
+                <a:rPr lang="pt-BR" sz="1400" dirty="0" err="1" smtClean="0">
+                  <a:solidFill>
+                    <a:schemeClr val="tx1"/>
+                  </a:solidFill>
+                </a:rPr>
+                <a:t>Initializes</a:t>
+              </a:r>
+              <a:r>
+                <a:rPr lang="pt-BR" sz="1400" dirty="0" smtClean="0">
+                  <a:solidFill>
+                    <a:schemeClr val="tx1"/>
+                  </a:solidFill>
+                </a:rPr>
+                <a:t> </a:t>
+              </a:r>
+              <a:r>
+                <a:rPr lang="pt-BR" sz="1400" dirty="0" err="1" smtClean="0">
+                  <a:solidFill>
+                    <a:schemeClr val="tx1"/>
+                  </a:solidFill>
+                </a:rPr>
+                <a:t>the</a:t>
+              </a:r>
+              <a:r>
+                <a:rPr lang="pt-BR" sz="1400" dirty="0" smtClean="0">
+                  <a:solidFill>
+                    <a:schemeClr val="tx1"/>
+                  </a:solidFill>
+                </a:rPr>
+                <a:t> </a:t>
+              </a:r>
+              <a:r>
+                <a:rPr lang="pt-BR" sz="1400" dirty="0" err="1" smtClean="0">
+                  <a:solidFill>
+                    <a:schemeClr val="tx1"/>
+                  </a:solidFill>
+                </a:rPr>
+                <a:t>model</a:t>
+              </a:r>
+              <a:r>
+                <a:rPr lang="pt-BR" sz="1400" dirty="0" smtClean="0">
+                  <a:solidFill>
+                    <a:schemeClr val="tx1"/>
+                  </a:solidFill>
+                </a:rPr>
+                <a:t>, </a:t>
+              </a:r>
+              <a:r>
+                <a:rPr lang="pt-BR" sz="1400" dirty="0" err="1" smtClean="0">
+                  <a:solidFill>
+                    <a:schemeClr val="tx1"/>
+                  </a:solidFill>
+                </a:rPr>
+                <a:t>perform</a:t>
+              </a:r>
+              <a:r>
+                <a:rPr lang="pt-BR" sz="1400" dirty="0" smtClean="0">
+                  <a:solidFill>
+                    <a:schemeClr val="tx1"/>
+                  </a:solidFill>
+                </a:rPr>
+                <a:t> </a:t>
+              </a:r>
+              <a:r>
+                <a:rPr lang="pt-BR" sz="1400" dirty="0" err="1" smtClean="0">
+                  <a:solidFill>
+                    <a:schemeClr val="tx1"/>
+                  </a:solidFill>
+                </a:rPr>
+                <a:t>simulation</a:t>
+              </a:r>
+              <a:r>
+                <a:rPr lang="pt-BR" sz="1400" dirty="0" smtClean="0">
+                  <a:solidFill>
+                    <a:schemeClr val="tx1"/>
+                  </a:solidFill>
+                </a:rPr>
+                <a:t> </a:t>
+              </a:r>
+              <a:r>
+                <a:rPr lang="pt-BR" sz="1400" dirty="0" err="1" smtClean="0">
+                  <a:solidFill>
+                    <a:schemeClr val="tx1"/>
+                  </a:solidFill>
+                </a:rPr>
+                <a:t>steps</a:t>
+              </a:r>
+              <a:r>
+                <a:rPr lang="pt-BR" sz="1400" dirty="0" smtClean="0">
+                  <a:solidFill>
+                    <a:schemeClr val="tx1"/>
+                  </a:solidFill>
+                </a:rPr>
+                <a:t> </a:t>
+              </a:r>
+              <a:r>
+                <a:rPr lang="pt-BR" sz="1400" dirty="0" err="1" smtClean="0">
+                  <a:solidFill>
+                    <a:schemeClr val="tx1"/>
+                  </a:solidFill>
+                </a:rPr>
+                <a:t>and</a:t>
+              </a:r>
+              <a:r>
+                <a:rPr lang="pt-BR" sz="1400" dirty="0" smtClean="0">
+                  <a:solidFill>
+                    <a:schemeClr val="tx1"/>
+                  </a:solidFill>
+                </a:rPr>
+                <a:t> </a:t>
+              </a:r>
+              <a:r>
+                <a:rPr lang="pt-BR" sz="1400" dirty="0" err="1" smtClean="0">
+                  <a:solidFill>
+                    <a:schemeClr val="tx1"/>
+                  </a:solidFill>
+                </a:rPr>
+                <a:t>finishes</a:t>
+              </a:r>
+              <a:r>
+                <a:rPr lang="pt-BR" sz="1400" dirty="0" smtClean="0">
+                  <a:solidFill>
+                    <a:schemeClr val="tx1"/>
+                  </a:solidFill>
+                </a:rPr>
+                <a:t> </a:t>
+              </a:r>
+              <a:r>
+                <a:rPr lang="pt-BR" sz="1400" dirty="0" err="1" smtClean="0">
+                  <a:solidFill>
+                    <a:schemeClr val="tx1"/>
+                  </a:solidFill>
+                </a:rPr>
+                <a:t>simulation</a:t>
+              </a:r>
+              <a:endParaRPr lang="pt-BR" sz="1400" dirty="0">
+                <a:solidFill>
+                  <a:schemeClr val="tx1"/>
+                </a:solidFill>
+              </a:endParaRPr>
+            </a:p>
+          </p:txBody>
+        </p:sp>
+        <p:sp>
+          <p:nvSpPr>
+            <p:cNvPr id="14" name="Retângulo 13"/>
+            <p:cNvSpPr/>
+            <p:nvPr/>
+          </p:nvSpPr>
+          <p:spPr>
+            <a:xfrm>
+              <a:off x="1259632" y="3132584"/>
+              <a:ext cx="2160240" cy="605283"/>
+            </a:xfrm>
+            <a:prstGeom prst="rect">
+              <a:avLst/>
+            </a:prstGeom>
+            <a:solidFill>
+              <a:schemeClr val="bg1"/>
+            </a:solidFill>
+            <a:ln w="25400">
+              <a:solidFill>
+                <a:schemeClr val="tx1"/>
+              </a:solidFill>
+            </a:ln>
+          </p:spPr>
+          <p:style>
+            <a:lnRef idx="2">
+              <a:schemeClr val="accent1">
+                <a:shade val="50000"/>
+              </a:schemeClr>
+            </a:lnRef>
+            <a:fillRef idx="1">
+              <a:schemeClr val="accent1"/>
+            </a:fillRef>
+            <a:effectRef idx="0">
+              <a:schemeClr val="accent1"/>
+            </a:effectRef>
+            <a:fontRef idx="minor">
+              <a:schemeClr val="lt1"/>
+            </a:fontRef>
+          </p:style>
+          <p:txBody>
+            <a:bodyPr rtlCol="0" anchor="ctr"/>
+            <a:lstStyle/>
+            <a:p>
+              <a:pPr algn="ctr"/>
+              <a:r>
+                <a:rPr lang="pt-BR" sz="1400" dirty="0" err="1" smtClean="0">
+                  <a:solidFill>
+                    <a:schemeClr val="tx1"/>
+                  </a:solidFill>
+                </a:rPr>
+                <a:t>SimulationThread</a:t>
+              </a:r>
+              <a:endParaRPr lang="pt-BR" sz="1400" dirty="0">
+                <a:solidFill>
+                  <a:schemeClr val="tx1"/>
+                </a:solidFill>
+              </a:endParaRPr>
+            </a:p>
+          </p:txBody>
+        </p:sp>
+      </p:grpSp>
+      <p:grpSp>
+        <p:nvGrpSpPr>
+          <p:cNvPr id="15" name="Grupo 14"/>
+          <p:cNvGrpSpPr/>
+          <p:nvPr/>
+        </p:nvGrpSpPr>
+        <p:grpSpPr>
+          <a:xfrm>
+            <a:off x="7092280" y="3222670"/>
+            <a:ext cx="1944216" cy="2168624"/>
+            <a:chOff x="1259632" y="3132584"/>
+            <a:chExt cx="2160240" cy="2816696"/>
+          </a:xfrm>
+        </p:grpSpPr>
+        <p:sp>
+          <p:nvSpPr>
+            <p:cNvPr id="16" name="Retângulo 15"/>
+            <p:cNvSpPr/>
+            <p:nvPr/>
+          </p:nvSpPr>
+          <p:spPr>
+            <a:xfrm>
+              <a:off x="1259632" y="3573016"/>
+              <a:ext cx="2160240" cy="2376264"/>
+            </a:xfrm>
+            <a:prstGeom prst="rect">
+              <a:avLst/>
+            </a:prstGeom>
+            <a:solidFill>
+              <a:schemeClr val="bg1"/>
+            </a:solidFill>
+            <a:ln w="25400">
+              <a:solidFill>
+                <a:schemeClr val="tx1"/>
+              </a:solidFill>
+            </a:ln>
+          </p:spPr>
+          <p:style>
+            <a:lnRef idx="2">
+              <a:schemeClr val="accent1">
+                <a:shade val="50000"/>
+              </a:schemeClr>
+            </a:lnRef>
+            <a:fillRef idx="1">
+              <a:schemeClr val="accent1"/>
+            </a:fillRef>
+            <a:effectRef idx="0">
+              <a:schemeClr val="accent1"/>
+            </a:effectRef>
+            <a:fontRef idx="minor">
+              <a:schemeClr val="lt1"/>
+            </a:fontRef>
+          </p:style>
+          <p:txBody>
+            <a:bodyPr rtlCol="0" anchor="ctr"/>
+            <a:lstStyle/>
+            <a:p>
+              <a:pPr algn="ctr"/>
+              <a:r>
+                <a:rPr lang="pt-BR" sz="1400" dirty="0" err="1" smtClean="0">
+                  <a:solidFill>
+                    <a:schemeClr val="tx1"/>
+                  </a:solidFill>
+                </a:rPr>
+                <a:t>Contains</a:t>
+              </a:r>
+              <a:r>
+                <a:rPr lang="pt-BR" sz="1400" dirty="0" smtClean="0">
+                  <a:solidFill>
+                    <a:schemeClr val="tx1"/>
+                  </a:solidFill>
+                </a:rPr>
+                <a:t> a </a:t>
+              </a:r>
+              <a:r>
+                <a:rPr lang="pt-BR" sz="1400" dirty="0" err="1" smtClean="0">
+                  <a:solidFill>
+                    <a:schemeClr val="tx1"/>
+                  </a:solidFill>
+                </a:rPr>
+                <a:t>reference</a:t>
+              </a:r>
+              <a:r>
+                <a:rPr lang="pt-BR" sz="1400" dirty="0" smtClean="0">
+                  <a:solidFill>
+                    <a:schemeClr val="tx1"/>
+                  </a:solidFill>
+                </a:rPr>
+                <a:t> </a:t>
+              </a:r>
+              <a:r>
+                <a:rPr lang="pt-BR" sz="1400" dirty="0" err="1" smtClean="0">
+                  <a:solidFill>
+                    <a:schemeClr val="tx1"/>
+                  </a:solidFill>
+                </a:rPr>
+                <a:t>to</a:t>
+              </a:r>
+              <a:r>
+                <a:rPr lang="pt-BR" sz="1400" dirty="0" smtClean="0">
+                  <a:solidFill>
+                    <a:schemeClr val="tx1"/>
+                  </a:solidFill>
+                </a:rPr>
+                <a:t> </a:t>
+              </a:r>
+              <a:r>
+                <a:rPr lang="pt-BR" sz="1400" dirty="0" err="1" smtClean="0">
+                  <a:solidFill>
+                    <a:schemeClr val="tx1"/>
+                  </a:solidFill>
+                </a:rPr>
+                <a:t>the</a:t>
+              </a:r>
+              <a:r>
+                <a:rPr lang="pt-BR" sz="1400" dirty="0" smtClean="0">
+                  <a:solidFill>
+                    <a:schemeClr val="tx1"/>
+                  </a:solidFill>
+                </a:rPr>
+                <a:t> </a:t>
+              </a:r>
+              <a:r>
+                <a:rPr lang="pt-BR" sz="1400" dirty="0" err="1" smtClean="0">
+                  <a:solidFill>
+                    <a:schemeClr val="tx1"/>
+                  </a:solidFill>
+                </a:rPr>
+                <a:t>DownlinkManager</a:t>
+              </a:r>
+              <a:r>
+                <a:rPr lang="pt-BR" sz="1400" dirty="0" smtClean="0">
+                  <a:solidFill>
+                    <a:schemeClr val="tx1"/>
+                  </a:solidFill>
+                </a:rPr>
+                <a:t>, </a:t>
+              </a:r>
+              <a:r>
+                <a:rPr lang="pt-BR" sz="1400" dirty="0" err="1" smtClean="0">
+                  <a:solidFill>
+                    <a:schemeClr val="tx1"/>
+                  </a:solidFill>
+                </a:rPr>
+                <a:t>which</a:t>
+              </a:r>
+              <a:r>
+                <a:rPr lang="pt-BR" sz="1400" dirty="0" smtClean="0">
+                  <a:solidFill>
+                    <a:schemeClr val="tx1"/>
+                  </a:solidFill>
+                </a:rPr>
+                <a:t> </a:t>
+              </a:r>
+              <a:r>
+                <a:rPr lang="pt-BR" sz="1400" dirty="0" err="1" smtClean="0">
+                  <a:solidFill>
+                    <a:schemeClr val="tx1"/>
+                  </a:solidFill>
+                </a:rPr>
+                <a:t>actually</a:t>
+              </a:r>
+              <a:r>
+                <a:rPr lang="pt-BR" sz="1400" dirty="0" smtClean="0">
+                  <a:solidFill>
+                    <a:schemeClr val="tx1"/>
+                  </a:solidFill>
+                </a:rPr>
+                <a:t> </a:t>
+              </a:r>
+              <a:r>
+                <a:rPr lang="pt-BR" sz="1400" dirty="0" err="1" smtClean="0">
+                  <a:solidFill>
+                    <a:schemeClr val="tx1"/>
+                  </a:solidFill>
+                </a:rPr>
+                <a:t>implements</a:t>
+              </a:r>
+              <a:r>
+                <a:rPr lang="pt-BR" sz="1400" dirty="0" smtClean="0">
+                  <a:solidFill>
+                    <a:schemeClr val="tx1"/>
+                  </a:solidFill>
+                </a:rPr>
+                <a:t> </a:t>
+              </a:r>
+              <a:r>
+                <a:rPr lang="pt-BR" sz="1400" dirty="0" err="1" smtClean="0">
+                  <a:solidFill>
+                    <a:schemeClr val="tx1"/>
+                  </a:solidFill>
+                </a:rPr>
+                <a:t>the</a:t>
+              </a:r>
+              <a:r>
+                <a:rPr lang="pt-BR" sz="1400" dirty="0" smtClean="0">
+                  <a:solidFill>
+                    <a:schemeClr val="tx1"/>
+                  </a:solidFill>
+                </a:rPr>
+                <a:t> </a:t>
+              </a:r>
+              <a:r>
+                <a:rPr lang="pt-BR" sz="1400" dirty="0" err="1" smtClean="0">
+                  <a:solidFill>
+                    <a:schemeClr val="tx1"/>
+                  </a:solidFill>
+                </a:rPr>
+                <a:t>simulation</a:t>
+              </a:r>
+              <a:r>
+                <a:rPr lang="pt-BR" sz="1400" dirty="0" smtClean="0">
+                  <a:solidFill>
+                    <a:schemeClr val="tx1"/>
+                  </a:solidFill>
+                </a:rPr>
+                <a:t> </a:t>
+              </a:r>
+              <a:r>
+                <a:rPr lang="pt-BR" sz="1400" dirty="0" err="1" smtClean="0">
+                  <a:solidFill>
+                    <a:schemeClr val="tx1"/>
+                  </a:solidFill>
+                </a:rPr>
+                <a:t>method</a:t>
+              </a:r>
+              <a:endParaRPr lang="pt-BR" sz="1400" dirty="0">
+                <a:solidFill>
+                  <a:schemeClr val="tx1"/>
+                </a:solidFill>
+              </a:endParaRPr>
+            </a:p>
+          </p:txBody>
+        </p:sp>
+        <p:sp>
+          <p:nvSpPr>
+            <p:cNvPr id="17" name="Retângulo 16"/>
+            <p:cNvSpPr/>
+            <p:nvPr/>
+          </p:nvSpPr>
+          <p:spPr>
+            <a:xfrm>
+              <a:off x="1259632" y="3132584"/>
+              <a:ext cx="2160240" cy="605283"/>
+            </a:xfrm>
+            <a:prstGeom prst="rect">
+              <a:avLst/>
+            </a:prstGeom>
+            <a:solidFill>
+              <a:schemeClr val="bg1"/>
+            </a:solidFill>
+            <a:ln w="25400">
+              <a:solidFill>
+                <a:schemeClr val="tx1"/>
+              </a:solidFill>
+            </a:ln>
+          </p:spPr>
+          <p:style>
+            <a:lnRef idx="2">
+              <a:schemeClr val="accent1">
+                <a:shade val="50000"/>
+              </a:schemeClr>
+            </a:lnRef>
+            <a:fillRef idx="1">
+              <a:schemeClr val="accent1"/>
+            </a:fillRef>
+            <a:effectRef idx="0">
+              <a:schemeClr val="accent1"/>
+            </a:effectRef>
+            <a:fontRef idx="minor">
+              <a:schemeClr val="lt1"/>
+            </a:fontRef>
+          </p:style>
+          <p:txBody>
+            <a:bodyPr rtlCol="0" anchor="ctr"/>
+            <a:lstStyle/>
+            <a:p>
+              <a:pPr algn="ctr"/>
+              <a:r>
+                <a:rPr lang="pt-BR" sz="1400" dirty="0" err="1" smtClean="0">
+                  <a:solidFill>
+                    <a:schemeClr val="tx1"/>
+                  </a:solidFill>
+                </a:rPr>
+                <a:t>Model</a:t>
+              </a:r>
+              <a:endParaRPr lang="pt-BR" sz="1400" dirty="0">
+                <a:solidFill>
+                  <a:schemeClr val="tx1"/>
+                </a:solidFill>
+              </a:endParaRPr>
+            </a:p>
+          </p:txBody>
+        </p:sp>
+      </p:grpSp>
+      <p:cxnSp>
+        <p:nvCxnSpPr>
+          <p:cNvPr id="18" name="Conector de seta reta 17"/>
+          <p:cNvCxnSpPr>
+            <a:stCxn id="6" idx="3"/>
+            <a:endCxn id="10" idx="1"/>
+          </p:cNvCxnSpPr>
+          <p:nvPr/>
+        </p:nvCxnSpPr>
+        <p:spPr>
+          <a:xfrm>
+            <a:off x="2051720" y="4466836"/>
+            <a:ext cx="360040" cy="4661"/>
+          </a:xfrm>
+          <a:prstGeom prst="straightConnector1">
+            <a:avLst/>
+          </a:prstGeom>
+          <a:ln w="15875">
+            <a:solidFill>
+              <a:schemeClr val="tx1"/>
+            </a:solidFill>
+            <a:tailEnd type="arrow"/>
+          </a:ln>
+        </p:spPr>
+        <p:style>
+          <a:lnRef idx="1">
+            <a:schemeClr val="accent1"/>
+          </a:lnRef>
+          <a:fillRef idx="0">
+            <a:schemeClr val="accent1"/>
+          </a:fillRef>
+          <a:effectRef idx="0">
+            <a:schemeClr val="accent1"/>
+          </a:effectRef>
+          <a:fontRef idx="minor">
+            <a:schemeClr val="tx1"/>
+          </a:fontRef>
+        </p:style>
+      </p:cxnSp>
+      <p:cxnSp>
+        <p:nvCxnSpPr>
+          <p:cNvPr id="21" name="Conector de seta reta 20"/>
+          <p:cNvCxnSpPr>
+            <a:stCxn id="10" idx="3"/>
+            <a:endCxn id="13" idx="1"/>
+          </p:cNvCxnSpPr>
+          <p:nvPr/>
+        </p:nvCxnSpPr>
+        <p:spPr>
+          <a:xfrm>
+            <a:off x="4355976" y="4471497"/>
+            <a:ext cx="360040" cy="0"/>
+          </a:xfrm>
+          <a:prstGeom prst="straightConnector1">
+            <a:avLst/>
+          </a:prstGeom>
+          <a:ln w="15875">
+            <a:solidFill>
+              <a:schemeClr val="tx1"/>
+            </a:solidFill>
+            <a:tailEnd type="arrow"/>
+          </a:ln>
+        </p:spPr>
+        <p:style>
+          <a:lnRef idx="1">
+            <a:schemeClr val="accent1"/>
+          </a:lnRef>
+          <a:fillRef idx="0">
+            <a:schemeClr val="accent1"/>
+          </a:fillRef>
+          <a:effectRef idx="0">
+            <a:schemeClr val="accent1"/>
+          </a:effectRef>
+          <a:fontRef idx="minor">
+            <a:schemeClr val="tx1"/>
+          </a:fontRef>
+        </p:style>
+      </p:cxnSp>
+      <p:cxnSp>
+        <p:nvCxnSpPr>
+          <p:cNvPr id="24" name="Conector de seta reta 23"/>
+          <p:cNvCxnSpPr>
+            <a:stCxn id="13" idx="3"/>
+            <a:endCxn id="16" idx="1"/>
+          </p:cNvCxnSpPr>
+          <p:nvPr/>
+        </p:nvCxnSpPr>
+        <p:spPr>
+          <a:xfrm>
+            <a:off x="6660232" y="4471497"/>
+            <a:ext cx="432048" cy="5033"/>
+          </a:xfrm>
+          <a:prstGeom prst="straightConnector1">
+            <a:avLst/>
+          </a:prstGeom>
+          <a:ln w="15875">
+            <a:solidFill>
+              <a:schemeClr val="tx1"/>
+            </a:solidFill>
+            <a:tailEnd type="arrow"/>
+          </a:ln>
+        </p:spPr>
+        <p:style>
+          <a:lnRef idx="1">
+            <a:schemeClr val="accent1"/>
+          </a:lnRef>
+          <a:fillRef idx="0">
+            <a:schemeClr val="accent1"/>
+          </a:fillRef>
+          <a:effectRef idx="0">
+            <a:schemeClr val="accent1"/>
+          </a:effectRef>
+          <a:fontRef idx="minor">
+            <a:schemeClr val="tx1"/>
+          </a:fontRef>
+        </p:style>
+      </p:cxnSp>
+    </p:spTree>
+    <p:extLst>
+      <p:ext uri="{BB962C8B-B14F-4D97-AF65-F5344CB8AC3E}">
+        <p14:creationId xmlns:p14="http://schemas.microsoft.com/office/powerpoint/2010/main" val="1506805626"/>
+      </p:ext>
+    </p:extLst>
+  </p:cSld>
+  <p:clrMapOvr>
+    <a:masterClrMapping/>
+  </p:clrMapOvr>
+  <p:timing>
+    <p:tnLst>
+      <p:par>
+        <p:cTn id="1" dur="indefinite" restart="never" nodeType="tmRoot">
+          <p:childTnLst>
+            <p:seq concurrent="1" nextAc="seek">
+              <p:cTn id="2" dur="indefinite" nodeType="mainSeq">
+                <p:childTnLst>
+                  <p:par>
+                    <p:cTn id="3" fill="hold">
+                      <p:stCondLst>
+                        <p:cond delay="indefinite"/>
+                      </p:stCondLst>
+                      <p:childTnLst>
+                        <p:par>
+                          <p:cTn id="4" fill="hold">
+                            <p:stCondLst>
+                              <p:cond delay="0"/>
+                            </p:stCondLst>
+                            <p:childTnLst>
+                              <p:par>
+                                <p:cTn id="5" presetID="1" presetClass="entr" presetSubtype="0" fill="hold" nodeType="clickEffect">
+                                  <p:stCondLst>
+                                    <p:cond delay="0"/>
+                                  </p:stCondLst>
+                                  <p:childTnLst>
+                                    <p:set>
+                                      <p:cBhvr>
+                                        <p:cTn id="6" dur="1" fill="hold">
+                                          <p:stCondLst>
+                                            <p:cond delay="0"/>
+                                          </p:stCondLst>
+                                        </p:cTn>
+                                        <p:tgtEl>
+                                          <p:spTgt spid="18"/>
+                                        </p:tgtEl>
+                                        <p:attrNameLst>
+                                          <p:attrName>style.visibility</p:attrName>
+                                        </p:attrNameLst>
+                                      </p:cBhvr>
+                                      <p:to>
+                                        <p:strVal val="visible"/>
+                                      </p:to>
+                                    </p:set>
+                                  </p:childTnLst>
+                                </p:cTn>
+                              </p:par>
+                            </p:childTnLst>
+                          </p:cTn>
+                        </p:par>
+                      </p:childTnLst>
+                    </p:cTn>
+                  </p:par>
+                  <p:par>
+                    <p:cTn id="7" fill="hold">
+                      <p:stCondLst>
+                        <p:cond delay="indefinite"/>
+                      </p:stCondLst>
+                      <p:childTnLst>
+                        <p:par>
+                          <p:cTn id="8" fill="hold">
+                            <p:stCondLst>
+                              <p:cond delay="0"/>
+                            </p:stCondLst>
+                            <p:childTnLst>
+                              <p:par>
+                                <p:cTn id="9" presetID="1" presetClass="entr" presetSubtype="0" fill="hold" nodeType="clickEffect">
+                                  <p:stCondLst>
+                                    <p:cond delay="0"/>
+                                  </p:stCondLst>
+                                  <p:childTnLst>
+                                    <p:set>
+                                      <p:cBhvr>
+                                        <p:cTn id="10" dur="1" fill="hold">
+                                          <p:stCondLst>
+                                            <p:cond delay="0"/>
+                                          </p:stCondLst>
+                                        </p:cTn>
+                                        <p:tgtEl>
+                                          <p:spTgt spid="21"/>
+                                        </p:tgtEl>
+                                        <p:attrNameLst>
+                                          <p:attrName>style.visibility</p:attrName>
+                                        </p:attrNameLst>
+                                      </p:cBhvr>
+                                      <p:to>
+                                        <p:strVal val="visible"/>
+                                      </p:to>
+                                    </p:set>
+                                  </p:childTnLst>
+                                </p:cTn>
+                              </p:par>
+                            </p:childTnLst>
+                          </p:cTn>
+                        </p:par>
+                      </p:childTnLst>
+                    </p:cTn>
+                  </p:par>
+                  <p:par>
+                    <p:cTn id="11" fill="hold">
+                      <p:stCondLst>
+                        <p:cond delay="indefinite"/>
+                      </p:stCondLst>
+                      <p:childTnLst>
+                        <p:par>
+                          <p:cTn id="12" fill="hold">
+                            <p:stCondLst>
+                              <p:cond delay="0"/>
+                            </p:stCondLst>
+                            <p:childTnLst>
+                              <p:par>
+                                <p:cTn id="13" presetID="1" presetClass="entr" presetSubtype="0" fill="hold" nodeType="clickEffect">
+                                  <p:stCondLst>
+                                    <p:cond delay="0"/>
+                                  </p:stCondLst>
+                                  <p:childTnLst>
+                                    <p:set>
+                                      <p:cBhvr>
+                                        <p:cTn id="14" dur="1" fill="hold">
+                                          <p:stCondLst>
+                                            <p:cond delay="0"/>
+                                          </p:stCondLst>
+                                        </p:cTn>
+                                        <p:tgtEl>
+                                          <p:spTgt spid="24"/>
+                                        </p:tgtEl>
+                                        <p:attrNameLst>
+                                          <p:attrName>style.visibility</p:attrName>
+                                        </p:attrNameLst>
+                                      </p:cBhvr>
+                                      <p:to>
+                                        <p:strVal val="visible"/>
+                                      </p:to>
+                                    </p:set>
+                                  </p:childTnLst>
+                                </p:cTn>
+                              </p:par>
+                            </p:childTnLst>
+                          </p:cTn>
+                        </p:par>
+                      </p:childTnLst>
+                    </p:cTn>
+                  </p:par>
+                </p:childTnLst>
+              </p:cTn>
+              <p:prevCondLst>
+                <p:cond evt="onPrev" delay="0">
+                  <p:tgtEl>
+                    <p:sldTgt/>
+                  </p:tgtEl>
+                </p:cond>
+              </p:prevCondLst>
+              <p:nextCondLst>
+                <p:cond evt="onNext" delay="0">
+                  <p:tgtEl>
+                    <p:sldTgt/>
+                  </p:tgtEl>
+                </p:cond>
+              </p:nextCondLst>
+            </p:seq>
+          </p:childTnLst>
+        </p:cTn>
+      </p:par>
+    </p:tnLst>
+  </p:timing>
+</p:sld>
+</file>
+
 <file path=ppt/slides/slide8.xml><?xml version="1.0" encoding="utf-8"?>
 <p:sld xmlns:a="http://schemas.openxmlformats.org/drawingml/2006/main" xmlns:r="http://schemas.openxmlformats.org/officeDocument/2006/relationships" xmlns:p="http://schemas.openxmlformats.org/presentationml/2006/main">
   <p:cSld>
@@ -5682,103 +10083,499 @@
           <a:p>
             <a:r>
               <a:rPr lang="pt-BR" dirty="0" smtClean="0"/>
-              <a:t>Project </a:t>
-            </a:r>
-            <a:r>
-              <a:rPr lang="pt-BR" dirty="0" err="1" smtClean="0"/>
-              <a:t>tracking</a:t>
+              <a:t>IMT </a:t>
+            </a:r>
+            <a:r>
+              <a:rPr lang="pt-BR" dirty="0" err="1" smtClean="0"/>
+              <a:t>downlink</a:t>
+            </a:r>
+            <a:r>
+              <a:rPr lang="pt-BR" dirty="0" smtClean="0"/>
+              <a:t> </a:t>
+            </a:r>
+            <a:r>
+              <a:rPr lang="pt-BR" dirty="0" err="1" smtClean="0"/>
+              <a:t>simulation</a:t>
+            </a:r>
+            <a:r>
+              <a:rPr lang="pt-BR" dirty="0" smtClean="0"/>
+              <a:t> </a:t>
+            </a:r>
+            <a:r>
+              <a:rPr lang="pt-BR" dirty="0" err="1" smtClean="0"/>
+              <a:t>method</a:t>
             </a:r>
             <a:endParaRPr lang="pt-BR" dirty="0"/>
           </a:p>
         </p:txBody>
       </p:sp>
+      <p:pic>
+        <p:nvPicPr>
+          <p:cNvPr id="4" name="Picture 901"/>
+          <p:cNvPicPr>
+            <a:picLocks noChangeAspect="1"/>
+          </p:cNvPicPr>
+          <p:nvPr/>
+        </p:nvPicPr>
+        <p:blipFill>
+          <a:blip r:embed="rId2" cstate="print">
+            <a:extLst>
+              <a:ext uri="{28A0092B-C50C-407E-A947-70E740481C1C}">
+                <a14:useLocalDpi xmlns:a14="http://schemas.microsoft.com/office/drawing/2010/main" val="0"/>
+              </a:ext>
+            </a:extLst>
+          </a:blip>
+          <a:srcRect/>
+          <a:stretch>
+            <a:fillRect/>
+          </a:stretch>
+        </p:blipFill>
+        <p:spPr bwMode="auto">
+          <a:xfrm>
+            <a:off x="107504" y="1327644"/>
+            <a:ext cx="3960440" cy="5507972"/>
+          </a:xfrm>
+          <a:prstGeom prst="rect">
+            <a:avLst/>
+          </a:prstGeom>
+          <a:noFill/>
+        </p:spPr>
+      </p:pic>
+      <p:pic>
+        <p:nvPicPr>
+          <p:cNvPr id="5" name="Picture 2"/>
+          <p:cNvPicPr>
+            <a:picLocks noChangeAspect="1" noChangeArrowheads="1"/>
+          </p:cNvPicPr>
+          <p:nvPr/>
+        </p:nvPicPr>
+        <p:blipFill>
+          <a:blip r:embed="rId3">
+            <a:extLst>
+              <a:ext uri="{28A0092B-C50C-407E-A947-70E740481C1C}">
+                <a14:useLocalDpi xmlns:a14="http://schemas.microsoft.com/office/drawing/2010/main" val="0"/>
+              </a:ext>
+            </a:extLst>
+          </a:blip>
+          <a:srcRect/>
+          <a:stretch>
+            <a:fillRect/>
+          </a:stretch>
+        </p:blipFill>
+        <p:spPr bwMode="auto">
+          <a:xfrm>
+            <a:off x="6156176" y="1556792"/>
+            <a:ext cx="2520280" cy="4787382"/>
+          </a:xfrm>
+          <a:prstGeom prst="rect">
+            <a:avLst/>
+          </a:prstGeom>
+          <a:noFill/>
+          <a:ln w="9525">
+            <a:solidFill>
+              <a:schemeClr val="tx1"/>
+            </a:solidFill>
+            <a:miter lim="800000"/>
+            <a:headEnd/>
+            <a:tailEnd/>
+          </a:ln>
+          <a:effectLst/>
+          <a:extLst>
+            <a:ext uri="{909E8E84-426E-40DD-AFC4-6F175D3DCCD1}">
+              <a14:hiddenFill xmlns:a14="http://schemas.microsoft.com/office/drawing/2010/main">
+                <a:solidFill>
+                  <a:schemeClr val="accent1"/>
+                </a:solidFill>
+              </a14:hiddenFill>
+            </a:ext>
+            <a:ext uri="{AF507438-7753-43E0-B8FC-AC1667EBCBE1}">
+              <a14:hiddenEffects xmlns:a14="http://schemas.microsoft.com/office/drawing/2010/main">
+                <a:effectLst>
+                  <a:outerShdw dist="35921" dir="2700000" algn="ctr" rotWithShape="0">
+                    <a:schemeClr val="bg2"/>
+                  </a:outerShdw>
+                </a:effectLst>
+              </a14:hiddenEffects>
+            </a:ext>
+          </a:extLst>
+        </p:spPr>
+      </p:pic>
+      <p:cxnSp>
+        <p:nvCxnSpPr>
+          <p:cNvPr id="7" name="Conector de seta reta 6"/>
+          <p:cNvCxnSpPr/>
+          <p:nvPr/>
+        </p:nvCxnSpPr>
+        <p:spPr>
+          <a:xfrm>
+            <a:off x="2483768" y="1844824"/>
+            <a:ext cx="3672408" cy="0"/>
+          </a:xfrm>
+          <a:prstGeom prst="straightConnector1">
+            <a:avLst/>
+          </a:prstGeom>
+          <a:ln w="15875">
+            <a:solidFill>
+              <a:schemeClr val="tx1"/>
+            </a:solidFill>
+            <a:tailEnd type="arrow"/>
+          </a:ln>
+        </p:spPr>
+        <p:style>
+          <a:lnRef idx="1">
+            <a:schemeClr val="accent1"/>
+          </a:lnRef>
+          <a:fillRef idx="0">
+            <a:schemeClr val="accent1"/>
+          </a:fillRef>
+          <a:effectRef idx="0">
+            <a:schemeClr val="accent1"/>
+          </a:effectRef>
+          <a:fontRef idx="minor">
+            <a:schemeClr val="tx1"/>
+          </a:fontRef>
+        </p:style>
+      </p:cxnSp>
+      <p:cxnSp>
+        <p:nvCxnSpPr>
+          <p:cNvPr id="8" name="Conector de seta reta 7"/>
+          <p:cNvCxnSpPr/>
+          <p:nvPr/>
+        </p:nvCxnSpPr>
+        <p:spPr>
+          <a:xfrm>
+            <a:off x="2411760" y="2204864"/>
+            <a:ext cx="3960440" cy="3384376"/>
+          </a:xfrm>
+          <a:prstGeom prst="straightConnector1">
+            <a:avLst/>
+          </a:prstGeom>
+          <a:ln w="15875">
+            <a:solidFill>
+              <a:schemeClr val="tx1"/>
+            </a:solidFill>
+            <a:tailEnd type="arrow"/>
+          </a:ln>
+        </p:spPr>
+        <p:style>
+          <a:lnRef idx="1">
+            <a:schemeClr val="accent1"/>
+          </a:lnRef>
+          <a:fillRef idx="0">
+            <a:schemeClr val="accent1"/>
+          </a:fillRef>
+          <a:effectRef idx="0">
+            <a:schemeClr val="accent1"/>
+          </a:effectRef>
+          <a:fontRef idx="minor">
+            <a:schemeClr val="tx1"/>
+          </a:fontRef>
+        </p:style>
+      </p:cxnSp>
+      <p:cxnSp>
+        <p:nvCxnSpPr>
+          <p:cNvPr id="11" name="Conector de seta reta 10"/>
+          <p:cNvCxnSpPr/>
+          <p:nvPr/>
+        </p:nvCxnSpPr>
+        <p:spPr>
+          <a:xfrm>
+            <a:off x="1691680" y="4221088"/>
+            <a:ext cx="4680520" cy="1368152"/>
+          </a:xfrm>
+          <a:prstGeom prst="straightConnector1">
+            <a:avLst/>
+          </a:prstGeom>
+          <a:ln w="15875">
+            <a:solidFill>
+              <a:schemeClr val="tx1"/>
+            </a:solidFill>
+            <a:tailEnd type="arrow"/>
+          </a:ln>
+        </p:spPr>
+        <p:style>
+          <a:lnRef idx="1">
+            <a:schemeClr val="accent1"/>
+          </a:lnRef>
+          <a:fillRef idx="0">
+            <a:schemeClr val="accent1"/>
+          </a:fillRef>
+          <a:effectRef idx="0">
+            <a:schemeClr val="accent1"/>
+          </a:effectRef>
+          <a:fontRef idx="minor">
+            <a:schemeClr val="tx1"/>
+          </a:fontRef>
+        </p:style>
+      </p:cxnSp>
+      <p:cxnSp>
+        <p:nvCxnSpPr>
+          <p:cNvPr id="14" name="Conector de seta reta 13"/>
+          <p:cNvCxnSpPr/>
+          <p:nvPr/>
+        </p:nvCxnSpPr>
+        <p:spPr>
+          <a:xfrm>
+            <a:off x="1691680" y="4653136"/>
+            <a:ext cx="4680520" cy="288032"/>
+          </a:xfrm>
+          <a:prstGeom prst="straightConnector1">
+            <a:avLst/>
+          </a:prstGeom>
+          <a:ln w="15875">
+            <a:solidFill>
+              <a:schemeClr val="tx1"/>
+            </a:solidFill>
+            <a:tailEnd type="arrow"/>
+          </a:ln>
+        </p:spPr>
+        <p:style>
+          <a:lnRef idx="1">
+            <a:schemeClr val="accent1"/>
+          </a:lnRef>
+          <a:fillRef idx="0">
+            <a:schemeClr val="accent1"/>
+          </a:fillRef>
+          <a:effectRef idx="0">
+            <a:schemeClr val="accent1"/>
+          </a:effectRef>
+          <a:fontRef idx="minor">
+            <a:schemeClr val="tx1"/>
+          </a:fontRef>
+        </p:style>
+      </p:cxnSp>
       <p:sp>
         <p:nvSpPr>
-          <p:cNvPr id="3" name="Espaço Reservado para Conteúdo 2"/>
-          <p:cNvSpPr>
-            <a:spLocks noGrp="1"/>
-          </p:cNvSpPr>
-          <p:nvPr>
-            <p:ph idx="1"/>
-          </p:nvPr>
+          <p:cNvPr id="17" name="CaixaDeTexto 16"/>
+          <p:cNvSpPr txBox="1"/>
+          <p:nvPr/>
         </p:nvSpPr>
-        <p:spPr/>
+        <p:spPr>
+          <a:xfrm>
+            <a:off x="6156176" y="6453336"/>
+            <a:ext cx="2520280" cy="369332"/>
+          </a:xfrm>
+          <a:prstGeom prst="rect">
+            <a:avLst/>
+          </a:prstGeom>
+          <a:noFill/>
+          <a:ln>
+            <a:solidFill>
+              <a:srgbClr val="C00000"/>
+            </a:solidFill>
+          </a:ln>
+        </p:spPr>
         <p:txBody>
-          <a:bodyPr/>
+          <a:bodyPr wrap="square" rtlCol="0">
+            <a:spAutoFit/>
+          </a:bodyPr>
           <a:lstStyle/>
           <a:p>
-            <a:r>
-              <a:rPr lang="pt-BR" dirty="0" err="1" smtClean="0"/>
-              <a:t>Work</a:t>
-            </a:r>
-            <a:r>
-              <a:rPr lang="pt-BR" dirty="0" smtClean="0"/>
-              <a:t> </a:t>
-            </a:r>
-            <a:r>
-              <a:rPr lang="pt-BR" dirty="0" err="1" smtClean="0"/>
-              <a:t>will</a:t>
-            </a:r>
-            <a:r>
-              <a:rPr lang="pt-BR" dirty="0" smtClean="0"/>
-              <a:t> </a:t>
-            </a:r>
-            <a:r>
-              <a:rPr lang="pt-BR" dirty="0" err="1" smtClean="0"/>
+            <a:pPr algn="ctr"/>
+            <a:r>
+              <a:rPr lang="pt-BR" b="1" dirty="0" smtClean="0">
+                <a:solidFill>
+                  <a:srgbClr val="FF0000"/>
+                </a:solidFill>
+              </a:rPr>
+              <a:t>classes </a:t>
+            </a:r>
+            <a:r>
+              <a:rPr lang="pt-BR" b="1" dirty="0" err="1" smtClean="0">
+                <a:solidFill>
+                  <a:srgbClr val="FF0000"/>
+                </a:solidFill>
+              </a:rPr>
+              <a:t>to</a:t>
+            </a:r>
+            <a:r>
+              <a:rPr lang="pt-BR" b="1" dirty="0" smtClean="0">
+                <a:solidFill>
+                  <a:srgbClr val="FF0000"/>
+                </a:solidFill>
+              </a:rPr>
+              <a:t> </a:t>
+            </a:r>
+            <a:r>
+              <a:rPr lang="pt-BR" b="1" dirty="0" err="1" smtClean="0">
+                <a:solidFill>
+                  <a:srgbClr val="FF0000"/>
+                </a:solidFill>
+              </a:rPr>
               <a:t>be</a:t>
             </a:r>
             <a:r>
-              <a:rPr lang="pt-BR" dirty="0" smtClean="0"/>
-              <a:t> </a:t>
-            </a:r>
-            <a:r>
-              <a:rPr lang="pt-BR" dirty="0" err="1" smtClean="0"/>
-              <a:t>tracked</a:t>
-            </a:r>
-            <a:r>
-              <a:rPr lang="pt-BR" dirty="0" smtClean="0"/>
-              <a:t> </a:t>
-            </a:r>
-            <a:r>
-              <a:rPr lang="pt-BR" dirty="0" err="1" smtClean="0"/>
-              <a:t>using</a:t>
-            </a:r>
-            <a:r>
-              <a:rPr lang="pt-BR" dirty="0" smtClean="0"/>
-              <a:t> ASANA (</a:t>
-            </a:r>
-            <a:r>
-              <a:rPr lang="pt-BR" dirty="0" err="1" smtClean="0"/>
-              <a:t>or</a:t>
-            </a:r>
-            <a:r>
-              <a:rPr lang="pt-BR" dirty="0" smtClean="0"/>
-              <a:t> TRELLO??)</a:t>
-            </a:r>
-          </a:p>
-          <a:p>
-            <a:r>
-              <a:rPr lang="pt-BR" dirty="0" smtClean="0"/>
-              <a:t>SCRUM-</a:t>
-            </a:r>
-            <a:r>
-              <a:rPr lang="pt-BR" dirty="0" err="1" smtClean="0"/>
-              <a:t>based</a:t>
-            </a:r>
-            <a:r>
-              <a:rPr lang="pt-BR" dirty="0" smtClean="0"/>
-              <a:t>?</a:t>
-            </a:r>
-          </a:p>
-          <a:p>
-            <a:endParaRPr lang="pt-BR" dirty="0"/>
+              <a:rPr lang="pt-BR" b="1" dirty="0" smtClean="0">
+                <a:solidFill>
+                  <a:srgbClr val="FF0000"/>
+                </a:solidFill>
+              </a:rPr>
+              <a:t> </a:t>
+            </a:r>
+            <a:r>
+              <a:rPr lang="pt-BR" b="1" dirty="0" err="1" smtClean="0">
+                <a:solidFill>
+                  <a:srgbClr val="FF0000"/>
+                </a:solidFill>
+              </a:rPr>
+              <a:t>created</a:t>
+            </a:r>
+            <a:endParaRPr lang="pt-BR" b="1" dirty="0">
+              <a:solidFill>
+                <a:srgbClr val="FF0000"/>
+              </a:solidFill>
+            </a:endParaRPr>
           </a:p>
         </p:txBody>
       </p:sp>
+      <p:cxnSp>
+        <p:nvCxnSpPr>
+          <p:cNvPr id="18" name="Conector de seta reta 17"/>
+          <p:cNvCxnSpPr/>
+          <p:nvPr/>
+        </p:nvCxnSpPr>
+        <p:spPr>
+          <a:xfrm>
+            <a:off x="1691680" y="5057564"/>
+            <a:ext cx="4392488" cy="1580438"/>
+          </a:xfrm>
+          <a:prstGeom prst="straightConnector1">
+            <a:avLst/>
+          </a:prstGeom>
+          <a:ln w="15875">
+            <a:solidFill>
+              <a:srgbClr val="C00000"/>
+            </a:solidFill>
+            <a:tailEnd type="arrow"/>
+          </a:ln>
+        </p:spPr>
+        <p:style>
+          <a:lnRef idx="1">
+            <a:schemeClr val="accent1"/>
+          </a:lnRef>
+          <a:fillRef idx="0">
+            <a:schemeClr val="accent1"/>
+          </a:fillRef>
+          <a:effectRef idx="0">
+            <a:schemeClr val="accent1"/>
+          </a:effectRef>
+          <a:fontRef idx="minor">
+            <a:schemeClr val="tx1"/>
+          </a:fontRef>
+        </p:style>
+      </p:cxnSp>
+      <p:cxnSp>
+        <p:nvCxnSpPr>
+          <p:cNvPr id="21" name="Conector de seta reta 20"/>
+          <p:cNvCxnSpPr/>
+          <p:nvPr/>
+        </p:nvCxnSpPr>
+        <p:spPr>
+          <a:xfrm flipV="1">
+            <a:off x="1691680" y="4941168"/>
+            <a:ext cx="4680520" cy="504056"/>
+          </a:xfrm>
+          <a:prstGeom prst="straightConnector1">
+            <a:avLst/>
+          </a:prstGeom>
+          <a:ln w="15875">
+            <a:solidFill>
+              <a:schemeClr val="tx1"/>
+            </a:solidFill>
+            <a:tailEnd type="arrow"/>
+          </a:ln>
+        </p:spPr>
+        <p:style>
+          <a:lnRef idx="1">
+            <a:schemeClr val="accent1"/>
+          </a:lnRef>
+          <a:fillRef idx="0">
+            <a:schemeClr val="accent1"/>
+          </a:fillRef>
+          <a:effectRef idx="0">
+            <a:schemeClr val="accent1"/>
+          </a:effectRef>
+          <a:fontRef idx="minor">
+            <a:schemeClr val="tx1"/>
+          </a:fontRef>
+        </p:style>
+      </p:cxnSp>
+      <p:cxnSp>
+        <p:nvCxnSpPr>
+          <p:cNvPr id="24" name="Conector de seta reta 23"/>
+          <p:cNvCxnSpPr/>
+          <p:nvPr/>
+        </p:nvCxnSpPr>
+        <p:spPr>
+          <a:xfrm flipV="1">
+            <a:off x="1691680" y="4941168"/>
+            <a:ext cx="4680520" cy="906616"/>
+          </a:xfrm>
+          <a:prstGeom prst="straightConnector1">
+            <a:avLst/>
+          </a:prstGeom>
+          <a:ln w="15875">
+            <a:solidFill>
+              <a:schemeClr val="tx1"/>
+            </a:solidFill>
+            <a:tailEnd type="arrow"/>
+          </a:ln>
+        </p:spPr>
+        <p:style>
+          <a:lnRef idx="1">
+            <a:schemeClr val="accent1"/>
+          </a:lnRef>
+          <a:fillRef idx="0">
+            <a:schemeClr val="accent1"/>
+          </a:fillRef>
+          <a:effectRef idx="0">
+            <a:schemeClr val="accent1"/>
+          </a:effectRef>
+          <a:fontRef idx="minor">
+            <a:schemeClr val="tx1"/>
+          </a:fontRef>
+        </p:style>
+      </p:cxnSp>
+      <p:cxnSp>
+        <p:nvCxnSpPr>
+          <p:cNvPr id="27" name="Conector de seta reta 26"/>
+          <p:cNvCxnSpPr/>
+          <p:nvPr/>
+        </p:nvCxnSpPr>
+        <p:spPr>
+          <a:xfrm>
+            <a:off x="3779912" y="6344174"/>
+            <a:ext cx="2304256" cy="293828"/>
+          </a:xfrm>
+          <a:prstGeom prst="straightConnector1">
+            <a:avLst/>
+          </a:prstGeom>
+          <a:ln w="15875">
+            <a:solidFill>
+              <a:srgbClr val="C00000"/>
+            </a:solidFill>
+            <a:tailEnd type="arrow"/>
+          </a:ln>
+        </p:spPr>
+        <p:style>
+          <a:lnRef idx="1">
+            <a:schemeClr val="accent1"/>
+          </a:lnRef>
+          <a:fillRef idx="0">
+            <a:schemeClr val="accent1"/>
+          </a:fillRef>
+          <a:effectRef idx="0">
+            <a:schemeClr val="accent1"/>
+          </a:effectRef>
+          <a:fontRef idx="minor">
+            <a:schemeClr val="tx1"/>
+          </a:fontRef>
+        </p:style>
+      </p:cxnSp>
     </p:spTree>
     <p:extLst>
       <p:ext uri="{BB962C8B-B14F-4D97-AF65-F5344CB8AC3E}">
-        <p14:creationId xmlns:p14="http://schemas.microsoft.com/office/powerpoint/2010/main" val="3698729868"/>
+        <p14:creationId xmlns:p14="http://schemas.microsoft.com/office/powerpoint/2010/main" val="1248768328"/>
       </p:ext>
     </p:extLst>
   </p:cSld>
@@ -5788,9 +10585,422 @@
   <p:timing>
     <p:tnLst>
       <p:par>
-        <p:cTn id="1" dur="indefinite" restart="never" nodeType="tmRoot"/>
+        <p:cTn id="1" dur="indefinite" restart="never" nodeType="tmRoot">
+          <p:childTnLst>
+            <p:seq concurrent="1" nextAc="seek">
+              <p:cTn id="2" dur="indefinite" nodeType="mainSeq">
+                <p:childTnLst>
+                  <p:par>
+                    <p:cTn id="3" fill="hold">
+                      <p:stCondLst>
+                        <p:cond delay="indefinite"/>
+                      </p:stCondLst>
+                      <p:childTnLst>
+                        <p:par>
+                          <p:cTn id="4" fill="hold">
+                            <p:stCondLst>
+                              <p:cond delay="0"/>
+                            </p:stCondLst>
+                            <p:childTnLst>
+                              <p:par>
+                                <p:cTn id="5" presetID="1" presetClass="entr" presetSubtype="0" fill="hold" nodeType="clickEffect">
+                                  <p:stCondLst>
+                                    <p:cond delay="0"/>
+                                  </p:stCondLst>
+                                  <p:childTnLst>
+                                    <p:set>
+                                      <p:cBhvr>
+                                        <p:cTn id="6" dur="1" fill="hold">
+                                          <p:stCondLst>
+                                            <p:cond delay="0"/>
+                                          </p:stCondLst>
+                                        </p:cTn>
+                                        <p:tgtEl>
+                                          <p:spTgt spid="7"/>
+                                        </p:tgtEl>
+                                        <p:attrNameLst>
+                                          <p:attrName>style.visibility</p:attrName>
+                                        </p:attrNameLst>
+                                      </p:cBhvr>
+                                      <p:to>
+                                        <p:strVal val="visible"/>
+                                      </p:to>
+                                    </p:set>
+                                  </p:childTnLst>
+                                </p:cTn>
+                              </p:par>
+                            </p:childTnLst>
+                          </p:cTn>
+                        </p:par>
+                      </p:childTnLst>
+                    </p:cTn>
+                  </p:par>
+                  <p:par>
+                    <p:cTn id="7" fill="hold">
+                      <p:stCondLst>
+                        <p:cond delay="indefinite"/>
+                      </p:stCondLst>
+                      <p:childTnLst>
+                        <p:par>
+                          <p:cTn id="8" fill="hold">
+                            <p:stCondLst>
+                              <p:cond delay="0"/>
+                            </p:stCondLst>
+                            <p:childTnLst>
+                              <p:par>
+                                <p:cTn id="9" presetID="1" presetClass="entr" presetSubtype="0" fill="hold" nodeType="clickEffect">
+                                  <p:stCondLst>
+                                    <p:cond delay="0"/>
+                                  </p:stCondLst>
+                                  <p:childTnLst>
+                                    <p:set>
+                                      <p:cBhvr>
+                                        <p:cTn id="10" dur="1" fill="hold">
+                                          <p:stCondLst>
+                                            <p:cond delay="0"/>
+                                          </p:stCondLst>
+                                        </p:cTn>
+                                        <p:tgtEl>
+                                          <p:spTgt spid="8"/>
+                                        </p:tgtEl>
+                                        <p:attrNameLst>
+                                          <p:attrName>style.visibility</p:attrName>
+                                        </p:attrNameLst>
+                                      </p:cBhvr>
+                                      <p:to>
+                                        <p:strVal val="visible"/>
+                                      </p:to>
+                                    </p:set>
+                                  </p:childTnLst>
+                                </p:cTn>
+                              </p:par>
+                            </p:childTnLst>
+                          </p:cTn>
+                        </p:par>
+                      </p:childTnLst>
+                    </p:cTn>
+                  </p:par>
+                  <p:par>
+                    <p:cTn id="11" fill="hold">
+                      <p:stCondLst>
+                        <p:cond delay="indefinite"/>
+                      </p:stCondLst>
+                      <p:childTnLst>
+                        <p:par>
+                          <p:cTn id="12" fill="hold">
+                            <p:stCondLst>
+                              <p:cond delay="0"/>
+                            </p:stCondLst>
+                            <p:childTnLst>
+                              <p:par>
+                                <p:cTn id="13" presetID="1" presetClass="entr" presetSubtype="0" fill="hold" nodeType="clickEffect">
+                                  <p:stCondLst>
+                                    <p:cond delay="0"/>
+                                  </p:stCondLst>
+                                  <p:childTnLst>
+                                    <p:set>
+                                      <p:cBhvr>
+                                        <p:cTn id="14" dur="1" fill="hold">
+                                          <p:stCondLst>
+                                            <p:cond delay="0"/>
+                                          </p:stCondLst>
+                                        </p:cTn>
+                                        <p:tgtEl>
+                                          <p:spTgt spid="11"/>
+                                        </p:tgtEl>
+                                        <p:attrNameLst>
+                                          <p:attrName>style.visibility</p:attrName>
+                                        </p:attrNameLst>
+                                      </p:cBhvr>
+                                      <p:to>
+                                        <p:strVal val="visible"/>
+                                      </p:to>
+                                    </p:set>
+                                  </p:childTnLst>
+                                </p:cTn>
+                              </p:par>
+                            </p:childTnLst>
+                          </p:cTn>
+                        </p:par>
+                      </p:childTnLst>
+                    </p:cTn>
+                  </p:par>
+                  <p:par>
+                    <p:cTn id="15" fill="hold">
+                      <p:stCondLst>
+                        <p:cond delay="indefinite"/>
+                      </p:stCondLst>
+                      <p:childTnLst>
+                        <p:par>
+                          <p:cTn id="16" fill="hold">
+                            <p:stCondLst>
+                              <p:cond delay="0"/>
+                            </p:stCondLst>
+                            <p:childTnLst>
+                              <p:par>
+                                <p:cTn id="17" presetID="1" presetClass="entr" presetSubtype="0" fill="hold" nodeType="clickEffect">
+                                  <p:stCondLst>
+                                    <p:cond delay="0"/>
+                                  </p:stCondLst>
+                                  <p:childTnLst>
+                                    <p:set>
+                                      <p:cBhvr>
+                                        <p:cTn id="18" dur="1" fill="hold">
+                                          <p:stCondLst>
+                                            <p:cond delay="0"/>
+                                          </p:stCondLst>
+                                        </p:cTn>
+                                        <p:tgtEl>
+                                          <p:spTgt spid="14"/>
+                                        </p:tgtEl>
+                                        <p:attrNameLst>
+                                          <p:attrName>style.visibility</p:attrName>
+                                        </p:attrNameLst>
+                                      </p:cBhvr>
+                                      <p:to>
+                                        <p:strVal val="visible"/>
+                                      </p:to>
+                                    </p:set>
+                                  </p:childTnLst>
+                                </p:cTn>
+                              </p:par>
+                            </p:childTnLst>
+                          </p:cTn>
+                        </p:par>
+                      </p:childTnLst>
+                    </p:cTn>
+                  </p:par>
+                  <p:par>
+                    <p:cTn id="19" fill="hold">
+                      <p:stCondLst>
+                        <p:cond delay="indefinite"/>
+                      </p:stCondLst>
+                      <p:childTnLst>
+                        <p:par>
+                          <p:cTn id="20" fill="hold">
+                            <p:stCondLst>
+                              <p:cond delay="0"/>
+                            </p:stCondLst>
+                            <p:childTnLst>
+                              <p:par>
+                                <p:cTn id="21" presetID="1" presetClass="entr" presetSubtype="0" fill="hold" nodeType="clickEffect">
+                                  <p:stCondLst>
+                                    <p:cond delay="0"/>
+                                  </p:stCondLst>
+                                  <p:childTnLst>
+                                    <p:set>
+                                      <p:cBhvr>
+                                        <p:cTn id="22" dur="1" fill="hold">
+                                          <p:stCondLst>
+                                            <p:cond delay="0"/>
+                                          </p:stCondLst>
+                                        </p:cTn>
+                                        <p:tgtEl>
+                                          <p:spTgt spid="18"/>
+                                        </p:tgtEl>
+                                        <p:attrNameLst>
+                                          <p:attrName>style.visibility</p:attrName>
+                                        </p:attrNameLst>
+                                      </p:cBhvr>
+                                      <p:to>
+                                        <p:strVal val="visible"/>
+                                      </p:to>
+                                    </p:set>
+                                  </p:childTnLst>
+                                </p:cTn>
+                              </p:par>
+                              <p:par>
+                                <p:cTn id="23" presetID="1" presetClass="entr" presetSubtype="0" fill="hold" grpId="0" nodeType="withEffect">
+                                  <p:stCondLst>
+                                    <p:cond delay="0"/>
+                                  </p:stCondLst>
+                                  <p:childTnLst>
+                                    <p:set>
+                                      <p:cBhvr>
+                                        <p:cTn id="24" dur="1" fill="hold">
+                                          <p:stCondLst>
+                                            <p:cond delay="0"/>
+                                          </p:stCondLst>
+                                        </p:cTn>
+                                        <p:tgtEl>
+                                          <p:spTgt spid="17"/>
+                                        </p:tgtEl>
+                                        <p:attrNameLst>
+                                          <p:attrName>style.visibility</p:attrName>
+                                        </p:attrNameLst>
+                                      </p:cBhvr>
+                                      <p:to>
+                                        <p:strVal val="visible"/>
+                                      </p:to>
+                                    </p:set>
+                                  </p:childTnLst>
+                                </p:cTn>
+                              </p:par>
+                            </p:childTnLst>
+                          </p:cTn>
+                        </p:par>
+                      </p:childTnLst>
+                    </p:cTn>
+                  </p:par>
+                  <p:par>
+                    <p:cTn id="25" fill="hold">
+                      <p:stCondLst>
+                        <p:cond delay="indefinite"/>
+                      </p:stCondLst>
+                      <p:childTnLst>
+                        <p:par>
+                          <p:cTn id="26" fill="hold">
+                            <p:stCondLst>
+                              <p:cond delay="0"/>
+                            </p:stCondLst>
+                            <p:childTnLst>
+                              <p:par>
+                                <p:cTn id="27" presetID="1" presetClass="entr" presetSubtype="0" fill="hold" nodeType="clickEffect">
+                                  <p:stCondLst>
+                                    <p:cond delay="0"/>
+                                  </p:stCondLst>
+                                  <p:childTnLst>
+                                    <p:set>
+                                      <p:cBhvr>
+                                        <p:cTn id="28" dur="1" fill="hold">
+                                          <p:stCondLst>
+                                            <p:cond delay="0"/>
+                                          </p:stCondLst>
+                                        </p:cTn>
+                                        <p:tgtEl>
+                                          <p:spTgt spid="21"/>
+                                        </p:tgtEl>
+                                        <p:attrNameLst>
+                                          <p:attrName>style.visibility</p:attrName>
+                                        </p:attrNameLst>
+                                      </p:cBhvr>
+                                      <p:to>
+                                        <p:strVal val="visible"/>
+                                      </p:to>
+                                    </p:set>
+                                  </p:childTnLst>
+                                </p:cTn>
+                              </p:par>
+                            </p:childTnLst>
+                          </p:cTn>
+                        </p:par>
+                      </p:childTnLst>
+                    </p:cTn>
+                  </p:par>
+                  <p:par>
+                    <p:cTn id="29" fill="hold">
+                      <p:stCondLst>
+                        <p:cond delay="indefinite"/>
+                      </p:stCondLst>
+                      <p:childTnLst>
+                        <p:par>
+                          <p:cTn id="30" fill="hold">
+                            <p:stCondLst>
+                              <p:cond delay="0"/>
+                            </p:stCondLst>
+                            <p:childTnLst>
+                              <p:par>
+                                <p:cTn id="31" presetID="1" presetClass="entr" presetSubtype="0" fill="hold" nodeType="clickEffect">
+                                  <p:stCondLst>
+                                    <p:cond delay="0"/>
+                                  </p:stCondLst>
+                                  <p:childTnLst>
+                                    <p:set>
+                                      <p:cBhvr>
+                                        <p:cTn id="32" dur="1" fill="hold">
+                                          <p:stCondLst>
+                                            <p:cond delay="0"/>
+                                          </p:stCondLst>
+                                        </p:cTn>
+                                        <p:tgtEl>
+                                          <p:spTgt spid="24"/>
+                                        </p:tgtEl>
+                                        <p:attrNameLst>
+                                          <p:attrName>style.visibility</p:attrName>
+                                        </p:attrNameLst>
+                                      </p:cBhvr>
+                                      <p:to>
+                                        <p:strVal val="visible"/>
+                                      </p:to>
+                                    </p:set>
+                                  </p:childTnLst>
+                                </p:cTn>
+                              </p:par>
+                            </p:childTnLst>
+                          </p:cTn>
+                        </p:par>
+                      </p:childTnLst>
+                    </p:cTn>
+                  </p:par>
+                  <p:par>
+                    <p:cTn id="33" fill="hold">
+                      <p:stCondLst>
+                        <p:cond delay="indefinite"/>
+                      </p:stCondLst>
+                      <p:childTnLst>
+                        <p:par>
+                          <p:cTn id="34" fill="hold">
+                            <p:stCondLst>
+                              <p:cond delay="0"/>
+                            </p:stCondLst>
+                            <p:childTnLst>
+                              <p:par>
+                                <p:cTn id="35" presetID="1" presetClass="entr" presetSubtype="0" fill="hold" nodeType="clickEffect">
+                                  <p:stCondLst>
+                                    <p:cond delay="0"/>
+                                  </p:stCondLst>
+                                  <p:childTnLst>
+                                    <p:set>
+                                      <p:cBhvr>
+                                        <p:cTn id="36" dur="1" fill="hold">
+                                          <p:stCondLst>
+                                            <p:cond delay="0"/>
+                                          </p:stCondLst>
+                                        </p:cTn>
+                                        <p:tgtEl>
+                                          <p:spTgt spid="27"/>
+                                        </p:tgtEl>
+                                        <p:attrNameLst>
+                                          <p:attrName>style.visibility</p:attrName>
+                                        </p:attrNameLst>
+                                      </p:cBhvr>
+                                      <p:to>
+                                        <p:strVal val="visible"/>
+                                      </p:to>
+                                    </p:set>
+                                  </p:childTnLst>
+                                </p:cTn>
+                              </p:par>
+                            </p:childTnLst>
+                          </p:cTn>
+                        </p:par>
+                      </p:childTnLst>
+                    </p:cTn>
+                  </p:par>
+                </p:childTnLst>
+              </p:cTn>
+              <p:prevCondLst>
+                <p:cond evt="onPrev" delay="0">
+                  <p:tgtEl>
+                    <p:sldTgt/>
+                  </p:tgtEl>
+                </p:cond>
+              </p:prevCondLst>
+              <p:nextCondLst>
+                <p:cond evt="onNext" delay="0">
+                  <p:tgtEl>
+                    <p:sldTgt/>
+                  </p:tgtEl>
+                </p:cond>
+              </p:nextCondLst>
+            </p:seq>
+          </p:childTnLst>
+        </p:cTn>
       </p:par>
     </p:tnLst>
+    <p:bldLst>
+      <p:bldP spid="17" grpId="0" animBg="1"/>
+    </p:bldLst>
   </p:timing>
 </p:sld>
 </file>
@@ -5829,31 +11039,23 @@
           <a:p>
             <a:r>
               <a:rPr lang="pt-BR" dirty="0" err="1" smtClean="0"/>
-              <a:t>Features</a:t>
-            </a:r>
-            <a:r>
-              <a:rPr lang="pt-BR" dirty="0" smtClean="0"/>
-              <a:t> </a:t>
-            </a:r>
-            <a:r>
-              <a:rPr lang="pt-BR" dirty="0" err="1" smtClean="0"/>
-              <a:t>to</a:t>
-            </a:r>
-            <a:r>
-              <a:rPr lang="pt-BR" dirty="0" smtClean="0"/>
-              <a:t> </a:t>
-            </a:r>
-            <a:r>
-              <a:rPr lang="pt-BR" dirty="0" err="1" smtClean="0"/>
-              <a:t>be</a:t>
-            </a:r>
-            <a:r>
-              <a:rPr lang="pt-BR" dirty="0" smtClean="0"/>
-              <a:t> </a:t>
-            </a:r>
-            <a:r>
-              <a:rPr lang="pt-BR" dirty="0" err="1" smtClean="0"/>
-              <a:t>implemented</a:t>
+              <a:t>Code</a:t>
+            </a:r>
+            <a:r>
+              <a:rPr lang="pt-BR" dirty="0" smtClean="0"/>
+              <a:t> </a:t>
+            </a:r>
+            <a:r>
+              <a:rPr lang="pt-BR" dirty="0" err="1" smtClean="0"/>
+              <a:t>style</a:t>
+            </a:r>
+            <a:r>
+              <a:rPr lang="pt-BR" dirty="0" smtClean="0"/>
+              <a:t> </a:t>
+            </a:r>
+            <a:r>
+              <a:rPr lang="pt-BR" dirty="0" err="1" smtClean="0"/>
+              <a:t>guide</a:t>
             </a:r>
             <a:endParaRPr lang="pt-BR" dirty="0"/>
           </a:p>
@@ -5871,12 +11073,34 @@
         </p:nvSpPr>
         <p:spPr/>
         <p:txBody>
-          <a:bodyPr/>
+          <a:bodyPr>
+            <a:noAutofit/>
+          </a:bodyPr>
           <a:lstStyle/>
           <a:p>
             <a:r>
-              <a:rPr lang="pt-BR" dirty="0" smtClean="0"/>
-              <a:t>Go </a:t>
+              <a:rPr lang="pt-BR" dirty="0" err="1" smtClean="0"/>
+              <a:t>This</a:t>
+            </a:r>
+            <a:r>
+              <a:rPr lang="pt-BR" dirty="0" smtClean="0"/>
+              <a:t> </a:t>
+            </a:r>
+            <a:r>
+              <a:rPr lang="pt-BR" dirty="0" err="1" smtClean="0"/>
+              <a:t>project</a:t>
+            </a:r>
+            <a:r>
+              <a:rPr lang="pt-BR" dirty="0" smtClean="0"/>
+              <a:t> </a:t>
+            </a:r>
+            <a:r>
+              <a:rPr lang="pt-BR" dirty="0" err="1" smtClean="0"/>
+              <a:t>adheres</a:t>
+            </a:r>
+            <a:r>
+              <a:rPr lang="pt-BR" dirty="0" smtClean="0"/>
+              <a:t> </a:t>
             </a:r>
             <a:r>
               <a:rPr lang="pt-BR" dirty="0" err="1" smtClean="0"/>
@@ -5884,8 +11108,317 @@
             </a:r>
             <a:r>
               <a:rPr lang="pt-BR" dirty="0" smtClean="0"/>
-              <a:t> ASANA</a:t>
-            </a:r>
+              <a:t>:</a:t>
+            </a:r>
+          </a:p>
+          <a:p>
+            <a:pPr lvl="1"/>
+            <a:r>
+              <a:rPr lang="pt-BR" dirty="0" smtClean="0"/>
+              <a:t>PEP 8: </a:t>
+            </a:r>
+            <a:r>
+              <a:rPr lang="pt-BR" dirty="0" err="1" smtClean="0"/>
+              <a:t>Style</a:t>
+            </a:r>
+            <a:r>
+              <a:rPr lang="pt-BR" dirty="0" smtClean="0"/>
+              <a:t> </a:t>
+            </a:r>
+            <a:r>
+              <a:rPr lang="pt-BR" dirty="0" err="1" smtClean="0"/>
+              <a:t>Guide</a:t>
+            </a:r>
+            <a:r>
+              <a:rPr lang="pt-BR" dirty="0" smtClean="0"/>
+              <a:t> for Python </a:t>
+            </a:r>
+            <a:r>
+              <a:rPr lang="pt-BR" dirty="0" err="1" smtClean="0"/>
+              <a:t>Code</a:t>
+            </a:r>
+            <a:endParaRPr lang="pt-BR" dirty="0" smtClean="0"/>
+          </a:p>
+          <a:p>
+            <a:pPr lvl="1"/>
+            <a:r>
+              <a:rPr lang="pt-BR" dirty="0" smtClean="0"/>
+              <a:t>PEP 257: </a:t>
+            </a:r>
+            <a:r>
+              <a:rPr lang="pt-BR" dirty="0" err="1" smtClean="0"/>
+              <a:t>Docstring</a:t>
+            </a:r>
+            <a:r>
+              <a:rPr lang="pt-BR" dirty="0" smtClean="0"/>
+              <a:t> </a:t>
+            </a:r>
+            <a:r>
+              <a:rPr lang="pt-BR" dirty="0" err="1" smtClean="0"/>
+              <a:t>Conventions</a:t>
+            </a:r>
+            <a:endParaRPr lang="pt-BR" dirty="0" smtClean="0"/>
+          </a:p>
+          <a:p>
+            <a:r>
+              <a:rPr lang="pt-BR" dirty="0" err="1" smtClean="0"/>
+              <a:t>Along</a:t>
+            </a:r>
+            <a:r>
+              <a:rPr lang="pt-BR" dirty="0" smtClean="0"/>
+              <a:t> </a:t>
+            </a:r>
+            <a:r>
+              <a:rPr lang="pt-BR" dirty="0" err="1" smtClean="0"/>
+              <a:t>with</a:t>
+            </a:r>
+            <a:r>
+              <a:rPr lang="pt-BR" dirty="0" smtClean="0"/>
+              <a:t> </a:t>
+            </a:r>
+            <a:r>
+              <a:rPr lang="pt-BR" dirty="0" err="1" smtClean="0"/>
+              <a:t>Style</a:t>
+            </a:r>
+            <a:r>
+              <a:rPr lang="pt-BR" dirty="0" smtClean="0"/>
+              <a:t> </a:t>
+            </a:r>
+            <a:r>
+              <a:rPr lang="pt-BR" dirty="0" err="1" smtClean="0"/>
+              <a:t>Guide</a:t>
+            </a:r>
+            <a:r>
+              <a:rPr lang="pt-BR" dirty="0" smtClean="0"/>
+              <a:t>, </a:t>
+            </a:r>
+            <a:r>
+              <a:rPr lang="pt-BR" dirty="0" err="1" smtClean="0"/>
+              <a:t>the</a:t>
+            </a:r>
+            <a:r>
+              <a:rPr lang="pt-BR" dirty="0" smtClean="0"/>
+              <a:t> </a:t>
+            </a:r>
+            <a:r>
+              <a:rPr lang="pt-BR" dirty="0" err="1" smtClean="0"/>
+              <a:t>following</a:t>
+            </a:r>
+            <a:r>
+              <a:rPr lang="pt-BR" dirty="0" smtClean="0"/>
+              <a:t> </a:t>
+            </a:r>
+            <a:r>
+              <a:rPr lang="pt-BR" dirty="0" err="1" smtClean="0"/>
+              <a:t>useful</a:t>
+            </a:r>
+            <a:r>
+              <a:rPr lang="pt-BR" dirty="0" smtClean="0"/>
+              <a:t> </a:t>
+            </a:r>
+            <a:r>
+              <a:rPr lang="pt-BR" dirty="0" err="1" smtClean="0"/>
+              <a:t>reading</a:t>
+            </a:r>
+            <a:r>
+              <a:rPr lang="pt-BR" dirty="0" smtClean="0"/>
+              <a:t> </a:t>
+            </a:r>
+            <a:r>
+              <a:rPr lang="pt-BR" dirty="0" err="1" smtClean="0"/>
+              <a:t>is</a:t>
+            </a:r>
+            <a:r>
+              <a:rPr lang="pt-BR" dirty="0" smtClean="0"/>
+              <a:t> </a:t>
+            </a:r>
+            <a:r>
+              <a:rPr lang="pt-BR" dirty="0" err="1" smtClean="0"/>
+              <a:t>suggested</a:t>
+            </a:r>
+            <a:r>
+              <a:rPr lang="pt-BR" dirty="0" smtClean="0"/>
+              <a:t>:</a:t>
+            </a:r>
+          </a:p>
+          <a:p>
+            <a:pPr lvl="1"/>
+            <a:r>
+              <a:rPr lang="en-US" dirty="0">
+                <a:hlinkClick r:id="rId2"/>
+              </a:rPr>
+              <a:t>https://</a:t>
+            </a:r>
+            <a:r>
+              <a:rPr lang="en-US" dirty="0" smtClean="0">
+                <a:hlinkClick r:id="rId2"/>
+              </a:rPr>
+              <a:t>google.github.io/styleguide/pyguide.html</a:t>
+            </a:r>
+            <a:endParaRPr lang="en-US" dirty="0" smtClean="0"/>
+          </a:p>
+          <a:p>
+            <a:r>
+              <a:rPr lang="pt-BR" dirty="0" err="1" smtClean="0"/>
+              <a:t>Example</a:t>
+            </a:r>
+            <a:r>
+              <a:rPr lang="pt-BR" dirty="0" smtClean="0"/>
+              <a:t>: </a:t>
+            </a:r>
+            <a:r>
+              <a:rPr lang="pt-BR" dirty="0" err="1" smtClean="0"/>
+              <a:t>naming</a:t>
+            </a:r>
+            <a:endParaRPr lang="pt-BR" dirty="0"/>
+          </a:p>
+          <a:p>
+            <a:pPr marL="274320" lvl="1" indent="0">
+              <a:buNone/>
+            </a:pPr>
+            <a:r>
+              <a:rPr lang="pt-BR" b="1" dirty="0" err="1">
+                <a:latin typeface="Courier New" pitchFamily="49" charset="0"/>
+                <a:cs typeface="Courier New" pitchFamily="49" charset="0"/>
+              </a:rPr>
+              <a:t>module_name</a:t>
+            </a:r>
+            <a:r>
+              <a:rPr lang="pt-BR" b="1" dirty="0">
+                <a:latin typeface="Courier New" pitchFamily="49" charset="0"/>
+                <a:cs typeface="Courier New" pitchFamily="49" charset="0"/>
+              </a:rPr>
+              <a:t>, </a:t>
+            </a:r>
+            <a:r>
+              <a:rPr lang="pt-BR" b="1" dirty="0" err="1">
+                <a:latin typeface="Courier New" pitchFamily="49" charset="0"/>
+                <a:cs typeface="Courier New" pitchFamily="49" charset="0"/>
+              </a:rPr>
+              <a:t>package_name</a:t>
+            </a:r>
+            <a:r>
+              <a:rPr lang="pt-BR" b="1" dirty="0">
+                <a:latin typeface="Courier New" pitchFamily="49" charset="0"/>
+                <a:cs typeface="Courier New" pitchFamily="49" charset="0"/>
+              </a:rPr>
+              <a:t>, </a:t>
+            </a:r>
+            <a:r>
+              <a:rPr lang="pt-BR" b="1" dirty="0" err="1">
+                <a:latin typeface="Courier New" pitchFamily="49" charset="0"/>
+                <a:cs typeface="Courier New" pitchFamily="49" charset="0"/>
+              </a:rPr>
+              <a:t>ClassName</a:t>
+            </a:r>
+            <a:r>
+              <a:rPr lang="pt-BR" b="1" dirty="0">
+                <a:latin typeface="Courier New" pitchFamily="49" charset="0"/>
+                <a:cs typeface="Courier New" pitchFamily="49" charset="0"/>
+              </a:rPr>
+              <a:t>, </a:t>
+            </a:r>
+            <a:r>
+              <a:rPr lang="pt-BR" b="1" dirty="0" err="1">
+                <a:latin typeface="Courier New" pitchFamily="49" charset="0"/>
+                <a:cs typeface="Courier New" pitchFamily="49" charset="0"/>
+              </a:rPr>
+              <a:t>method_name</a:t>
+            </a:r>
+            <a:r>
+              <a:rPr lang="pt-BR" b="1" dirty="0">
+                <a:latin typeface="Courier New" pitchFamily="49" charset="0"/>
+                <a:cs typeface="Courier New" pitchFamily="49" charset="0"/>
+              </a:rPr>
+              <a:t>, </a:t>
+            </a:r>
+            <a:r>
+              <a:rPr lang="pt-BR" b="1" dirty="0" err="1">
+                <a:latin typeface="Courier New" pitchFamily="49" charset="0"/>
+                <a:cs typeface="Courier New" pitchFamily="49" charset="0"/>
+              </a:rPr>
+              <a:t>ExceptionName</a:t>
+            </a:r>
+            <a:r>
+              <a:rPr lang="pt-BR" b="1" dirty="0">
+                <a:latin typeface="Courier New" pitchFamily="49" charset="0"/>
+                <a:cs typeface="Courier New" pitchFamily="49" charset="0"/>
+              </a:rPr>
+              <a:t>, </a:t>
+            </a:r>
+            <a:r>
+              <a:rPr lang="pt-BR" b="1" dirty="0" err="1">
+                <a:latin typeface="Courier New" pitchFamily="49" charset="0"/>
+                <a:cs typeface="Courier New" pitchFamily="49" charset="0"/>
+              </a:rPr>
+              <a:t>function_name</a:t>
+            </a:r>
+            <a:r>
+              <a:rPr lang="pt-BR" b="1" dirty="0">
+                <a:latin typeface="Courier New" pitchFamily="49" charset="0"/>
+                <a:cs typeface="Courier New" pitchFamily="49" charset="0"/>
+              </a:rPr>
+              <a:t>, GLOBAL_CONSTANT_NAME, </a:t>
+            </a:r>
+            <a:r>
+              <a:rPr lang="pt-BR" b="1" dirty="0" err="1">
+                <a:latin typeface="Courier New" pitchFamily="49" charset="0"/>
+                <a:cs typeface="Courier New" pitchFamily="49" charset="0"/>
+              </a:rPr>
+              <a:t>global_var_name</a:t>
+            </a:r>
+            <a:r>
+              <a:rPr lang="pt-BR" b="1" dirty="0">
+                <a:latin typeface="Courier New" pitchFamily="49" charset="0"/>
+                <a:cs typeface="Courier New" pitchFamily="49" charset="0"/>
+              </a:rPr>
+              <a:t>, </a:t>
+            </a:r>
+            <a:r>
+              <a:rPr lang="pt-BR" b="1" dirty="0" err="1">
+                <a:latin typeface="Courier New" pitchFamily="49" charset="0"/>
+                <a:cs typeface="Courier New" pitchFamily="49" charset="0"/>
+              </a:rPr>
+              <a:t>instance_var_name</a:t>
+            </a:r>
+            <a:r>
+              <a:rPr lang="pt-BR" b="1" dirty="0">
+                <a:latin typeface="Courier New" pitchFamily="49" charset="0"/>
+                <a:cs typeface="Courier New" pitchFamily="49" charset="0"/>
+              </a:rPr>
+              <a:t>, </a:t>
+            </a:r>
+            <a:r>
+              <a:rPr lang="pt-BR" b="1" dirty="0" err="1">
+                <a:latin typeface="Courier New" pitchFamily="49" charset="0"/>
+                <a:cs typeface="Courier New" pitchFamily="49" charset="0"/>
+              </a:rPr>
+              <a:t>function_parameter_name</a:t>
+            </a:r>
+            <a:r>
+              <a:rPr lang="pt-BR" b="1" dirty="0">
+                <a:latin typeface="Courier New" pitchFamily="49" charset="0"/>
+                <a:cs typeface="Courier New" pitchFamily="49" charset="0"/>
+              </a:rPr>
+              <a:t>, </a:t>
+            </a:r>
+            <a:r>
+              <a:rPr lang="pt-BR" b="1" dirty="0" err="1">
+                <a:latin typeface="Courier New" pitchFamily="49" charset="0"/>
+                <a:cs typeface="Courier New" pitchFamily="49" charset="0"/>
+              </a:rPr>
+              <a:t>local_var_name</a:t>
+            </a:r>
+            <a:endParaRPr lang="pt-BR" b="1" dirty="0">
+              <a:latin typeface="Courier New" pitchFamily="49" charset="0"/>
+              <a:cs typeface="Courier New" pitchFamily="49" charset="0"/>
+            </a:endParaRPr>
+          </a:p>
+          <a:p>
+            <a:endParaRPr lang="pt-BR" dirty="0" smtClean="0"/>
+          </a:p>
+          <a:p>
+            <a:pPr lvl="1"/>
             <a:endParaRPr lang="pt-BR" dirty="0"/>
           </a:p>
         </p:txBody>
@@ -5893,13 +11426,20 @@
     </p:spTree>
     <p:extLst>
       <p:ext uri="{BB962C8B-B14F-4D97-AF65-F5344CB8AC3E}">
-        <p14:creationId xmlns:p14="http://schemas.microsoft.com/office/powerpoint/2010/main" val="3187348570"/>
+        <p14:creationId xmlns:p14="http://schemas.microsoft.com/office/powerpoint/2010/main" val="4289424578"/>
       </p:ext>
     </p:extLst>
   </p:cSld>
   <p:clrMapOvr>
     <a:masterClrMapping/>
   </p:clrMapOvr>
+  <p:timing>
+    <p:tnLst>
+      <p:par>
+        <p:cTn id="1" dur="indefinite" restart="never" nodeType="tmRoot"/>
+      </p:par>
+    </p:tnLst>
+  </p:timing>
 </p:sld>
 </file>
 

--- a/docs/Welcome to SHARC.pptx
+++ b/docs/Welcome to SHARC.pptx
@@ -5171,12 +5171,8 @@
           <a:lstStyle/>
           <a:p>
             <a:r>
-              <a:rPr lang="pt-BR" dirty="0" err="1" smtClean="0"/>
-              <a:t>Suggestion</a:t>
-            </a:r>
-            <a:r>
-              <a:rPr lang="pt-BR" dirty="0" smtClean="0"/>
-              <a:t>: Anaconda </a:t>
+              <a:rPr lang="pt-BR" dirty="0" smtClean="0"/>
+              <a:t>IDE: Anaconda </a:t>
             </a:r>
             <a:r>
               <a:rPr lang="pt-BR" dirty="0" err="1" smtClean="0"/>
@@ -5189,18 +5185,49 @@
           </a:p>
           <a:p>
             <a:endParaRPr lang="pt-BR" dirty="0"/>
+          </a:p>
+          <a:p>
+            <a:r>
+              <a:rPr lang="pt-BR" dirty="0" err="1" smtClean="0"/>
+              <a:t>TortoiseGit</a:t>
+            </a:r>
+            <a:r>
+              <a:rPr lang="pt-BR" dirty="0" smtClean="0"/>
+              <a:t> </a:t>
+            </a:r>
+            <a:r>
+              <a:rPr lang="pt-BR" dirty="0" err="1" smtClean="0"/>
+              <a:t>to</a:t>
+            </a:r>
+            <a:r>
+              <a:rPr lang="pt-BR" dirty="0" smtClean="0"/>
+              <a:t> </a:t>
+            </a:r>
+            <a:r>
+              <a:rPr lang="pt-BR" dirty="0" err="1" smtClean="0"/>
+              <a:t>manage</a:t>
+            </a:r>
+            <a:r>
+              <a:rPr lang="pt-BR" dirty="0" smtClean="0"/>
+              <a:t> local </a:t>
+            </a:r>
+            <a:r>
+              <a:rPr lang="pt-BR" dirty="0" err="1" smtClean="0"/>
+              <a:t>repositories</a:t>
+            </a:r>
+            <a:endParaRPr lang="pt-BR" dirty="0" smtClean="0"/>
           </a:p>
           <a:p>
             <a:pPr marL="0" indent="0">
               <a:buNone/>
             </a:pPr>
-            <a:r>
-              <a:rPr lang="pt-BR" u="sng" dirty="0">
-                <a:hlinkClick r:id="rId2"/>
-              </a:rPr>
-              <a:t>https://www.continuum.io/downloads</a:t>
-            </a:r>
-            <a:endParaRPr lang="pt-BR" dirty="0"/>
+            <a:endParaRPr lang="pt-BR" u="sng" dirty="0"/>
+          </a:p>
+          <a:p>
+            <a:pPr marL="0" indent="0">
+              <a:buNone/>
+            </a:pPr>
+            <a:endParaRPr lang="pt-BR" u="sng" dirty="0" smtClean="0"/>
           </a:p>
         </p:txBody>
       </p:sp>
